--- a/ppt/第9章-系统设计概述.pptx
+++ b/ppt/第9章-系统设计概述.pptx
@@ -247,7 +247,7 @@
           <a:p>
             <a:fld id="{1422F3CC-357D-493A-AC3A-D56FADEA6296}" type="datetimeFigureOut">
               <a:rPr lang="zh-CN" altLang="en-US" smtClean="0"/>
-              <a:t>2018-04-09</a:t>
+              <a:t>2018-04-16</a:t>
             </a:fld>
             <a:endParaRPr lang="zh-CN" altLang="en-US"/>
           </a:p>
@@ -12409,141 +12409,168 @@
         </p:nvSpPr>
         <p:spPr>
           <a:xfrm>
-            <a:off x="250825" y="1341438"/>
-            <a:ext cx="8642350" cy="5256212"/>
+            <a:off x="683567" y="1772816"/>
+            <a:ext cx="7848873" cy="4536504"/>
           </a:xfrm>
         </p:spPr>
         <p:txBody>
           <a:bodyPr>
-            <a:normAutofit fontScale="92500" lnSpcReduction="20000"/>
+            <a:normAutofit fontScale="70000" lnSpcReduction="20000"/>
           </a:bodyPr>
           <a:lstStyle/>
           <a:p>
             <a:pPr eaLnBrk="1" hangingPunct="1">
               <a:lnSpc>
-                <a:spcPct val="90000"/>
+                <a:spcPct val="120000"/>
               </a:lnSpc>
+              <a:spcBef>
+                <a:spcPts val="0"/>
+              </a:spcBef>
               <a:buFont typeface="Wingdings" panose="05000000000000000000" pitchFamily="2" charset="2"/>
               <a:buNone/>
             </a:pPr>
             <a:r>
-              <a:rPr lang="zh-CN" altLang="en-US" smtClean="0"/>
+              <a:rPr lang="zh-CN" altLang="en-US" dirty="0" smtClean="0"/>
               <a:t>软件模型最主要的两个方面：</a:t>
             </a:r>
           </a:p>
           <a:p>
             <a:pPr eaLnBrk="1" hangingPunct="1">
               <a:lnSpc>
-                <a:spcPct val="90000"/>
+                <a:spcPct val="120000"/>
               </a:lnSpc>
+              <a:spcBef>
+                <a:spcPts val="0"/>
+              </a:spcBef>
               <a:buFont typeface="Wingdings" panose="05000000000000000000" pitchFamily="2" charset="2"/>
               <a:buNone/>
             </a:pPr>
-            <a:endParaRPr lang="zh-CN" altLang="en-US" smtClean="0"/>
+            <a:endParaRPr lang="zh-CN" altLang="en-US" dirty="0" smtClean="0"/>
           </a:p>
           <a:p>
             <a:pPr eaLnBrk="1" hangingPunct="1">
               <a:lnSpc>
-                <a:spcPct val="90000"/>
+                <a:spcPct val="120000"/>
               </a:lnSpc>
+              <a:spcBef>
+                <a:spcPts val="0"/>
+              </a:spcBef>
             </a:pPr>
             <a:r>
-              <a:rPr lang="zh-CN" altLang="en-US" smtClean="0"/>
+              <a:rPr lang="zh-CN" altLang="en-US" dirty="0" smtClean="0"/>
               <a:t>静态模型</a:t>
             </a:r>
           </a:p>
           <a:p>
             <a:pPr lvl="1" eaLnBrk="1" hangingPunct="1">
               <a:lnSpc>
-                <a:spcPct val="90000"/>
+                <a:spcPct val="120000"/>
               </a:lnSpc>
+              <a:spcBef>
+                <a:spcPts val="0"/>
+              </a:spcBef>
             </a:pPr>
             <a:r>
-              <a:rPr lang="zh-CN" altLang="en-US" smtClean="0"/>
+              <a:rPr lang="zh-CN" altLang="en-US" dirty="0" smtClean="0"/>
               <a:t>主要表示软件结构，即组成元素及其关系，一种是开发态的源程序结构，另一种是运行态的构件结构，即程序打包编译</a:t>
             </a:r>
             <a:r>
-              <a:rPr kumimoji="1" lang="zh-CN" altLang="en-US" smtClean="0"/>
+              <a:rPr kumimoji="1" lang="zh-CN" altLang="en-US" dirty="0" smtClean="0"/>
               <a:t>后的组件结构（</a:t>
             </a:r>
             <a:r>
-              <a:rPr kumimoji="1" lang="en-US" altLang="zh-CN" smtClean="0"/>
+              <a:rPr kumimoji="1" lang="en-US" altLang="zh-CN" dirty="0" smtClean="0"/>
               <a:t>Component</a:t>
             </a:r>
             <a:r>
-              <a:rPr kumimoji="1" lang="zh-CN" altLang="en-US" smtClean="0"/>
+              <a:rPr kumimoji="1" lang="zh-CN" altLang="en-US" dirty="0" smtClean="0"/>
               <a:t>，如</a:t>
             </a:r>
             <a:r>
-              <a:rPr kumimoji="1" lang="en-US" altLang="zh-CN" smtClean="0"/>
+              <a:rPr kumimoji="1" lang="en-US" altLang="zh-CN" dirty="0" smtClean="0"/>
               <a:t>jar</a:t>
             </a:r>
             <a:r>
-              <a:rPr kumimoji="1" lang="zh-CN" altLang="en-US" smtClean="0"/>
+              <a:rPr kumimoji="1" lang="zh-CN" altLang="en-US" dirty="0" smtClean="0"/>
               <a:t>、</a:t>
             </a:r>
             <a:r>
-              <a:rPr kumimoji="1" lang="en-US" altLang="zh-CN" smtClean="0"/>
+              <a:rPr kumimoji="1" lang="en-US" altLang="zh-CN" dirty="0" err="1" smtClean="0"/>
               <a:t>dll</a:t>
             </a:r>
             <a:r>
-              <a:rPr kumimoji="1" lang="zh-CN" altLang="en-US" smtClean="0"/>
+              <a:rPr kumimoji="1" lang="zh-CN" altLang="en-US" dirty="0" smtClean="0"/>
               <a:t>）</a:t>
             </a:r>
             <a:r>
-              <a:rPr lang="zh-CN" altLang="en-US" smtClean="0"/>
+              <a:rPr lang="zh-CN" altLang="en-US" dirty="0" smtClean="0"/>
               <a:t> 。</a:t>
             </a:r>
           </a:p>
           <a:p>
             <a:pPr lvl="1" eaLnBrk="1" hangingPunct="1">
               <a:lnSpc>
-                <a:spcPct val="90000"/>
+                <a:spcPct val="120000"/>
               </a:lnSpc>
+              <a:spcBef>
+                <a:spcPts val="0"/>
+              </a:spcBef>
             </a:pPr>
             <a:r>
-              <a:rPr lang="zh-CN" altLang="en-US" smtClean="0"/>
+              <a:rPr lang="zh-CN" altLang="en-US" dirty="0" smtClean="0"/>
               <a:t>可以采用模块结构图（结构化方法）、类图（面向对象方法）、构件图等描述软件结构。</a:t>
             </a:r>
           </a:p>
           <a:p>
             <a:pPr lvl="1" eaLnBrk="1" hangingPunct="1">
               <a:lnSpc>
-                <a:spcPct val="90000"/>
+                <a:spcPct val="120000"/>
               </a:lnSpc>
+              <a:spcBef>
+                <a:spcPts val="0"/>
+              </a:spcBef>
             </a:pPr>
-            <a:endParaRPr lang="zh-CN" altLang="en-US" smtClean="0"/>
+            <a:endParaRPr lang="zh-CN" altLang="en-US" dirty="0" smtClean="0"/>
           </a:p>
           <a:p>
             <a:pPr eaLnBrk="1" hangingPunct="1">
               <a:lnSpc>
-                <a:spcPct val="90000"/>
+                <a:spcPct val="120000"/>
               </a:lnSpc>
+              <a:spcBef>
+                <a:spcPts val="0"/>
+              </a:spcBef>
             </a:pPr>
             <a:r>
-              <a:rPr lang="zh-CN" altLang="en-US" smtClean="0"/>
+              <a:rPr lang="zh-CN" altLang="en-US" dirty="0" smtClean="0"/>
               <a:t>动态模型</a:t>
             </a:r>
           </a:p>
           <a:p>
             <a:pPr lvl="1" eaLnBrk="1" hangingPunct="1">
               <a:lnSpc>
-                <a:spcPct val="90000"/>
+                <a:spcPct val="120000"/>
               </a:lnSpc>
+              <a:spcBef>
+                <a:spcPts val="0"/>
+              </a:spcBef>
             </a:pPr>
             <a:r>
-              <a:rPr lang="zh-CN" altLang="en-US" smtClean="0"/>
+              <a:rPr lang="zh-CN" altLang="en-US" dirty="0" smtClean="0"/>
               <a:t>主要表示软件执行动作的步骤和流程控制。</a:t>
             </a:r>
           </a:p>
           <a:p>
             <a:pPr lvl="1" eaLnBrk="1" hangingPunct="1">
               <a:lnSpc>
-                <a:spcPct val="90000"/>
+                <a:spcPct val="120000"/>
               </a:lnSpc>
+              <a:spcBef>
+                <a:spcPts val="0"/>
+              </a:spcBef>
             </a:pPr>
             <a:r>
-              <a:rPr lang="zh-CN" altLang="en-US" smtClean="0"/>
+              <a:rPr lang="zh-CN" altLang="en-US" dirty="0" smtClean="0"/>
               <a:t>程序流程图（结构化方法） 、顺序图（面向对象方法）</a:t>
             </a:r>
           </a:p>
@@ -13456,7 +13483,7 @@
           <a:graphicData uri="http://schemas.openxmlformats.org/presentationml/2006/ole">
             <mc:AlternateContent xmlns:mc="http://schemas.openxmlformats.org/markup-compatibility/2006">
               <mc:Choice xmlns:v="urn:schemas-microsoft-com:vml" Requires="v">
-                <p:oleObj spid="_x0000_s5124" name="位图图像" r:id="rId3" imgW="895238" imgH="905001" progId="Paint.Picture">
+                <p:oleObj spid="_x0000_s5128" name="位图图像" r:id="rId3" imgW="895238" imgH="905001" progId="Paint.Picture">
                   <p:embed/>
                 </p:oleObj>
               </mc:Choice>
@@ -13549,7 +13576,7 @@
           <a:graphicData uri="http://schemas.openxmlformats.org/presentationml/2006/ole">
             <mc:AlternateContent xmlns:mc="http://schemas.openxmlformats.org/markup-compatibility/2006">
               <mc:Choice xmlns:v="urn:schemas-microsoft-com:vml" Requires="v">
-                <p:oleObj spid="_x0000_s5125" name="位图图像" r:id="rId5" imgW="905001" imgH="905001" progId="Paint.Picture">
+                <p:oleObj spid="_x0000_s5129" name="位图图像" r:id="rId5" imgW="905001" imgH="905001" progId="Paint.Picture">
                   <p:embed/>
                 </p:oleObj>
               </mc:Choice>
@@ -16005,8 +16032,8 @@
         </p:nvSpPr>
         <p:spPr>
           <a:xfrm>
-            <a:off x="611560" y="1700808"/>
-            <a:ext cx="7776864" cy="4969297"/>
+            <a:off x="755576" y="1628800"/>
+            <a:ext cx="7632848" cy="4969297"/>
           </a:xfrm>
         </p:spPr>
         <p:txBody>

--- a/ppt/第9章-系统设计概述.pptx
+++ b/ppt/第9章-系统设计概述.pptx
@@ -5,10 +5,10 @@
     <p:sldMasterId id="2147483923" r:id="rId1"/>
   </p:sldMasterIdLst>
   <p:notesMasterIdLst>
-    <p:notesMasterId r:id="rId24"/>
+    <p:notesMasterId r:id="rId28"/>
   </p:notesMasterIdLst>
   <p:handoutMasterIdLst>
-    <p:handoutMasterId r:id="rId25"/>
+    <p:handoutMasterId r:id="rId29"/>
   </p:handoutMasterIdLst>
   <p:sldIdLst>
     <p:sldId id="256" r:id="rId2"/>
@@ -20,19 +20,23 @@
     <p:sldId id="386" r:id="rId8"/>
     <p:sldId id="387" r:id="rId9"/>
     <p:sldId id="388" r:id="rId10"/>
-    <p:sldId id="389" r:id="rId11"/>
-    <p:sldId id="390" r:id="rId12"/>
-    <p:sldId id="391" r:id="rId13"/>
-    <p:sldId id="392" r:id="rId14"/>
-    <p:sldId id="393" r:id="rId15"/>
-    <p:sldId id="394" r:id="rId16"/>
-    <p:sldId id="395" r:id="rId17"/>
-    <p:sldId id="396" r:id="rId18"/>
-    <p:sldId id="397" r:id="rId19"/>
-    <p:sldId id="398" r:id="rId20"/>
-    <p:sldId id="399" r:id="rId21"/>
-    <p:sldId id="400" r:id="rId22"/>
-    <p:sldId id="401" r:id="rId23"/>
+    <p:sldId id="402" r:id="rId11"/>
+    <p:sldId id="389" r:id="rId12"/>
+    <p:sldId id="403" r:id="rId13"/>
+    <p:sldId id="390" r:id="rId14"/>
+    <p:sldId id="404" r:id="rId15"/>
+    <p:sldId id="391" r:id="rId16"/>
+    <p:sldId id="392" r:id="rId17"/>
+    <p:sldId id="405" r:id="rId18"/>
+    <p:sldId id="393" r:id="rId19"/>
+    <p:sldId id="394" r:id="rId20"/>
+    <p:sldId id="395" r:id="rId21"/>
+    <p:sldId id="396" r:id="rId22"/>
+    <p:sldId id="397" r:id="rId23"/>
+    <p:sldId id="398" r:id="rId24"/>
+    <p:sldId id="399" r:id="rId25"/>
+    <p:sldId id="400" r:id="rId26"/>
+    <p:sldId id="401" r:id="rId27"/>
   </p:sldIdLst>
   <p:sldSz cx="9144000" cy="6858000" type="screen4x3"/>
   <p:notesSz cx="6858000" cy="9144000"/>
@@ -247,7 +251,7 @@
           <a:p>
             <a:fld id="{1422F3CC-357D-493A-AC3A-D56FADEA6296}" type="datetimeFigureOut">
               <a:rPr lang="zh-CN" altLang="en-US" smtClean="0"/>
-              <a:t>2018-04-16</a:t>
+              <a:t>2018-04-17</a:t>
             </a:fld>
             <a:endParaRPr lang="zh-CN" altLang="en-US"/>
           </a:p>
@@ -1050,6 +1054,335 @@
     <p:extLst>
       <p:ext uri="{BB962C8B-B14F-4D97-AF65-F5344CB8AC3E}">
         <p14:creationId xmlns:p14="http://schemas.microsoft.com/office/powerpoint/2010/main" val="3765380159"/>
+      </p:ext>
+    </p:extLst>
+  </p:cSld>
+  <p:clrMapOvr>
+    <a:masterClrMapping/>
+  </p:clrMapOvr>
+</p:notes>
+</file>
+
+<file path=ppt/notesSlides/notesSlide2.xml><?xml version="1.0" encoding="utf-8"?>
+<p:notes xmlns:a="http://schemas.openxmlformats.org/drawingml/2006/main" xmlns:r="http://schemas.openxmlformats.org/officeDocument/2006/relationships" xmlns:p="http://schemas.openxmlformats.org/presentationml/2006/main">
+  <p:cSld>
+    <p:spTree>
+      <p:nvGrpSpPr>
+        <p:cNvPr id="1" name=""/>
+        <p:cNvGrpSpPr/>
+        <p:nvPr/>
+      </p:nvGrpSpPr>
+      <p:grpSpPr>
+        <a:xfrm>
+          <a:off x="0" y="0"/>
+          <a:ext cx="0" cy="0"/>
+          <a:chOff x="0" y="0"/>
+          <a:chExt cx="0" cy="0"/>
+        </a:xfrm>
+      </p:grpSpPr>
+      <p:sp>
+        <p:nvSpPr>
+          <p:cNvPr id="2" name="幻灯片图像占位符 1"/>
+          <p:cNvSpPr>
+            <a:spLocks noGrp="1" noRot="1" noChangeAspect="1"/>
+          </p:cNvSpPr>
+          <p:nvPr>
+            <p:ph type="sldImg"/>
+          </p:nvPr>
+        </p:nvSpPr>
+        <p:spPr/>
+      </p:sp>
+      <p:sp>
+        <p:nvSpPr>
+          <p:cNvPr id="3" name="备注占位符 2"/>
+          <p:cNvSpPr>
+            <a:spLocks noGrp="1"/>
+          </p:cNvSpPr>
+          <p:nvPr>
+            <p:ph type="body" idx="1"/>
+          </p:nvPr>
+        </p:nvSpPr>
+        <p:spPr/>
+        <p:txBody>
+          <a:bodyPr/>
+          <a:lstStyle/>
+          <a:p>
+            <a:r>
+              <a:rPr lang="zh-CN" altLang="en-US" sz="1200" b="0" i="0" kern="1200" dirty="0" smtClean="0">
+                <a:solidFill>
+                  <a:schemeClr val="tx1"/>
+                </a:solidFill>
+                <a:effectLst/>
+                <a:latin typeface="Arial" panose="020B0604020202020204" pitchFamily="34" charset="0"/>
+                <a:ea typeface="宋体" panose="02010600030101010101" pitchFamily="2" charset="-122"/>
+                <a:cs typeface="+mn-cs"/>
+              </a:rPr>
+              <a:t>水波效应：指人们对</a:t>
+            </a:r>
+            <a:r>
+              <a:rPr lang="zh-CN" altLang="en-US" sz="1200" b="0" i="0" u="none" strike="noStrike" kern="1200" dirty="0" smtClean="0">
+                <a:solidFill>
+                  <a:schemeClr val="tx1"/>
+                </a:solidFill>
+                <a:effectLst/>
+                <a:latin typeface="Arial" panose="020B0604020202020204" pitchFamily="34" charset="0"/>
+                <a:ea typeface="宋体" panose="02010600030101010101" pitchFamily="2" charset="-122"/>
+                <a:cs typeface="+mn-cs"/>
+                <a:hlinkClick r:id="rId3"/>
+              </a:rPr>
+              <a:t>程序</a:t>
+            </a:r>
+            <a:r>
+              <a:rPr lang="zh-CN" altLang="en-US" sz="1200" b="0" i="0" kern="1200" dirty="0" smtClean="0">
+                <a:solidFill>
+                  <a:schemeClr val="tx1"/>
+                </a:solidFill>
+                <a:effectLst/>
+                <a:latin typeface="Arial" panose="020B0604020202020204" pitchFamily="34" charset="0"/>
+                <a:ea typeface="宋体" panose="02010600030101010101" pitchFamily="2" charset="-122"/>
+                <a:cs typeface="+mn-cs"/>
+              </a:rPr>
+              <a:t>的某一处甲进行</a:t>
+            </a:r>
+            <a:r>
+              <a:rPr lang="zh-CN" altLang="en-US" sz="1200" b="0" i="0" u="none" strike="noStrike" kern="1200" dirty="0" smtClean="0">
+                <a:solidFill>
+                  <a:schemeClr val="tx1"/>
+                </a:solidFill>
+                <a:effectLst/>
+                <a:latin typeface="Arial" panose="020B0604020202020204" pitchFamily="34" charset="0"/>
+                <a:ea typeface="宋体" panose="02010600030101010101" pitchFamily="2" charset="-122"/>
+                <a:cs typeface="+mn-cs"/>
+                <a:hlinkClick r:id="rId4"/>
+              </a:rPr>
+              <a:t>修改</a:t>
+            </a:r>
+            <a:r>
+              <a:rPr lang="zh-CN" altLang="en-US" sz="1200" b="0" i="0" kern="1200" dirty="0" smtClean="0">
+                <a:solidFill>
+                  <a:schemeClr val="tx1"/>
+                </a:solidFill>
+                <a:effectLst/>
+                <a:latin typeface="Arial" panose="020B0604020202020204" pitchFamily="34" charset="0"/>
+                <a:ea typeface="宋体" panose="02010600030101010101" pitchFamily="2" charset="-122"/>
+                <a:cs typeface="+mn-cs"/>
+              </a:rPr>
+              <a:t>时引出乙的错误，修改乙时又影响到丙，以此类推形成的一石激起千层浪的连带影响的局面。</a:t>
+            </a:r>
+            <a:endParaRPr lang="zh-CN" altLang="en-US" dirty="0"/>
+          </a:p>
+        </p:txBody>
+      </p:sp>
+      <p:sp>
+        <p:nvSpPr>
+          <p:cNvPr id="4" name="灯片编号占位符 3"/>
+          <p:cNvSpPr>
+            <a:spLocks noGrp="1"/>
+          </p:cNvSpPr>
+          <p:nvPr>
+            <p:ph type="sldNum" sz="quarter" idx="10"/>
+          </p:nvPr>
+        </p:nvSpPr>
+        <p:spPr/>
+        <p:txBody>
+          <a:bodyPr/>
+          <a:lstStyle/>
+          <a:p>
+            <a:pPr>
+              <a:defRPr/>
+            </a:pPr>
+            <a:fld id="{AC828777-D76F-4FAD-A6AE-8232CE9E31C4}" type="slidenum">
+              <a:rPr lang="en-US" altLang="zh-CN" smtClean="0"/>
+              <a:pPr>
+                <a:defRPr/>
+              </a:pPr>
+              <a:t>8</a:t>
+            </a:fld>
+            <a:endParaRPr lang="en-US" altLang="zh-CN"/>
+          </a:p>
+        </p:txBody>
+      </p:sp>
+    </p:spTree>
+    <p:extLst>
+      <p:ext uri="{BB962C8B-B14F-4D97-AF65-F5344CB8AC3E}">
+        <p14:creationId xmlns:p14="http://schemas.microsoft.com/office/powerpoint/2010/main" val="1101586065"/>
+      </p:ext>
+    </p:extLst>
+  </p:cSld>
+  <p:clrMapOvr>
+    <a:masterClrMapping/>
+  </p:clrMapOvr>
+</p:notes>
+</file>
+
+<file path=ppt/notesSlides/notesSlide3.xml><?xml version="1.0" encoding="utf-8"?>
+<p:notes xmlns:a="http://schemas.openxmlformats.org/drawingml/2006/main" xmlns:r="http://schemas.openxmlformats.org/officeDocument/2006/relationships" xmlns:p="http://schemas.openxmlformats.org/presentationml/2006/main">
+  <p:cSld>
+    <p:spTree>
+      <p:nvGrpSpPr>
+        <p:cNvPr id="1" name=""/>
+        <p:cNvGrpSpPr/>
+        <p:nvPr/>
+      </p:nvGrpSpPr>
+      <p:grpSpPr>
+        <a:xfrm>
+          <a:off x="0" y="0"/>
+          <a:ext cx="0" cy="0"/>
+          <a:chOff x="0" y="0"/>
+          <a:chExt cx="0" cy="0"/>
+        </a:xfrm>
+      </p:grpSpPr>
+      <p:sp>
+        <p:nvSpPr>
+          <p:cNvPr id="2" name="幻灯片图像占位符 1"/>
+          <p:cNvSpPr>
+            <a:spLocks noGrp="1" noRot="1" noChangeAspect="1"/>
+          </p:cNvSpPr>
+          <p:nvPr>
+            <p:ph type="sldImg"/>
+          </p:nvPr>
+        </p:nvSpPr>
+        <p:spPr/>
+      </p:sp>
+      <p:sp>
+        <p:nvSpPr>
+          <p:cNvPr id="3" name="备注占位符 2"/>
+          <p:cNvSpPr>
+            <a:spLocks noGrp="1"/>
+          </p:cNvSpPr>
+          <p:nvPr>
+            <p:ph type="body" idx="1"/>
+          </p:nvPr>
+        </p:nvSpPr>
+        <p:spPr/>
+        <p:txBody>
+          <a:bodyPr/>
+          <a:lstStyle/>
+          <a:p>
+            <a:r>
+              <a:rPr lang="en-US" altLang="zh-CN" sz="1200" b="0" i="0" kern="1200" dirty="0" err="1" smtClean="0">
+                <a:solidFill>
+                  <a:schemeClr val="tx1"/>
+                </a:solidFill>
+                <a:effectLst/>
+                <a:latin typeface="Arial" panose="020B0604020202020204" pitchFamily="34" charset="0"/>
+                <a:ea typeface="宋体" panose="02010600030101010101" pitchFamily="2" charset="-122"/>
+                <a:cs typeface="+mn-cs"/>
+              </a:rPr>
+              <a:t>SOA:Service</a:t>
+            </a:r>
+            <a:r>
+              <a:rPr lang="en-US" altLang="zh-CN" sz="1200" b="0" i="0" kern="1200" dirty="0" smtClean="0">
+                <a:solidFill>
+                  <a:schemeClr val="tx1"/>
+                </a:solidFill>
+                <a:effectLst/>
+                <a:latin typeface="Arial" panose="020B0604020202020204" pitchFamily="34" charset="0"/>
+                <a:ea typeface="宋体" panose="02010600030101010101" pitchFamily="2" charset="-122"/>
+                <a:cs typeface="+mn-cs"/>
+              </a:rPr>
+              <a:t> Oriented Ambiguity(</a:t>
+            </a:r>
+            <a:r>
+              <a:rPr lang="zh-CN" altLang="en-US" sz="1200" b="0" i="0" kern="1200" dirty="0" smtClean="0">
+                <a:solidFill>
+                  <a:schemeClr val="tx1"/>
+                </a:solidFill>
+                <a:effectLst/>
+                <a:latin typeface="Arial" panose="020B0604020202020204" pitchFamily="34" charset="0"/>
+                <a:ea typeface="宋体" panose="02010600030101010101" pitchFamily="2" charset="-122"/>
+                <a:cs typeface="+mn-cs"/>
+              </a:rPr>
+              <a:t>模糊</a:t>
+            </a:r>
+            <a:r>
+              <a:rPr lang="en-US" altLang="zh-CN" sz="1200" b="0" i="0" kern="1200" dirty="0" smtClean="0">
+                <a:solidFill>
+                  <a:schemeClr val="tx1"/>
+                </a:solidFill>
+                <a:effectLst/>
+                <a:latin typeface="Arial" panose="020B0604020202020204" pitchFamily="34" charset="0"/>
+                <a:ea typeface="宋体" panose="02010600030101010101" pitchFamily="2" charset="-122"/>
+                <a:cs typeface="+mn-cs"/>
+              </a:rPr>
+              <a:t>)</a:t>
+            </a:r>
+          </a:p>
+          <a:p>
+            <a:r>
+              <a:rPr lang="zh-CN" altLang="en-US" sz="1200" b="0" i="0" kern="1200" dirty="0" smtClean="0">
+                <a:solidFill>
+                  <a:schemeClr val="tx1"/>
+                </a:solidFill>
+                <a:effectLst/>
+                <a:latin typeface="Arial" panose="020B0604020202020204" pitchFamily="34" charset="0"/>
+                <a:ea typeface="宋体" panose="02010600030101010101" pitchFamily="2" charset="-122"/>
+                <a:cs typeface="+mn-cs"/>
+              </a:rPr>
+              <a:t>面向服务的</a:t>
+            </a:r>
+            <a:r>
+              <a:rPr lang="zh-CN" altLang="en-US" sz="1200" b="0" i="0" u="none" strike="noStrike" kern="1200" dirty="0" smtClean="0">
+                <a:solidFill>
+                  <a:schemeClr val="tx1"/>
+                </a:solidFill>
+                <a:effectLst/>
+                <a:latin typeface="Arial" panose="020B0604020202020204" pitchFamily="34" charset="0"/>
+                <a:ea typeface="宋体" panose="02010600030101010101" pitchFamily="2" charset="-122"/>
+                <a:cs typeface="+mn-cs"/>
+                <a:hlinkClick r:id="rId3"/>
+              </a:rPr>
+              <a:t>体系结构</a:t>
+            </a:r>
+            <a:r>
+              <a:rPr lang="zh-CN" altLang="en-US" sz="1200" b="0" i="0" kern="1200" dirty="0" smtClean="0">
+                <a:solidFill>
+                  <a:schemeClr val="tx1"/>
+                </a:solidFill>
+                <a:effectLst/>
+                <a:latin typeface="Arial" panose="020B0604020202020204" pitchFamily="34" charset="0"/>
+                <a:ea typeface="宋体" panose="02010600030101010101" pitchFamily="2" charset="-122"/>
+                <a:cs typeface="+mn-cs"/>
+              </a:rPr>
+              <a:t>，是一个组件模型，它将应用程序的不同功能单元（称为服务）通过这些服务之间定义良好的接口和契约联系起来。接口是采用中立的方式进行定义的，它应该独立于实现服务的硬件平台、操作系统和编程语言。这使得构建在各种这样的系统中的服务可以以一种统一和通用的方式进行交互。</a:t>
+            </a:r>
+            <a:endParaRPr lang="zh-CN" altLang="en-US" dirty="0"/>
+          </a:p>
+        </p:txBody>
+      </p:sp>
+      <p:sp>
+        <p:nvSpPr>
+          <p:cNvPr id="4" name="灯片编号占位符 3"/>
+          <p:cNvSpPr>
+            <a:spLocks noGrp="1"/>
+          </p:cNvSpPr>
+          <p:nvPr>
+            <p:ph type="sldNum" sz="quarter" idx="10"/>
+          </p:nvPr>
+        </p:nvSpPr>
+        <p:spPr/>
+        <p:txBody>
+          <a:bodyPr/>
+          <a:lstStyle/>
+          <a:p>
+            <a:pPr>
+              <a:defRPr/>
+            </a:pPr>
+            <a:fld id="{AC828777-D76F-4FAD-A6AE-8232CE9E31C4}" type="slidenum">
+              <a:rPr lang="en-US" altLang="zh-CN" smtClean="0"/>
+              <a:pPr>
+                <a:defRPr/>
+              </a:pPr>
+              <a:t>23</a:t>
+            </a:fld>
+            <a:endParaRPr lang="en-US" altLang="zh-CN"/>
+          </a:p>
+        </p:txBody>
+      </p:sp>
+    </p:spTree>
+    <p:extLst>
+      <p:ext uri="{BB962C8B-B14F-4D97-AF65-F5344CB8AC3E}">
+        <p14:creationId xmlns:p14="http://schemas.microsoft.com/office/powerpoint/2010/main" val="2253619776"/>
       </p:ext>
     </p:extLst>
   </p:cSld>
@@ -7372,7 +7705,7 @@
       </p:grpSpPr>
       <p:sp>
         <p:nvSpPr>
-          <p:cNvPr id="12290" name="Rectangle 2"/>
+          <p:cNvPr id="11266" name="Rectangle 2"/>
           <p:cNvSpPr>
             <a:spLocks noGrp="1" noChangeArrowheads="1"/>
           </p:cNvSpPr>
@@ -7388,18 +7721,18 @@
             <a:pPr eaLnBrk="1" hangingPunct="1"/>
             <a:r>
               <a:rPr lang="en-US" altLang="zh-CN" smtClean="0"/>
-              <a:t>2. </a:t>
+              <a:t>1. </a:t>
             </a:r>
             <a:r>
               <a:rPr lang="zh-CN" altLang="en-US" smtClean="0"/>
-              <a:t>基本设计方法</a:t>
-            </a:r>
-          </a:p>
-        </p:txBody>
-      </p:sp>
-      <p:sp>
-        <p:nvSpPr>
-          <p:cNvPr id="12291" name="Rectangle 3"/>
+              <a:t>低劣设计带来的问题</a:t>
+            </a:r>
+          </a:p>
+        </p:txBody>
+      </p:sp>
+      <p:sp>
+        <p:nvSpPr>
+          <p:cNvPr id="11267" name="Rectangle 3"/>
           <p:cNvSpPr>
             <a:spLocks noGrp="1" noChangeArrowheads="1"/>
           </p:cNvSpPr>
@@ -7409,99 +7742,97 @@
         </p:nvSpPr>
         <p:spPr>
           <a:xfrm>
-            <a:off x="971600" y="1763667"/>
-            <a:ext cx="7022886" cy="4545653"/>
+            <a:off x="755576" y="1628800"/>
+            <a:ext cx="7632848" cy="4969297"/>
           </a:xfrm>
         </p:spPr>
         <p:txBody>
           <a:bodyPr>
-            <a:normAutofit fontScale="62500" lnSpcReduction="20000"/>
+            <a:noAutofit/>
           </a:bodyPr>
           <a:lstStyle/>
           <a:p>
-            <a:pPr eaLnBrk="1" hangingPunct="1">
+            <a:pPr lvl="1" eaLnBrk="1" hangingPunct="1">
               <a:lnSpc>
-                <a:spcPct val="120000"/>
+                <a:spcPct val="110000"/>
               </a:lnSpc>
               <a:spcBef>
                 <a:spcPts val="0"/>
               </a:spcBef>
             </a:pPr>
             <a:r>
-              <a:rPr lang="zh-CN" altLang="en-US" dirty="0" smtClean="0"/>
-              <a:t>为了设计出结构良好的系统，方法如下：</a:t>
+              <a:rPr lang="zh-CN" altLang="en-US" sz="2400" dirty="0" smtClean="0"/>
+              <a:t>不必要</a:t>
+            </a:r>
+            <a:r>
+              <a:rPr lang="zh-CN" altLang="en-US" sz="2400" dirty="0" smtClean="0"/>
+              <a:t>的复杂性</a:t>
+            </a:r>
+            <a:r>
+              <a:rPr lang="en-US" altLang="zh-CN" sz="2400" dirty="0" smtClean="0"/>
+              <a:t>(needless complexity)</a:t>
+            </a:r>
+            <a:r>
+              <a:rPr lang="zh-CN" altLang="en-US" sz="2400" dirty="0" smtClean="0"/>
+              <a:t>：过度设计，很多非常聪明的超前的结构目前还不需要，什么时候需要不得而知。</a:t>
             </a:r>
           </a:p>
           <a:p>
             <a:pPr lvl="1" eaLnBrk="1" hangingPunct="1">
               <a:lnSpc>
-                <a:spcPct val="120000"/>
+                <a:spcPct val="110000"/>
               </a:lnSpc>
               <a:spcBef>
                 <a:spcPts val="0"/>
               </a:spcBef>
             </a:pPr>
             <a:r>
-              <a:rPr lang="en-US" altLang="zh-CN" dirty="0" smtClean="0"/>
-              <a:t>(1) </a:t>
-            </a:r>
-            <a:r>
-              <a:rPr lang="zh-CN" altLang="en-US" dirty="0" smtClean="0"/>
-              <a:t>把系统划分为一些部分，其中每一部分的功能简单明确，内容简明易懂，易于修改。这样的组成单元可以是模块、类、组件、服务和子系统。</a:t>
+              <a:rPr lang="zh-CN" altLang="en-US" sz="2400" dirty="0" smtClean="0"/>
+              <a:t>不必要的重复性（</a:t>
+            </a:r>
+            <a:r>
+              <a:rPr lang="en-US" altLang="zh-CN" sz="2400" dirty="0" smtClean="0"/>
+              <a:t>needless repetition</a:t>
+            </a:r>
+            <a:r>
+              <a:rPr lang="zh-CN" altLang="en-US" sz="2400" dirty="0" smtClean="0"/>
+              <a:t>）：因为忽视抽象而使很多代码看上去是重复的，将来修改一处时，导致多处修改。</a:t>
             </a:r>
           </a:p>
           <a:p>
             <a:pPr lvl="1" eaLnBrk="1" hangingPunct="1">
               <a:lnSpc>
-                <a:spcPct val="120000"/>
+                <a:spcPct val="110000"/>
               </a:lnSpc>
               <a:spcBef>
                 <a:spcPts val="0"/>
               </a:spcBef>
             </a:pPr>
             <a:r>
-              <a:rPr lang="en-US" altLang="zh-CN" dirty="0" smtClean="0"/>
-              <a:t>(2) </a:t>
-            </a:r>
-            <a:r>
-              <a:rPr lang="zh-CN" altLang="en-US" dirty="0" smtClean="0"/>
-              <a:t>系统功能单元的划分按层次进行。整个系统分解成若干子系统，然后每个子系统按功能再分解为更小的功能单元（如菜单项、人机窗口界面、业务功能组件等），依次下去。最底层的基本单元可以设计成一个函数、子过程、或类的一个方法。</a:t>
-            </a:r>
-          </a:p>
-          <a:p>
-            <a:pPr lvl="1" eaLnBrk="1" hangingPunct="1">
+              <a:rPr lang="zh-CN" altLang="en-US" sz="2400" dirty="0" smtClean="0"/>
+              <a:t>晦涩性（</a:t>
+            </a:r>
+            <a:r>
+              <a:rPr lang="en-US" altLang="zh-CN" sz="2400" dirty="0" smtClean="0"/>
+              <a:t>opacity</a:t>
+            </a:r>
+            <a:r>
+              <a:rPr lang="zh-CN" altLang="en-US" sz="2400" dirty="0" smtClean="0"/>
+              <a:t>）：很难阅读、理解，不能很好地表现出设计者的意图，难以与需求规格描述进行对照。</a:t>
+            </a:r>
+          </a:p>
+          <a:p>
+            <a:pPr eaLnBrk="1" hangingPunct="1">
               <a:lnSpc>
-                <a:spcPct val="120000"/>
+                <a:spcPct val="110000"/>
               </a:lnSpc>
               <a:spcBef>
                 <a:spcPts val="0"/>
               </a:spcBef>
             </a:pPr>
             <a:r>
-              <a:rPr lang="en-US" altLang="zh-CN" dirty="0" smtClean="0"/>
-              <a:t>(3) </a:t>
-            </a:r>
-            <a:r>
-              <a:rPr lang="zh-CN" altLang="en-US" dirty="0" smtClean="0"/>
-              <a:t>每一个功能单元应尽可能封装为独立的元素，对外提供必要的使用接口，隐藏内部的数据、算法等实现细节，并尽可能减少各单元间的控制关系和数据交换，使得系统各部分之间是松耦合的状态。“独立而不孤立”</a:t>
-            </a:r>
-          </a:p>
-          <a:p>
-            <a:pPr lvl="1" eaLnBrk="1" hangingPunct="1">
-              <a:lnSpc>
-                <a:spcPct val="120000"/>
-              </a:lnSpc>
-              <a:spcBef>
-                <a:spcPts val="0"/>
-              </a:spcBef>
-            </a:pPr>
-            <a:r>
-              <a:rPr lang="en-US" altLang="zh-CN" dirty="0" smtClean="0"/>
-              <a:t>(4) </a:t>
-            </a:r>
-            <a:r>
-              <a:rPr lang="zh-CN" altLang="en-US" dirty="0" smtClean="0"/>
-              <a:t>各功能单元对外的接口、以及相互间的控制和依赖等关系要阐明。这样，在修改时可以追踪和控制。 </a:t>
+              <a:rPr lang="zh-CN" altLang="en-US" sz="3200" dirty="0" smtClean="0"/>
+              <a:t>一个低劣的建筑设计方案，技艺高超的工匠也无法造出精品。 </a:t>
             </a:r>
           </a:p>
         </p:txBody>
@@ -7509,7 +7840,7 @@
     </p:spTree>
     <p:extLst>
       <p:ext uri="{BB962C8B-B14F-4D97-AF65-F5344CB8AC3E}">
-        <p14:creationId xmlns:p14="http://schemas.microsoft.com/office/powerpoint/2010/main" val="1952615012"/>
+        <p14:creationId xmlns:p14="http://schemas.microsoft.com/office/powerpoint/2010/main" val="3100358186"/>
       </p:ext>
     </p:extLst>
   </p:cSld>
@@ -7545,6 +7876,300 @@
       </p:grpSpPr>
       <p:sp>
         <p:nvSpPr>
+          <p:cNvPr id="12290" name="Rectangle 2"/>
+          <p:cNvSpPr>
+            <a:spLocks noGrp="1" noChangeArrowheads="1"/>
+          </p:cNvSpPr>
+          <p:nvPr>
+            <p:ph type="title"/>
+          </p:nvPr>
+        </p:nvSpPr>
+        <p:spPr/>
+        <p:txBody>
+          <a:bodyPr/>
+          <a:lstStyle/>
+          <a:p>
+            <a:pPr eaLnBrk="1" hangingPunct="1"/>
+            <a:r>
+              <a:rPr lang="en-US" altLang="zh-CN" smtClean="0"/>
+              <a:t>2. </a:t>
+            </a:r>
+            <a:r>
+              <a:rPr lang="zh-CN" altLang="en-US" smtClean="0"/>
+              <a:t>基本设计方法</a:t>
+            </a:r>
+          </a:p>
+        </p:txBody>
+      </p:sp>
+      <p:sp>
+        <p:nvSpPr>
+          <p:cNvPr id="12291" name="Rectangle 3"/>
+          <p:cNvSpPr>
+            <a:spLocks noGrp="1" noChangeArrowheads="1"/>
+          </p:cNvSpPr>
+          <p:nvPr>
+            <p:ph type="body" idx="1"/>
+          </p:nvPr>
+        </p:nvSpPr>
+        <p:spPr>
+          <a:xfrm>
+            <a:off x="971600" y="1763667"/>
+            <a:ext cx="7022886" cy="4545653"/>
+          </a:xfrm>
+        </p:spPr>
+        <p:txBody>
+          <a:bodyPr>
+            <a:normAutofit fontScale="85000" lnSpcReduction="20000"/>
+          </a:bodyPr>
+          <a:lstStyle/>
+          <a:p>
+            <a:pPr eaLnBrk="1" hangingPunct="1">
+              <a:lnSpc>
+                <a:spcPct val="120000"/>
+              </a:lnSpc>
+              <a:spcBef>
+                <a:spcPts val="0"/>
+              </a:spcBef>
+            </a:pPr>
+            <a:r>
+              <a:rPr lang="zh-CN" altLang="en-US" dirty="0" smtClean="0"/>
+              <a:t>为了设计出</a:t>
+            </a:r>
+            <a:r>
+              <a:rPr lang="zh-CN" altLang="en-US" sz="4400" dirty="0" smtClean="0">
+                <a:solidFill>
+                  <a:srgbClr val="FF0000"/>
+                </a:solidFill>
+              </a:rPr>
+              <a:t>结构良好</a:t>
+            </a:r>
+            <a:r>
+              <a:rPr lang="zh-CN" altLang="en-US" dirty="0" smtClean="0"/>
+              <a:t>的系统，方法如下：</a:t>
+            </a:r>
+          </a:p>
+          <a:p>
+            <a:pPr lvl="1" eaLnBrk="1" hangingPunct="1">
+              <a:lnSpc>
+                <a:spcPct val="120000"/>
+              </a:lnSpc>
+              <a:spcBef>
+                <a:spcPts val="0"/>
+              </a:spcBef>
+            </a:pPr>
+            <a:r>
+              <a:rPr lang="en-US" altLang="zh-CN" dirty="0" smtClean="0"/>
+              <a:t>(1) </a:t>
+            </a:r>
+            <a:r>
+              <a:rPr lang="zh-CN" altLang="en-US" dirty="0" smtClean="0"/>
+              <a:t>把系统划分为一些部分，其中每一部分的功能简单明确，内容简明易懂，易于修改。这样的组成单元可以是模块、类、组件、服务和子系统。</a:t>
+            </a:r>
+          </a:p>
+          <a:p>
+            <a:pPr lvl="1" eaLnBrk="1" hangingPunct="1">
+              <a:lnSpc>
+                <a:spcPct val="120000"/>
+              </a:lnSpc>
+              <a:spcBef>
+                <a:spcPts val="0"/>
+              </a:spcBef>
+            </a:pPr>
+            <a:r>
+              <a:rPr lang="en-US" altLang="zh-CN" dirty="0" smtClean="0"/>
+              <a:t>(2) </a:t>
+            </a:r>
+            <a:r>
+              <a:rPr lang="zh-CN" altLang="en-US" dirty="0" smtClean="0"/>
+              <a:t>系统功能单元的划分按层次进行。整个系统分解成若干子系统，然后每个子系统按功能再分解为更小的功能单元（如菜单项、人机窗口界面、业务功能组件等），依次下去。最底层的基本单元可以设计成一个函数、子过程、或类的一个方法</a:t>
+            </a:r>
+            <a:r>
+              <a:rPr lang="zh-CN" altLang="en-US" dirty="0" smtClean="0"/>
+              <a:t>。</a:t>
+            </a:r>
+            <a:endParaRPr lang="zh-CN" altLang="en-US" dirty="0" smtClean="0"/>
+          </a:p>
+        </p:txBody>
+      </p:sp>
+    </p:spTree>
+    <p:extLst>
+      <p:ext uri="{BB962C8B-B14F-4D97-AF65-F5344CB8AC3E}">
+        <p14:creationId xmlns:p14="http://schemas.microsoft.com/office/powerpoint/2010/main" val="1952615012"/>
+      </p:ext>
+    </p:extLst>
+  </p:cSld>
+  <p:clrMapOvr>
+    <a:masterClrMapping/>
+  </p:clrMapOvr>
+  <p:timing>
+    <p:tnLst>
+      <p:par>
+        <p:cTn id="1" dur="indefinite" restart="never" nodeType="tmRoot"/>
+      </p:par>
+    </p:tnLst>
+  </p:timing>
+</p:sld>
+</file>
+
+<file path=ppt/slides/slide12.xml><?xml version="1.0" encoding="utf-8"?>
+<p:sld xmlns:a="http://schemas.openxmlformats.org/drawingml/2006/main" xmlns:r="http://schemas.openxmlformats.org/officeDocument/2006/relationships" xmlns:p="http://schemas.openxmlformats.org/presentationml/2006/main">
+  <p:cSld>
+    <p:spTree>
+      <p:nvGrpSpPr>
+        <p:cNvPr id="1" name=""/>
+        <p:cNvGrpSpPr/>
+        <p:nvPr/>
+      </p:nvGrpSpPr>
+      <p:grpSpPr>
+        <a:xfrm>
+          <a:off x="0" y="0"/>
+          <a:ext cx="0" cy="0"/>
+          <a:chOff x="0" y="0"/>
+          <a:chExt cx="0" cy="0"/>
+        </a:xfrm>
+      </p:grpSpPr>
+      <p:sp>
+        <p:nvSpPr>
+          <p:cNvPr id="12290" name="Rectangle 2"/>
+          <p:cNvSpPr>
+            <a:spLocks noGrp="1" noChangeArrowheads="1"/>
+          </p:cNvSpPr>
+          <p:nvPr>
+            <p:ph type="title"/>
+          </p:nvPr>
+        </p:nvSpPr>
+        <p:spPr/>
+        <p:txBody>
+          <a:bodyPr/>
+          <a:lstStyle/>
+          <a:p>
+            <a:pPr eaLnBrk="1" hangingPunct="1"/>
+            <a:r>
+              <a:rPr lang="en-US" altLang="zh-CN" smtClean="0"/>
+              <a:t>2. </a:t>
+            </a:r>
+            <a:r>
+              <a:rPr lang="zh-CN" altLang="en-US" smtClean="0"/>
+              <a:t>基本设计方法</a:t>
+            </a:r>
+          </a:p>
+        </p:txBody>
+      </p:sp>
+      <p:sp>
+        <p:nvSpPr>
+          <p:cNvPr id="12291" name="Rectangle 3"/>
+          <p:cNvSpPr>
+            <a:spLocks noGrp="1" noChangeArrowheads="1"/>
+          </p:cNvSpPr>
+          <p:nvPr>
+            <p:ph type="body" idx="1"/>
+          </p:nvPr>
+        </p:nvSpPr>
+        <p:spPr>
+          <a:xfrm>
+            <a:off x="539552" y="1763667"/>
+            <a:ext cx="7848872" cy="4545653"/>
+          </a:xfrm>
+        </p:spPr>
+        <p:txBody>
+          <a:bodyPr>
+            <a:normAutofit fontScale="92500"/>
+          </a:bodyPr>
+          <a:lstStyle/>
+          <a:p>
+            <a:pPr lvl="1" eaLnBrk="1" hangingPunct="1">
+              <a:lnSpc>
+                <a:spcPct val="120000"/>
+              </a:lnSpc>
+              <a:spcBef>
+                <a:spcPts val="0"/>
+              </a:spcBef>
+            </a:pPr>
+            <a:r>
+              <a:rPr lang="en-US" altLang="zh-CN" dirty="0" smtClean="0"/>
+              <a:t>(</a:t>
+            </a:r>
+            <a:r>
+              <a:rPr lang="en-US" altLang="zh-CN" dirty="0" smtClean="0"/>
+              <a:t>3) </a:t>
+            </a:r>
+            <a:r>
+              <a:rPr lang="zh-CN" altLang="en-US" dirty="0" smtClean="0"/>
+              <a:t>每一个功能单元应尽可能封装为独立的元素，对外提供必要的使用接口，隐藏内部的数据、算法等实现细节，并尽可能减少各单元间的控制关系和数据交换，使得系统各部分之间是松耦合的状态。</a:t>
+            </a:r>
+            <a:r>
+              <a:rPr lang="zh-CN" altLang="en-US" sz="3600" dirty="0" smtClean="0">
+                <a:solidFill>
+                  <a:srgbClr val="FF0000"/>
+                </a:solidFill>
+              </a:rPr>
+              <a:t>“独立而不孤立”</a:t>
+            </a:r>
+            <a:endParaRPr lang="zh-CN" altLang="en-US" dirty="0" smtClean="0">
+              <a:solidFill>
+                <a:srgbClr val="FF0000"/>
+              </a:solidFill>
+            </a:endParaRPr>
+          </a:p>
+          <a:p>
+            <a:pPr lvl="1" eaLnBrk="1" hangingPunct="1">
+              <a:lnSpc>
+                <a:spcPct val="120000"/>
+              </a:lnSpc>
+              <a:spcBef>
+                <a:spcPts val="0"/>
+              </a:spcBef>
+            </a:pPr>
+            <a:r>
+              <a:rPr lang="en-US" altLang="zh-CN" dirty="0" smtClean="0"/>
+              <a:t>(4) </a:t>
+            </a:r>
+            <a:r>
+              <a:rPr lang="zh-CN" altLang="en-US" dirty="0" smtClean="0"/>
+              <a:t>各功能单元对外的接口、以及相互间的控制和依赖等关系要阐明。这样，在修改时可以追踪和控制。 </a:t>
+            </a:r>
+          </a:p>
+        </p:txBody>
+      </p:sp>
+    </p:spTree>
+    <p:extLst>
+      <p:ext uri="{BB962C8B-B14F-4D97-AF65-F5344CB8AC3E}">
+        <p14:creationId xmlns:p14="http://schemas.microsoft.com/office/powerpoint/2010/main" val="3299217204"/>
+      </p:ext>
+    </p:extLst>
+  </p:cSld>
+  <p:clrMapOvr>
+    <a:masterClrMapping/>
+  </p:clrMapOvr>
+  <p:timing>
+    <p:tnLst>
+      <p:par>
+        <p:cTn id="1" dur="indefinite" restart="never" nodeType="tmRoot"/>
+      </p:par>
+    </p:tnLst>
+  </p:timing>
+</p:sld>
+</file>
+
+<file path=ppt/slides/slide13.xml><?xml version="1.0" encoding="utf-8"?>
+<p:sld xmlns:a="http://schemas.openxmlformats.org/drawingml/2006/main" xmlns:r="http://schemas.openxmlformats.org/officeDocument/2006/relationships" xmlns:p="http://schemas.openxmlformats.org/presentationml/2006/main">
+  <p:cSld>
+    <p:spTree>
+      <p:nvGrpSpPr>
+        <p:cNvPr id="1" name=""/>
+        <p:cNvGrpSpPr/>
+        <p:nvPr/>
+      </p:nvGrpSpPr>
+      <p:grpSpPr>
+        <a:xfrm>
+          <a:off x="0" y="0"/>
+          <a:ext cx="0" cy="0"/>
+          <a:chOff x="0" y="0"/>
+          <a:chExt cx="0" cy="0"/>
+        </a:xfrm>
+      </p:grpSpPr>
+      <p:sp>
+        <p:nvSpPr>
           <p:cNvPr id="13314" name="标题 1"/>
           <p:cNvSpPr>
             <a:spLocks noGrp="1"/>
@@ -7582,8 +8207,8 @@
         </p:nvSpPr>
         <p:spPr>
           <a:xfrm>
-            <a:off x="611560" y="1772816"/>
-            <a:ext cx="7920880" cy="5400675"/>
+            <a:off x="1043607" y="1772816"/>
+            <a:ext cx="7511949" cy="4464571"/>
           </a:xfrm>
         </p:spPr>
         <p:txBody>
@@ -7598,10 +8223,10 @@
               </a:spcBef>
             </a:pPr>
             <a:r>
-              <a:rPr lang="zh-CN" altLang="en-US" dirty="0" smtClean="0"/>
+              <a:rPr lang="zh-CN" altLang="en-US" sz="3600" dirty="0" smtClean="0"/>
               <a:t>创造性设计思维；</a:t>
             </a:r>
-            <a:endParaRPr lang="en-US" altLang="zh-CN" dirty="0" smtClean="0"/>
+            <a:endParaRPr lang="en-US" altLang="zh-CN" sz="3600" dirty="0" smtClean="0"/>
           </a:p>
           <a:p>
             <a:pPr eaLnBrk="1" hangingPunct="1">
@@ -7610,10 +8235,10 @@
               </a:spcBef>
             </a:pPr>
             <a:r>
-              <a:rPr lang="zh-CN" altLang="en-US" dirty="0" smtClean="0"/>
+              <a:rPr lang="zh-CN" altLang="en-US" sz="3600" dirty="0" smtClean="0"/>
               <a:t>丰富的编程经验和很强的逻辑思维能力；</a:t>
             </a:r>
-            <a:endParaRPr lang="en-US" altLang="zh-CN" dirty="0" smtClean="0"/>
+            <a:endParaRPr lang="en-US" altLang="zh-CN" sz="3600" dirty="0" smtClean="0"/>
           </a:p>
           <a:p>
             <a:pPr eaLnBrk="1" hangingPunct="1">
@@ -7622,33 +8247,14 @@
               </a:spcBef>
             </a:pPr>
             <a:r>
-              <a:rPr lang="zh-CN" altLang="en-US" dirty="0" smtClean="0"/>
-              <a:t>具备将复杂的问题分解成简单问题的能力，设计易于使用和维护的软件结构，并保证较好的重用性；</a:t>
-            </a:r>
-            <a:endParaRPr lang="en-US" altLang="zh-CN" dirty="0" smtClean="0"/>
-          </a:p>
-          <a:p>
-            <a:pPr eaLnBrk="1" hangingPunct="1">
-              <a:spcBef>
-                <a:spcPts val="0"/>
-              </a:spcBef>
-            </a:pPr>
-            <a:r>
-              <a:rPr lang="zh-CN" altLang="en-US" dirty="0" smtClean="0"/>
-              <a:t>应对系统结构尤其是软件结构具有较强美感，善于运用巧妙优美的设计模式；</a:t>
-            </a:r>
-            <a:endParaRPr lang="en-US" altLang="zh-CN" dirty="0" smtClean="0"/>
-          </a:p>
-          <a:p>
-            <a:pPr eaLnBrk="1" hangingPunct="1">
-              <a:spcBef>
-                <a:spcPts val="0"/>
-              </a:spcBef>
-            </a:pPr>
-            <a:r>
-              <a:rPr lang="zh-CN" altLang="en-US" dirty="0" smtClean="0"/>
-              <a:t>应有大局观，懂得平衡各种开发局限的制约，权衡时间、进度成本与系统质量、性能等因素提出最佳方案。</a:t>
-            </a:r>
+              <a:rPr lang="zh-CN" altLang="en-US" sz="3600" dirty="0" smtClean="0"/>
+              <a:t>具备将复杂的问题分解成简单问题的能力，设计易于使用和维护的软件结构，并保证较好的重用性</a:t>
+            </a:r>
+            <a:r>
+              <a:rPr lang="zh-CN" altLang="en-US" sz="3600" dirty="0" smtClean="0"/>
+              <a:t>；</a:t>
+            </a:r>
+            <a:endParaRPr lang="en-US" altLang="zh-CN" sz="3600" dirty="0" smtClean="0"/>
           </a:p>
         </p:txBody>
       </p:sp>
@@ -7672,7 +8278,121 @@
 </p:sld>
 </file>
 
-<file path=ppt/slides/slide12.xml><?xml version="1.0" encoding="utf-8"?>
+<file path=ppt/slides/slide14.xml><?xml version="1.0" encoding="utf-8"?>
+<p:sld xmlns:a="http://schemas.openxmlformats.org/drawingml/2006/main" xmlns:r="http://schemas.openxmlformats.org/officeDocument/2006/relationships" xmlns:p="http://schemas.openxmlformats.org/presentationml/2006/main">
+  <p:cSld>
+    <p:spTree>
+      <p:nvGrpSpPr>
+        <p:cNvPr id="1" name=""/>
+        <p:cNvGrpSpPr/>
+        <p:nvPr/>
+      </p:nvGrpSpPr>
+      <p:grpSpPr>
+        <a:xfrm>
+          <a:off x="0" y="0"/>
+          <a:ext cx="0" cy="0"/>
+          <a:chOff x="0" y="0"/>
+          <a:chExt cx="0" cy="0"/>
+        </a:xfrm>
+      </p:grpSpPr>
+      <p:sp>
+        <p:nvSpPr>
+          <p:cNvPr id="13314" name="标题 1"/>
+          <p:cNvSpPr>
+            <a:spLocks noGrp="1"/>
+          </p:cNvSpPr>
+          <p:nvPr>
+            <p:ph type="title"/>
+          </p:nvPr>
+        </p:nvSpPr>
+        <p:spPr/>
+        <p:txBody>
+          <a:bodyPr/>
+          <a:lstStyle/>
+          <a:p>
+            <a:pPr eaLnBrk="1" hangingPunct="1"/>
+            <a:r>
+              <a:rPr lang="en-US" altLang="zh-CN" smtClean="0"/>
+              <a:t>3. </a:t>
+            </a:r>
+            <a:r>
+              <a:rPr lang="zh-CN" altLang="en-US" smtClean="0"/>
+              <a:t>系统设计师的素质要求</a:t>
+            </a:r>
+          </a:p>
+        </p:txBody>
+      </p:sp>
+      <p:sp>
+        <p:nvSpPr>
+          <p:cNvPr id="13315" name="内容占位符 2"/>
+          <p:cNvSpPr>
+            <a:spLocks noGrp="1"/>
+          </p:cNvSpPr>
+          <p:nvPr>
+            <p:ph idx="1"/>
+          </p:nvPr>
+        </p:nvSpPr>
+        <p:spPr>
+          <a:xfrm>
+            <a:off x="611560" y="1772816"/>
+            <a:ext cx="7920880" cy="5400675"/>
+          </a:xfrm>
+        </p:spPr>
+        <p:txBody>
+          <a:bodyPr>
+            <a:normAutofit/>
+          </a:bodyPr>
+          <a:lstStyle/>
+          <a:p>
+            <a:pPr eaLnBrk="1" hangingPunct="1">
+              <a:spcBef>
+                <a:spcPts val="0"/>
+              </a:spcBef>
+            </a:pPr>
+            <a:r>
+              <a:rPr lang="zh-CN" altLang="en-US" sz="3600" dirty="0" smtClean="0"/>
+              <a:t>应对</a:t>
+            </a:r>
+            <a:r>
+              <a:rPr lang="zh-CN" altLang="en-US" sz="3600" dirty="0" smtClean="0"/>
+              <a:t>系统结构尤其是软件结构具有较强美感，善于运用巧妙优美的设计模式；</a:t>
+            </a:r>
+            <a:endParaRPr lang="en-US" altLang="zh-CN" sz="3600" dirty="0" smtClean="0"/>
+          </a:p>
+          <a:p>
+            <a:pPr eaLnBrk="1" hangingPunct="1">
+              <a:spcBef>
+                <a:spcPts val="0"/>
+              </a:spcBef>
+            </a:pPr>
+            <a:r>
+              <a:rPr lang="zh-CN" altLang="en-US" sz="3600" dirty="0" smtClean="0"/>
+              <a:t>应有大局观，懂得平衡各种开发局限的制约，权衡时间、进度成本与系统质量、性能等因素提出最佳方案。</a:t>
+            </a:r>
+          </a:p>
+        </p:txBody>
+      </p:sp>
+    </p:spTree>
+    <p:extLst>
+      <p:ext uri="{BB962C8B-B14F-4D97-AF65-F5344CB8AC3E}">
+        <p14:creationId xmlns:p14="http://schemas.microsoft.com/office/powerpoint/2010/main" val="2635289519"/>
+      </p:ext>
+    </p:extLst>
+  </p:cSld>
+  <p:clrMapOvr>
+    <a:masterClrMapping/>
+  </p:clrMapOvr>
+  <p:timing>
+    <p:tnLst>
+      <p:par>
+        <p:cTn id="1" dur="indefinite" restart="never" nodeType="tmRoot"/>
+      </p:par>
+    </p:tnLst>
+  </p:timing>
+</p:sld>
+</file>
+
+<file path=ppt/slides/slide15.xml><?xml version="1.0" encoding="utf-8"?>
 <p:sld xmlns:a="http://schemas.openxmlformats.org/drawingml/2006/main" xmlns:r="http://schemas.openxmlformats.org/officeDocument/2006/relationships" xmlns:p="http://schemas.openxmlformats.org/presentationml/2006/main">
   <p:cSld>
     <p:spTree>
@@ -7944,7 +8664,7 @@
         </p:blipFill>
         <p:spPr bwMode="auto">
           <a:xfrm>
-            <a:off x="1116013" y="2965450"/>
+            <a:off x="1268150" y="3147639"/>
             <a:ext cx="8027987" cy="3892550"/>
           </a:xfrm>
           <a:prstGeom prst="rect">
@@ -8235,7 +8955,7 @@
 </p:sld>
 </file>
 
-<file path=ppt/slides/slide13.xml><?xml version="1.0" encoding="utf-8"?>
+<file path=ppt/slides/slide16.xml><?xml version="1.0" encoding="utf-8"?>
 <p:sld xmlns:a="http://schemas.openxmlformats.org/drawingml/2006/main" xmlns:r="http://schemas.openxmlformats.org/officeDocument/2006/relationships" xmlns:p="http://schemas.openxmlformats.org/presentationml/2006/main">
   <p:cSld>
     <p:spTree>
@@ -8504,7 +9224,7 @@
 </p:sld>
 </file>
 
-<file path=ppt/slides/slide14.xml><?xml version="1.0" encoding="utf-8"?>
+<file path=ppt/slides/slide17.xml><?xml version="1.0" encoding="utf-8"?>
 <p:sld xmlns:a="http://schemas.openxmlformats.org/drawingml/2006/main" xmlns:r="http://schemas.openxmlformats.org/officeDocument/2006/relationships" xmlns:p="http://schemas.openxmlformats.org/presentationml/2006/main">
   <p:cSld>
     <p:spTree>
@@ -8561,11 +9281,18 @@
         <p:spPr/>
         <p:txBody>
           <a:bodyPr>
-            <a:normAutofit fontScale="85000" lnSpcReduction="20000"/>
+            <a:normAutofit/>
           </a:bodyPr>
           <a:lstStyle/>
           <a:p>
-            <a:pPr eaLnBrk="1" hangingPunct="1"/>
+            <a:pPr eaLnBrk="1" hangingPunct="1">
+              <a:lnSpc>
+                <a:spcPct val="120000"/>
+              </a:lnSpc>
+              <a:spcBef>
+                <a:spcPts val="0"/>
+              </a:spcBef>
+            </a:pPr>
             <a:r>
               <a:rPr lang="zh-CN" altLang="en-US" dirty="0" smtClean="0"/>
               <a:t>分析的目标是做正确的事（</a:t>
@@ -8581,7 +9308,14 @@
             <a:endParaRPr lang="en-US" altLang="zh-CN" dirty="0" smtClean="0"/>
           </a:p>
           <a:p>
-            <a:pPr eaLnBrk="1" hangingPunct="1"/>
+            <a:pPr eaLnBrk="1" hangingPunct="1">
+              <a:lnSpc>
+                <a:spcPct val="120000"/>
+              </a:lnSpc>
+              <a:spcBef>
+                <a:spcPts val="0"/>
+              </a:spcBef>
+            </a:pPr>
             <a:r>
               <a:rPr lang="zh-CN" altLang="en-US" dirty="0" smtClean="0"/>
               <a:t>设计工作就是正确地做事（</a:t>
@@ -8596,24 +9330,143 @@
             </a:r>
             <a:endParaRPr lang="en-US" altLang="zh-CN" dirty="0" smtClean="0"/>
           </a:p>
+        </p:txBody>
+      </p:sp>
+    </p:spTree>
+    <p:extLst>
+      <p:ext uri="{BB962C8B-B14F-4D97-AF65-F5344CB8AC3E}">
+        <p14:creationId xmlns:p14="http://schemas.microsoft.com/office/powerpoint/2010/main" val="2440049608"/>
+      </p:ext>
+    </p:extLst>
+  </p:cSld>
+  <p:clrMapOvr>
+    <a:masterClrMapping/>
+  </p:clrMapOvr>
+  <p:timing>
+    <p:tnLst>
+      <p:par>
+        <p:cTn id="1" dur="indefinite" restart="never" nodeType="tmRoot"/>
+      </p:par>
+    </p:tnLst>
+  </p:timing>
+</p:sld>
+</file>
+
+<file path=ppt/slides/slide18.xml><?xml version="1.0" encoding="utf-8"?>
+<p:sld xmlns:a="http://schemas.openxmlformats.org/drawingml/2006/main" xmlns:r="http://schemas.openxmlformats.org/officeDocument/2006/relationships" xmlns:p="http://schemas.openxmlformats.org/presentationml/2006/main">
+  <p:cSld>
+    <p:spTree>
+      <p:nvGrpSpPr>
+        <p:cNvPr id="1" name=""/>
+        <p:cNvGrpSpPr/>
+        <p:nvPr/>
+      </p:nvGrpSpPr>
+      <p:grpSpPr>
+        <a:xfrm>
+          <a:off x="0" y="0"/>
+          <a:ext cx="0" cy="0"/>
+          <a:chOff x="0" y="0"/>
+          <a:chExt cx="0" cy="0"/>
+        </a:xfrm>
+      </p:grpSpPr>
+      <p:sp>
+        <p:nvSpPr>
+          <p:cNvPr id="16386" name="标题 1"/>
+          <p:cNvSpPr>
+            <a:spLocks noGrp="1"/>
+          </p:cNvSpPr>
+          <p:nvPr>
+            <p:ph type="title"/>
+          </p:nvPr>
+        </p:nvSpPr>
+        <p:spPr/>
+        <p:txBody>
+          <a:bodyPr/>
+          <a:lstStyle/>
           <a:p>
             <a:pPr eaLnBrk="1" hangingPunct="1"/>
             <a:r>
+              <a:rPr lang="en-US" altLang="zh-CN" smtClean="0"/>
+              <a:t>9.1.3 </a:t>
+            </a:r>
+            <a:r>
+              <a:rPr lang="zh-CN" altLang="en-US" smtClean="0"/>
+              <a:t>从分析过渡到设计</a:t>
+            </a:r>
+          </a:p>
+        </p:txBody>
+      </p:sp>
+      <p:sp>
+        <p:nvSpPr>
+          <p:cNvPr id="16387" name="内容占位符 2"/>
+          <p:cNvSpPr>
+            <a:spLocks noGrp="1"/>
+          </p:cNvSpPr>
+          <p:nvPr>
+            <p:ph idx="1"/>
+          </p:nvPr>
+        </p:nvSpPr>
+        <p:spPr/>
+        <p:txBody>
+          <a:bodyPr>
+            <a:normAutofit fontScale="85000" lnSpcReduction="10000"/>
+          </a:bodyPr>
+          <a:lstStyle/>
+          <a:p>
+            <a:pPr eaLnBrk="1" hangingPunct="1">
+              <a:lnSpc>
+                <a:spcPct val="120000"/>
+              </a:lnSpc>
+              <a:spcBef>
+                <a:spcPts val="0"/>
+              </a:spcBef>
+            </a:pPr>
+            <a:r>
               <a:rPr lang="zh-CN" altLang="en-US" dirty="0" smtClean="0"/>
-              <a:t>分析与设计任务和目标不同，但在一些软件开发过程方法（如敏捷方法）中，分析和设计没有严格的阶段划分。</a:t>
+              <a:t>分析</a:t>
+            </a:r>
+            <a:r>
+              <a:rPr lang="zh-CN" altLang="en-US" dirty="0" smtClean="0"/>
+              <a:t>与设计任务和目标不同，但在一些软件开发过程方法（如敏捷方法）中，分析和设计没有严格的阶段划分。</a:t>
             </a:r>
             <a:endParaRPr lang="en-US" altLang="zh-CN" dirty="0" smtClean="0"/>
           </a:p>
           <a:p>
-            <a:pPr lvl="1" eaLnBrk="1" hangingPunct="1"/>
+            <a:pPr lvl="1" eaLnBrk="1" hangingPunct="1">
+              <a:lnSpc>
+                <a:spcPct val="120000"/>
+              </a:lnSpc>
+              <a:spcBef>
+                <a:spcPts val="0"/>
+              </a:spcBef>
+            </a:pPr>
             <a:r>
               <a:rPr lang="zh-CN" altLang="en-US" dirty="0" smtClean="0"/>
-              <a:t>因为工作内容或模型有较强关联，分析到设计的建模过程某种程度上是一个从粗到精、从抽象到具体的过程。</a:t>
+              <a:t>因为工作内容或模型有较强关联，分析到设计的建模过程某种程度上是一个</a:t>
+            </a:r>
+            <a:r>
+              <a:rPr lang="zh-CN" altLang="en-US" sz="3400" dirty="0" smtClean="0">
+                <a:solidFill>
+                  <a:srgbClr val="FF0000"/>
+                </a:solidFill>
+              </a:rPr>
+              <a:t>从粗到精、从抽象到具体的过程</a:t>
+            </a:r>
+            <a:r>
+              <a:rPr lang="zh-CN" altLang="en-US" dirty="0" smtClean="0"/>
+              <a:t>。</a:t>
             </a:r>
             <a:endParaRPr lang="en-US" altLang="zh-CN" dirty="0" smtClean="0"/>
           </a:p>
           <a:p>
-            <a:pPr lvl="1" eaLnBrk="1" hangingPunct="1"/>
+            <a:pPr lvl="1" eaLnBrk="1" hangingPunct="1">
+              <a:lnSpc>
+                <a:spcPct val="120000"/>
+              </a:lnSpc>
+              <a:spcBef>
+                <a:spcPts val="0"/>
+              </a:spcBef>
+            </a:pPr>
             <a:r>
               <a:rPr lang="zh-CN" altLang="en-US" dirty="0" smtClean="0"/>
               <a:t>例如分析阶段建立了领域对象模型，完成了对领域对象最本质和核心的分析和抽象，设计阶段还会基于该模型进一步完善和扩充。</a:t>
@@ -8641,7 +9494,7 @@
 </p:sld>
 </file>
 
-<file path=ppt/slides/slide15.xml><?xml version="1.0" encoding="utf-8"?>
+<file path=ppt/slides/slide19.xml><?xml version="1.0" encoding="utf-8"?>
 <p:sld xmlns:a="http://schemas.openxmlformats.org/drawingml/2006/main" xmlns:r="http://schemas.openxmlformats.org/officeDocument/2006/relationships" xmlns:p="http://schemas.openxmlformats.org/presentationml/2006/main">
   <p:cSld>
     <p:spTree>
@@ -8812,7 +9665,121 @@
 </p:sld>
 </file>
 
-<file path=ppt/slides/slide16.xml><?xml version="1.0" encoding="utf-8"?>
+<file path=ppt/slides/slide2.xml><?xml version="1.0" encoding="utf-8"?>
+<p:sld xmlns:a="http://schemas.openxmlformats.org/drawingml/2006/main" xmlns:r="http://schemas.openxmlformats.org/officeDocument/2006/relationships" xmlns:p="http://schemas.openxmlformats.org/presentationml/2006/main">
+  <p:cSld>
+    <p:spTree>
+      <p:nvGrpSpPr>
+        <p:cNvPr id="1" name=""/>
+        <p:cNvGrpSpPr/>
+        <p:nvPr/>
+      </p:nvGrpSpPr>
+      <p:grpSpPr>
+        <a:xfrm>
+          <a:off x="0" y="0"/>
+          <a:ext cx="0" cy="0"/>
+          <a:chOff x="0" y="0"/>
+          <a:chExt cx="0" cy="0"/>
+        </a:xfrm>
+      </p:grpSpPr>
+      <p:sp>
+        <p:nvSpPr>
+          <p:cNvPr id="4098" name="Rectangle 2"/>
+          <p:cNvSpPr>
+            <a:spLocks noGrp="1" noChangeArrowheads="1"/>
+          </p:cNvSpPr>
+          <p:nvPr>
+            <p:ph type="title"/>
+          </p:nvPr>
+        </p:nvSpPr>
+        <p:spPr>
+          <a:xfrm>
+            <a:off x="251520" y="404664"/>
+            <a:ext cx="8496300" cy="981075"/>
+          </a:xfrm>
+        </p:spPr>
+        <p:txBody>
+          <a:bodyPr/>
+          <a:lstStyle/>
+          <a:p>
+            <a:pPr eaLnBrk="1" hangingPunct="1"/>
+            <a:r>
+              <a:rPr lang="zh-CN" altLang="en-US" dirty="0" smtClean="0"/>
+              <a:t>本章主要内容</a:t>
+            </a:r>
+          </a:p>
+        </p:txBody>
+      </p:sp>
+      <p:sp>
+        <p:nvSpPr>
+          <p:cNvPr id="4099" name="Rectangle 3"/>
+          <p:cNvSpPr>
+            <a:spLocks noGrp="1" noChangeArrowheads="1"/>
+          </p:cNvSpPr>
+          <p:nvPr>
+            <p:ph type="body" idx="1"/>
+          </p:nvPr>
+        </p:nvSpPr>
+        <p:spPr/>
+        <p:txBody>
+          <a:bodyPr/>
+          <a:lstStyle/>
+          <a:p>
+            <a:pPr marL="609600" indent="-609600"/>
+            <a:r>
+              <a:rPr lang="en-US" altLang="zh-CN" dirty="0"/>
+              <a:t>9.1 </a:t>
+            </a:r>
+            <a:r>
+              <a:rPr lang="zh-CN" altLang="en-US" dirty="0"/>
+              <a:t>系统设计的任务要求</a:t>
+            </a:r>
+          </a:p>
+          <a:p>
+            <a:pPr marL="609600" indent="-609600"/>
+            <a:r>
+              <a:rPr lang="en-US" altLang="zh-CN" dirty="0"/>
+              <a:t>9.2 </a:t>
+            </a:r>
+            <a:r>
+              <a:rPr lang="zh-CN" altLang="en-US" dirty="0"/>
+              <a:t>系统设计的内容</a:t>
+            </a:r>
+          </a:p>
+          <a:p>
+            <a:pPr marL="609600" indent="-609600"/>
+            <a:r>
+              <a:rPr lang="en-US" altLang="zh-CN" dirty="0"/>
+              <a:t>9.3 </a:t>
+            </a:r>
+            <a:r>
+              <a:rPr lang="zh-CN" altLang="en-US" dirty="0"/>
+              <a:t>系统设计说明书</a:t>
+            </a:r>
+          </a:p>
+        </p:txBody>
+      </p:sp>
+    </p:spTree>
+    <p:extLst>
+      <p:ext uri="{BB962C8B-B14F-4D97-AF65-F5344CB8AC3E}">
+        <p14:creationId xmlns:p14="http://schemas.microsoft.com/office/powerpoint/2010/main" val="1290162392"/>
+      </p:ext>
+    </p:extLst>
+  </p:cSld>
+  <p:clrMapOvr>
+    <a:masterClrMapping/>
+  </p:clrMapOvr>
+  <p:timing>
+    <p:tnLst>
+      <p:par>
+        <p:cTn id="1" dur="indefinite" restart="never" nodeType="tmRoot"/>
+      </p:par>
+    </p:tnLst>
+  </p:timing>
+</p:sld>
+</file>
+
+<file path=ppt/slides/slide20.xml><?xml version="1.0" encoding="utf-8"?>
 <p:sld xmlns:a="http://schemas.openxmlformats.org/drawingml/2006/main" xmlns:r="http://schemas.openxmlformats.org/officeDocument/2006/relationships" xmlns:p="http://schemas.openxmlformats.org/presentationml/2006/main">
   <p:cSld>
     <p:spTree>
@@ -11697,7 +12664,7 @@
 </p:sld>
 </file>
 
-<file path=ppt/slides/slide17.xml><?xml version="1.0" encoding="utf-8"?>
+<file path=ppt/slides/slide21.xml><?xml version="1.0" encoding="utf-8"?>
 <p:sld xmlns:a="http://schemas.openxmlformats.org/drawingml/2006/main" xmlns:r="http://schemas.openxmlformats.org/officeDocument/2006/relationships" xmlns:p="http://schemas.openxmlformats.org/presentationml/2006/main">
   <p:cSld>
     <p:spTree>
@@ -11901,7 +12868,7 @@
 </p:sld>
 </file>
 
-<file path=ppt/slides/slide18.xml><?xml version="1.0" encoding="utf-8"?>
+<file path=ppt/slides/slide22.xml><?xml version="1.0" encoding="utf-8"?>
 <p:sld xmlns:a="http://schemas.openxmlformats.org/drawingml/2006/main" xmlns:r="http://schemas.openxmlformats.org/officeDocument/2006/relationships" xmlns:p="http://schemas.openxmlformats.org/presentationml/2006/main">
   <p:cSld>
     <p:spTree>
@@ -12080,7 +13047,7 @@
 </p:sld>
 </file>
 
-<file path=ppt/slides/slide19.xml><?xml version="1.0" encoding="utf-8"?>
+<file path=ppt/slides/slide23.xml><?xml version="1.0" encoding="utf-8"?>
 <p:sld xmlns:a="http://schemas.openxmlformats.org/drawingml/2006/main" xmlns:r="http://schemas.openxmlformats.org/officeDocument/2006/relationships" xmlns:p="http://schemas.openxmlformats.org/presentationml/2006/main">
   <p:cSld>
     <p:spTree>
@@ -12132,90 +13099,132 @@
         </p:nvSpPr>
         <p:spPr>
           <a:xfrm>
-            <a:off x="1043608" y="1772816"/>
-            <a:ext cx="7056784" cy="4401637"/>
+            <a:off x="937700" y="1772816"/>
+            <a:ext cx="7522732" cy="4401637"/>
           </a:xfrm>
         </p:spPr>
         <p:txBody>
           <a:bodyPr>
-            <a:normAutofit fontScale="70000" lnSpcReduction="20000"/>
+            <a:noAutofit/>
           </a:bodyPr>
           <a:lstStyle/>
           <a:p>
-            <a:pPr eaLnBrk="1" hangingPunct="1"/>
-            <a:r>
-              <a:rPr lang="zh-CN" altLang="en-US" dirty="0" smtClean="0"/>
+            <a:pPr eaLnBrk="1" hangingPunct="1">
+              <a:lnSpc>
+                <a:spcPct val="120000"/>
+              </a:lnSpc>
+              <a:spcBef>
+                <a:spcPts val="0"/>
+              </a:spcBef>
+            </a:pPr>
+            <a:r>
+              <a:rPr lang="zh-CN" altLang="en-US" sz="2000" dirty="0" smtClean="0"/>
               <a:t>从概念上讲，</a:t>
             </a:r>
             <a:r>
-              <a:rPr lang="en-US" altLang="zh-CN" dirty="0" smtClean="0"/>
+              <a:rPr lang="en-US" altLang="zh-CN" sz="2000" dirty="0" smtClean="0"/>
               <a:t>SOA</a:t>
             </a:r>
             <a:r>
-              <a:rPr lang="zh-CN" altLang="en-US" dirty="0" smtClean="0"/>
+              <a:rPr lang="zh-CN" altLang="en-US" sz="2000" dirty="0" smtClean="0"/>
               <a:t>中有三个主要的抽象级别元素：</a:t>
             </a:r>
           </a:p>
           <a:p>
-            <a:pPr lvl="1" eaLnBrk="1" hangingPunct="1"/>
-            <a:r>
-              <a:rPr lang="zh-CN" altLang="en-US" dirty="0" smtClean="0"/>
+            <a:pPr lvl="1" eaLnBrk="1" hangingPunct="1">
+              <a:lnSpc>
+                <a:spcPct val="120000"/>
+              </a:lnSpc>
+              <a:spcBef>
+                <a:spcPts val="0"/>
+              </a:spcBef>
+            </a:pPr>
+            <a:r>
+              <a:rPr lang="zh-CN" altLang="en-US" sz="2000" dirty="0" smtClean="0"/>
               <a:t>操作：代表单个逻辑工作单元的事务。</a:t>
             </a:r>
             <a:r>
-              <a:rPr lang="en-US" altLang="zh-CN" dirty="0" smtClean="0"/>
+              <a:rPr lang="en-US" altLang="zh-CN" sz="2000" dirty="0" smtClean="0"/>
               <a:t>SOA</a:t>
             </a:r>
             <a:r>
-              <a:rPr lang="zh-CN" altLang="en-US" dirty="0" smtClean="0"/>
+              <a:rPr lang="zh-CN" altLang="en-US" sz="2000" dirty="0" smtClean="0"/>
               <a:t>操作可以与面向对象中类的方法相提并论。</a:t>
             </a:r>
           </a:p>
           <a:p>
-            <a:pPr lvl="1" eaLnBrk="1" hangingPunct="1"/>
-            <a:r>
-              <a:rPr lang="zh-CN" altLang="en-US" dirty="0" smtClean="0"/>
+            <a:pPr lvl="1" eaLnBrk="1" hangingPunct="1">
+              <a:lnSpc>
+                <a:spcPct val="120000"/>
+              </a:lnSpc>
+              <a:spcBef>
+                <a:spcPts val="0"/>
+              </a:spcBef>
+            </a:pPr>
+            <a:r>
+              <a:rPr lang="zh-CN" altLang="en-US" sz="2000" dirty="0" smtClean="0"/>
               <a:t>服务：代表操作的逻辑分组。例如，如果我们将客户信用视为服务，则按照客户名称获得客户信用数据、建立信用记录、更新客户信用等就代表相关的操作。</a:t>
             </a:r>
           </a:p>
           <a:p>
-            <a:pPr lvl="1" eaLnBrk="1" hangingPunct="1"/>
-            <a:r>
-              <a:rPr lang="zh-CN" altLang="en-US" dirty="0" smtClean="0"/>
+            <a:pPr lvl="1" eaLnBrk="1" hangingPunct="1">
+              <a:lnSpc>
+                <a:spcPct val="120000"/>
+              </a:lnSpc>
+              <a:spcBef>
+                <a:spcPts val="0"/>
+              </a:spcBef>
+            </a:pPr>
+            <a:r>
+              <a:rPr lang="zh-CN" altLang="en-US" sz="2000" dirty="0" smtClean="0"/>
               <a:t>业务流程：为实现特定业务目标而执行的一组长期运行的动作或活动，如：批准一项贷款、本科生转专业、完成订单等。业务流程可以通过编排一组服务来定义和实现。 </a:t>
             </a:r>
           </a:p>
           <a:p>
-            <a:pPr eaLnBrk="1" hangingPunct="1"/>
-            <a:r>
-              <a:rPr kumimoji="1" lang="zh-CN" altLang="en-US" dirty="0" smtClean="0"/>
+            <a:pPr eaLnBrk="1" hangingPunct="1">
+              <a:lnSpc>
+                <a:spcPct val="120000"/>
+              </a:lnSpc>
+              <a:spcBef>
+                <a:spcPts val="0"/>
+              </a:spcBef>
+            </a:pPr>
+            <a:r>
+              <a:rPr kumimoji="1" lang="zh-CN" altLang="en-US" sz="2000" dirty="0" smtClean="0"/>
               <a:t>主要模型：构件图（</a:t>
             </a:r>
             <a:r>
-              <a:rPr kumimoji="1" lang="en-US" altLang="zh-CN" dirty="0" smtClean="0"/>
+              <a:rPr kumimoji="1" lang="en-US" altLang="zh-CN" sz="2000" dirty="0" smtClean="0"/>
               <a:t>Component Diagram</a:t>
             </a:r>
             <a:r>
-              <a:rPr kumimoji="1" lang="zh-CN" altLang="en-US" dirty="0" smtClean="0"/>
+              <a:rPr kumimoji="1" lang="zh-CN" altLang="en-US" sz="2000" dirty="0" smtClean="0"/>
               <a:t>）</a:t>
             </a:r>
             <a:r>
-              <a:rPr kumimoji="1" lang="en-US" altLang="zh-CN" dirty="0" smtClean="0"/>
+              <a:rPr kumimoji="1" lang="en-US" altLang="zh-CN" sz="2000" dirty="0" smtClean="0"/>
               <a:t>/</a:t>
             </a:r>
             <a:r>
-              <a:rPr kumimoji="1" lang="en-US" altLang="zh-CN" dirty="0" err="1" smtClean="0"/>
+              <a:rPr kumimoji="1" lang="en-US" altLang="zh-CN" sz="2000" dirty="0" err="1" smtClean="0"/>
               <a:t>SoaML</a:t>
             </a:r>
             <a:r>
-              <a:rPr kumimoji="1" lang="en-US" altLang="zh-CN" dirty="0" smtClean="0"/>
+              <a:rPr kumimoji="1" lang="en-US" altLang="zh-CN" sz="2000" dirty="0" smtClean="0"/>
               <a:t>/BPMN</a:t>
             </a:r>
           </a:p>
           <a:p>
-            <a:pPr lvl="1" eaLnBrk="1" hangingPunct="1"/>
-            <a:r>
-              <a:rPr lang="zh-CN" altLang="en-US" dirty="0" smtClean="0">
+            <a:pPr lvl="1" eaLnBrk="1" hangingPunct="1">
+              <a:lnSpc>
+                <a:spcPct val="120000"/>
+              </a:lnSpc>
+              <a:spcBef>
+                <a:spcPts val="0"/>
+              </a:spcBef>
+            </a:pPr>
+            <a:r>
+              <a:rPr lang="zh-CN" altLang="en-US" sz="2000" dirty="0" smtClean="0">
                 <a:latin typeface="宋体" panose="02010600030101010101" pitchFamily="2" charset="-122"/>
               </a:rPr>
               <a:t>底层基于类来实现</a:t>
@@ -12243,121 +13252,7 @@
 </p:sld>
 </file>
 
-<file path=ppt/slides/slide2.xml><?xml version="1.0" encoding="utf-8"?>
-<p:sld xmlns:a="http://schemas.openxmlformats.org/drawingml/2006/main" xmlns:r="http://schemas.openxmlformats.org/officeDocument/2006/relationships" xmlns:p="http://schemas.openxmlformats.org/presentationml/2006/main">
-  <p:cSld>
-    <p:spTree>
-      <p:nvGrpSpPr>
-        <p:cNvPr id="1" name=""/>
-        <p:cNvGrpSpPr/>
-        <p:nvPr/>
-      </p:nvGrpSpPr>
-      <p:grpSpPr>
-        <a:xfrm>
-          <a:off x="0" y="0"/>
-          <a:ext cx="0" cy="0"/>
-          <a:chOff x="0" y="0"/>
-          <a:chExt cx="0" cy="0"/>
-        </a:xfrm>
-      </p:grpSpPr>
-      <p:sp>
-        <p:nvSpPr>
-          <p:cNvPr id="4098" name="Rectangle 2"/>
-          <p:cNvSpPr>
-            <a:spLocks noGrp="1" noChangeArrowheads="1"/>
-          </p:cNvSpPr>
-          <p:nvPr>
-            <p:ph type="title"/>
-          </p:nvPr>
-        </p:nvSpPr>
-        <p:spPr>
-          <a:xfrm>
-            <a:off x="251520" y="404664"/>
-            <a:ext cx="8496300" cy="981075"/>
-          </a:xfrm>
-        </p:spPr>
-        <p:txBody>
-          <a:bodyPr/>
-          <a:lstStyle/>
-          <a:p>
-            <a:pPr eaLnBrk="1" hangingPunct="1"/>
-            <a:r>
-              <a:rPr lang="zh-CN" altLang="en-US" dirty="0" smtClean="0"/>
-              <a:t>本章主要内容</a:t>
-            </a:r>
-          </a:p>
-        </p:txBody>
-      </p:sp>
-      <p:sp>
-        <p:nvSpPr>
-          <p:cNvPr id="4099" name="Rectangle 3"/>
-          <p:cNvSpPr>
-            <a:spLocks noGrp="1" noChangeArrowheads="1"/>
-          </p:cNvSpPr>
-          <p:nvPr>
-            <p:ph type="body" idx="1"/>
-          </p:nvPr>
-        </p:nvSpPr>
-        <p:spPr/>
-        <p:txBody>
-          <a:bodyPr/>
-          <a:lstStyle/>
-          <a:p>
-            <a:pPr marL="609600" indent="-609600"/>
-            <a:r>
-              <a:rPr lang="en-US" altLang="zh-CN" dirty="0"/>
-              <a:t>9.1 </a:t>
-            </a:r>
-            <a:r>
-              <a:rPr lang="zh-CN" altLang="en-US" dirty="0"/>
-              <a:t>系统设计的任务要求</a:t>
-            </a:r>
-          </a:p>
-          <a:p>
-            <a:pPr marL="609600" indent="-609600"/>
-            <a:r>
-              <a:rPr lang="en-US" altLang="zh-CN" dirty="0"/>
-              <a:t>9.2 </a:t>
-            </a:r>
-            <a:r>
-              <a:rPr lang="zh-CN" altLang="en-US" dirty="0"/>
-              <a:t>系统设计的内容</a:t>
-            </a:r>
-          </a:p>
-          <a:p>
-            <a:pPr marL="609600" indent="-609600"/>
-            <a:r>
-              <a:rPr lang="en-US" altLang="zh-CN" dirty="0"/>
-              <a:t>9.3 </a:t>
-            </a:r>
-            <a:r>
-              <a:rPr lang="zh-CN" altLang="en-US" dirty="0"/>
-              <a:t>系统设计说明书</a:t>
-            </a:r>
-          </a:p>
-        </p:txBody>
-      </p:sp>
-    </p:spTree>
-    <p:extLst>
-      <p:ext uri="{BB962C8B-B14F-4D97-AF65-F5344CB8AC3E}">
-        <p14:creationId xmlns:p14="http://schemas.microsoft.com/office/powerpoint/2010/main" val="1290162392"/>
-      </p:ext>
-    </p:extLst>
-  </p:cSld>
-  <p:clrMapOvr>
-    <a:masterClrMapping/>
-  </p:clrMapOvr>
-  <p:timing>
-    <p:tnLst>
-      <p:par>
-        <p:cTn id="1" dur="indefinite" restart="never" nodeType="tmRoot"/>
-      </p:par>
-    </p:tnLst>
-  </p:timing>
-</p:sld>
-</file>
-
-<file path=ppt/slides/slide20.xml><?xml version="1.0" encoding="utf-8"?>
+<file path=ppt/slides/slide24.xml><?xml version="1.0" encoding="utf-8"?>
 <p:sld xmlns:a="http://schemas.openxmlformats.org/drawingml/2006/main" xmlns:r="http://schemas.openxmlformats.org/officeDocument/2006/relationships" xmlns:p="http://schemas.openxmlformats.org/presentationml/2006/main">
   <p:cSld>
     <p:spTree>
@@ -12596,7 +13491,7 @@
 </p:sld>
 </file>
 
-<file path=ppt/slides/slide21.xml><?xml version="1.0" encoding="utf-8"?>
+<file path=ppt/slides/slide25.xml><?xml version="1.0" encoding="utf-8"?>
 <p:sld xmlns:a="http://schemas.openxmlformats.org/drawingml/2006/main" xmlns:r="http://schemas.openxmlformats.org/officeDocument/2006/relationships" xmlns:p="http://schemas.openxmlformats.org/presentationml/2006/main">
   <p:cSld>
     <p:spTree>
@@ -12738,7 +13633,7 @@
 </p:sld>
 </file>
 
-<file path=ppt/slides/slide22.xml><?xml version="1.0" encoding="utf-8"?>
+<file path=ppt/slides/slide26.xml><?xml version="1.0" encoding="utf-8"?>
 <p:sld xmlns:a="http://schemas.openxmlformats.org/drawingml/2006/main" xmlns:r="http://schemas.openxmlformats.org/officeDocument/2006/relationships" xmlns:p="http://schemas.openxmlformats.org/presentationml/2006/main">
   <p:cSld>
     <p:spTree>
@@ -13483,7 +14378,7 @@
           <a:graphicData uri="http://schemas.openxmlformats.org/presentationml/2006/ole">
             <mc:AlternateContent xmlns:mc="http://schemas.openxmlformats.org/markup-compatibility/2006">
               <mc:Choice xmlns:v="urn:schemas-microsoft-com:vml" Requires="v">
-                <p:oleObj spid="_x0000_s5128" name="位图图像" r:id="rId3" imgW="895238" imgH="905001" progId="Paint.Picture">
+                <p:oleObj spid="_x0000_s5132" name="位图图像" r:id="rId3" imgW="895238" imgH="905001" progId="Paint.Picture">
                   <p:embed/>
                 </p:oleObj>
               </mc:Choice>
@@ -13576,7 +14471,7 @@
           <a:graphicData uri="http://schemas.openxmlformats.org/presentationml/2006/ole">
             <mc:AlternateContent xmlns:mc="http://schemas.openxmlformats.org/markup-compatibility/2006">
               <mc:Choice xmlns:v="urn:schemas-microsoft-com:vml" Requires="v">
-                <p:oleObj spid="_x0000_s5129" name="位图图像" r:id="rId5" imgW="905001" imgH="905001" progId="Paint.Picture">
+                <p:oleObj spid="_x0000_s5133" name="位图图像" r:id="rId5" imgW="905001" imgH="905001" progId="Paint.Picture">
                   <p:embed/>
                 </p:oleObj>
               </mc:Choice>
@@ -15748,38 +16643,50 @@
           <a:p>
             <a:pPr eaLnBrk="1" hangingPunct="1"/>
             <a:r>
-              <a:rPr lang="zh-CN" altLang="en-US" smtClean="0"/>
+              <a:rPr lang="zh-CN" altLang="en-US" dirty="0" smtClean="0"/>
               <a:t>变化是不变的真理。</a:t>
             </a:r>
           </a:p>
           <a:p>
             <a:pPr eaLnBrk="1" hangingPunct="1"/>
-            <a:endParaRPr lang="zh-CN" altLang="en-US" smtClean="0"/>
+            <a:endParaRPr lang="zh-CN" altLang="en-US" dirty="0" smtClean="0"/>
           </a:p>
           <a:p>
             <a:pPr eaLnBrk="1" hangingPunct="1"/>
             <a:r>
-              <a:rPr lang="zh-CN" altLang="en-US" smtClean="0"/>
+              <a:rPr lang="zh-CN" altLang="en-US" dirty="0" smtClean="0"/>
               <a:t>统计表示：在信息系统的整个生命周期中，系统维护成本占总成本的</a:t>
             </a:r>
             <a:r>
-              <a:rPr lang="en-US" altLang="zh-CN" smtClean="0"/>
+              <a:rPr lang="en-US" altLang="zh-CN" dirty="0" smtClean="0"/>
               <a:t>80%</a:t>
             </a:r>
             <a:r>
-              <a:rPr lang="zh-CN" altLang="en-US" smtClean="0"/>
+              <a:rPr lang="zh-CN" altLang="en-US" dirty="0" smtClean="0"/>
               <a:t>左右。</a:t>
             </a:r>
           </a:p>
           <a:p>
             <a:pPr eaLnBrk="1" hangingPunct="1"/>
-            <a:endParaRPr lang="zh-CN" altLang="en-US" smtClean="0"/>
+            <a:endParaRPr lang="zh-CN" altLang="en-US" dirty="0" smtClean="0"/>
           </a:p>
           <a:p>
             <a:pPr eaLnBrk="1" hangingPunct="1"/>
             <a:r>
-              <a:rPr lang="zh-CN" altLang="en-US" smtClean="0"/>
-              <a:t>因此，可变更性是衡量信息系统设计的重要指标。</a:t>
+              <a:rPr lang="zh-CN" altLang="en-US" dirty="0" smtClean="0"/>
+              <a:t>因此，</a:t>
+            </a:r>
+            <a:r>
+              <a:rPr lang="zh-CN" altLang="en-US" sz="3600" dirty="0" smtClean="0">
+                <a:solidFill>
+                  <a:srgbClr val="FF0000"/>
+                </a:solidFill>
+              </a:rPr>
+              <a:t>可变更性</a:t>
+            </a:r>
+            <a:r>
+              <a:rPr lang="zh-CN" altLang="en-US" dirty="0" smtClean="0"/>
+              <a:t>是衡量信息系统设计的重要指标。</a:t>
             </a:r>
           </a:p>
         </p:txBody>
@@ -16032,13 +16939,13 @@
         </p:nvSpPr>
         <p:spPr>
           <a:xfrm>
-            <a:off x="755576" y="1628800"/>
-            <a:ext cx="7632848" cy="4969297"/>
+            <a:off x="467544" y="1628800"/>
+            <a:ext cx="7992888" cy="4969297"/>
           </a:xfrm>
         </p:spPr>
         <p:txBody>
           <a:bodyPr>
-            <a:normAutofit fontScale="85000" lnSpcReduction="20000"/>
+            <a:noAutofit/>
           </a:bodyPr>
           <a:lstStyle/>
           <a:p>
@@ -16051,7 +16958,7 @@
               </a:spcBef>
             </a:pPr>
             <a:r>
-              <a:rPr lang="zh-CN" altLang="en-US" dirty="0" smtClean="0"/>
+              <a:rPr lang="zh-CN" altLang="en-US" sz="3200" dirty="0" smtClean="0"/>
               <a:t>糟糕的软件设计可能包含一下症状：</a:t>
             </a:r>
           </a:p>
@@ -16065,15 +16972,15 @@
               </a:spcBef>
             </a:pPr>
             <a:r>
-              <a:rPr lang="zh-CN" altLang="en-US" sz="2000" dirty="0" smtClean="0"/>
+              <a:rPr lang="zh-CN" altLang="en-US" sz="2400" dirty="0" smtClean="0"/>
               <a:t>僵化性（</a:t>
             </a:r>
             <a:r>
-              <a:rPr lang="en-US" altLang="zh-CN" sz="2000" dirty="0" smtClean="0"/>
+              <a:rPr lang="en-US" altLang="zh-CN" sz="2400" dirty="0" smtClean="0"/>
               <a:t>rigidity</a:t>
             </a:r>
             <a:r>
-              <a:rPr lang="zh-CN" altLang="en-US" sz="2000" dirty="0" smtClean="0"/>
+              <a:rPr lang="zh-CN" altLang="en-US" sz="2400" dirty="0" smtClean="0"/>
               <a:t>）：系统很难改变，即使一个简单的改动也会导致大量有耦合关联的其它部分的连锁反应。</a:t>
             </a:r>
           </a:p>
@@ -16087,15 +16994,15 @@
               </a:spcBef>
             </a:pPr>
             <a:r>
-              <a:rPr lang="zh-CN" altLang="en-US" sz="2000" dirty="0" smtClean="0"/>
+              <a:rPr lang="zh-CN" altLang="en-US" sz="2400" dirty="0" smtClean="0"/>
               <a:t>脆弱性（</a:t>
             </a:r>
             <a:r>
-              <a:rPr lang="en-US" altLang="zh-CN" sz="2000" dirty="0" smtClean="0"/>
+              <a:rPr lang="en-US" altLang="zh-CN" sz="2400" dirty="0" smtClean="0"/>
               <a:t>fragility</a:t>
             </a:r>
             <a:r>
-              <a:rPr lang="zh-CN" altLang="en-US" sz="2000" dirty="0" smtClean="0"/>
+              <a:rPr lang="zh-CN" altLang="en-US" sz="2400" dirty="0" smtClean="0"/>
               <a:t>）：改变系统的某个部分，会破坏许多无关的其它部分。</a:t>
             </a:r>
           </a:p>
@@ -16109,15 +17016,15 @@
               </a:spcBef>
             </a:pPr>
             <a:r>
-              <a:rPr lang="zh-CN" altLang="en-US" sz="2000" dirty="0" smtClean="0"/>
+              <a:rPr lang="zh-CN" altLang="en-US" sz="2400" dirty="0" smtClean="0"/>
               <a:t>固化性（</a:t>
             </a:r>
             <a:r>
-              <a:rPr lang="en-US" altLang="zh-CN" sz="2000" dirty="0" smtClean="0"/>
+              <a:rPr lang="en-US" altLang="zh-CN" sz="2400" dirty="0" smtClean="0"/>
               <a:t>immobility</a:t>
             </a:r>
             <a:r>
-              <a:rPr lang="zh-CN" altLang="en-US" sz="2000" dirty="0" smtClean="0"/>
+              <a:rPr lang="zh-CN" altLang="en-US" sz="2400" dirty="0" smtClean="0"/>
               <a:t>）：系统各部分紧密联结无法分开，很难将系统分解成可供其它系统重用的部件。</a:t>
             </a:r>
           </a:p>
@@ -16131,97 +17038,22 @@
               </a:spcBef>
             </a:pPr>
             <a:r>
-              <a:rPr lang="zh-CN" altLang="en-US" sz="2000" dirty="0" smtClean="0"/>
+              <a:rPr lang="zh-CN" altLang="en-US" sz="2400" dirty="0" smtClean="0"/>
               <a:t>粘滞性（</a:t>
             </a:r>
             <a:r>
-              <a:rPr lang="en-US" altLang="zh-CN" sz="2000" dirty="0" smtClean="0"/>
+              <a:rPr lang="en-US" altLang="zh-CN" sz="2400" dirty="0" smtClean="0"/>
               <a:t>viscosity</a:t>
             </a:r>
             <a:r>
-              <a:rPr lang="zh-CN" altLang="en-US" sz="2000" dirty="0" smtClean="0"/>
-              <a:t>）：当软件需要改动时，设计不容易保持稳定，逐渐脱离最初的设计思路而走样，造成软件不同版本之间存在较大差异。</a:t>
-            </a:r>
-          </a:p>
-          <a:p>
-            <a:pPr lvl="1" eaLnBrk="1" hangingPunct="1">
-              <a:lnSpc>
-                <a:spcPct val="110000"/>
-              </a:lnSpc>
-              <a:spcBef>
-                <a:spcPts val="0"/>
-              </a:spcBef>
-            </a:pPr>
-            <a:r>
-              <a:rPr lang="zh-CN" altLang="en-US" sz="2000" dirty="0" smtClean="0"/>
-              <a:t>不必要的复杂性</a:t>
-            </a:r>
-            <a:r>
-              <a:rPr lang="en-US" altLang="zh-CN" sz="2000" dirty="0" smtClean="0"/>
-              <a:t>(needless complexity)</a:t>
-            </a:r>
-            <a:r>
-              <a:rPr lang="zh-CN" altLang="en-US" sz="2000" dirty="0" smtClean="0"/>
-              <a:t>：过度设计，很多非常聪明的超前的结构目前还不需要，什么时候需要不得而知。</a:t>
-            </a:r>
-          </a:p>
-          <a:p>
-            <a:pPr lvl="1" eaLnBrk="1" hangingPunct="1">
-              <a:lnSpc>
-                <a:spcPct val="110000"/>
-              </a:lnSpc>
-              <a:spcBef>
-                <a:spcPts val="0"/>
-              </a:spcBef>
-            </a:pPr>
-            <a:r>
-              <a:rPr lang="zh-CN" altLang="en-US" sz="2000" dirty="0" smtClean="0"/>
-              <a:t>不必要的重复性（</a:t>
-            </a:r>
-            <a:r>
-              <a:rPr lang="en-US" altLang="zh-CN" sz="2000" dirty="0" smtClean="0"/>
-              <a:t>needless repetition</a:t>
-            </a:r>
-            <a:r>
-              <a:rPr lang="zh-CN" altLang="en-US" sz="2000" dirty="0" smtClean="0"/>
-              <a:t>）：因为忽视抽象而使很多代码看上去是重复的，将来修改一处时，导致多处修改。</a:t>
-            </a:r>
-          </a:p>
-          <a:p>
-            <a:pPr lvl="1" eaLnBrk="1" hangingPunct="1">
-              <a:lnSpc>
-                <a:spcPct val="110000"/>
-              </a:lnSpc>
-              <a:spcBef>
-                <a:spcPts val="0"/>
-              </a:spcBef>
-            </a:pPr>
-            <a:r>
-              <a:rPr lang="zh-CN" altLang="en-US" sz="2000" dirty="0" smtClean="0"/>
-              <a:t>晦涩性（</a:t>
-            </a:r>
-            <a:r>
-              <a:rPr lang="en-US" altLang="zh-CN" sz="2000" dirty="0" smtClean="0"/>
-              <a:t>opacity</a:t>
-            </a:r>
-            <a:r>
-              <a:rPr lang="zh-CN" altLang="en-US" sz="2000" dirty="0" smtClean="0"/>
-              <a:t>）：很难阅读、理解，不能很好地表现出设计者的意图，难以与需求规格描述进行对照。</a:t>
-            </a:r>
-          </a:p>
-          <a:p>
-            <a:pPr eaLnBrk="1" hangingPunct="1">
-              <a:lnSpc>
-                <a:spcPct val="110000"/>
-              </a:lnSpc>
-              <a:spcBef>
-                <a:spcPts val="0"/>
-              </a:spcBef>
-            </a:pPr>
-            <a:r>
-              <a:rPr lang="zh-CN" altLang="en-US" dirty="0" smtClean="0"/>
-              <a:t>一个低劣的建筑设计方案，技艺高超的工匠也无法造出精品。 </a:t>
-            </a:r>
+              <a:rPr lang="zh-CN" altLang="en-US" sz="2400" dirty="0" smtClean="0"/>
+              <a:t>）：当软件需要改动时，设计不容易保持稳定，逐渐脱离最初的设计思路而走样，造成软件不同版本之间存在较大差异</a:t>
+            </a:r>
+            <a:r>
+              <a:rPr lang="zh-CN" altLang="en-US" sz="2400" dirty="0" smtClean="0"/>
+              <a:t>。</a:t>
+            </a:r>
+            <a:endParaRPr lang="zh-CN" altLang="en-US" sz="2400" dirty="0" smtClean="0"/>
           </a:p>
         </p:txBody>
       </p:sp>

--- a/ppt/第9章-系统设计概述.pptx
+++ b/ppt/第9章-系统设计概述.pptx
@@ -5,10 +5,10 @@
     <p:sldMasterId id="2147483923" r:id="rId1"/>
   </p:sldMasterIdLst>
   <p:notesMasterIdLst>
-    <p:notesMasterId r:id="rId28"/>
+    <p:notesMasterId r:id="rId30"/>
   </p:notesMasterIdLst>
   <p:handoutMasterIdLst>
-    <p:handoutMasterId r:id="rId29"/>
+    <p:handoutMasterId r:id="rId31"/>
   </p:handoutMasterIdLst>
   <p:sldIdLst>
     <p:sldId id="256" r:id="rId2"/>
@@ -29,14 +29,16 @@
     <p:sldId id="392" r:id="rId17"/>
     <p:sldId id="405" r:id="rId18"/>
     <p:sldId id="393" r:id="rId19"/>
-    <p:sldId id="394" r:id="rId20"/>
-    <p:sldId id="395" r:id="rId21"/>
-    <p:sldId id="396" r:id="rId22"/>
-    <p:sldId id="397" r:id="rId23"/>
-    <p:sldId id="398" r:id="rId24"/>
-    <p:sldId id="399" r:id="rId25"/>
-    <p:sldId id="400" r:id="rId26"/>
-    <p:sldId id="401" r:id="rId27"/>
+    <p:sldId id="406" r:id="rId20"/>
+    <p:sldId id="407" r:id="rId21"/>
+    <p:sldId id="394" r:id="rId22"/>
+    <p:sldId id="395" r:id="rId23"/>
+    <p:sldId id="396" r:id="rId24"/>
+    <p:sldId id="397" r:id="rId25"/>
+    <p:sldId id="398" r:id="rId26"/>
+    <p:sldId id="399" r:id="rId27"/>
+    <p:sldId id="400" r:id="rId28"/>
+    <p:sldId id="401" r:id="rId29"/>
   </p:sldIdLst>
   <p:sldSz cx="9144000" cy="6858000" type="screen4x3"/>
   <p:notesSz cx="6858000" cy="9144000"/>
@@ -1373,7 +1375,7 @@
               <a:pPr>
                 <a:defRPr/>
               </a:pPr>
-              <a:t>23</a:t>
+              <a:t>25</a:t>
             </a:fld>
             <a:endParaRPr lang="en-US" altLang="zh-CN"/>
           </a:p>
@@ -7762,11 +7764,7 @@
             </a:pPr>
             <a:r>
               <a:rPr lang="zh-CN" altLang="en-US" sz="2400" dirty="0" smtClean="0"/>
-              <a:t>不必要</a:t>
-            </a:r>
-            <a:r>
-              <a:rPr lang="zh-CN" altLang="en-US" sz="2400" dirty="0" smtClean="0"/>
-              <a:t>的复杂性</a:t>
+              <a:t>不必要的复杂性</a:t>
             </a:r>
             <a:r>
               <a:rPr lang="en-US" altLang="zh-CN" sz="2400" dirty="0" smtClean="0"/>
@@ -7981,13 +7979,8 @@
             </a:r>
             <a:r>
               <a:rPr lang="zh-CN" altLang="en-US" dirty="0" smtClean="0"/>
-              <a:t>系统功能单元的划分按层次进行。整个系统分解成若干子系统，然后每个子系统按功能再分解为更小的功能单元（如菜单项、人机窗口界面、业务功能组件等），依次下去。最底层的基本单元可以设计成一个函数、子过程、或类的一个方法</a:t>
-            </a:r>
-            <a:r>
-              <a:rPr lang="zh-CN" altLang="en-US" dirty="0" smtClean="0"/>
-              <a:t>。</a:t>
-            </a:r>
-            <a:endParaRPr lang="zh-CN" altLang="en-US" dirty="0" smtClean="0"/>
+              <a:t>系统功能单元的划分按层次进行。整个系统分解成若干子系统，然后每个子系统按功能再分解为更小的功能单元（如菜单项、人机窗口界面、业务功能组件等），依次下去。最底层的基本单元可以设计成一个函数、子过程、或类的一个方法。</a:t>
+            </a:r>
           </a:p>
         </p:txBody>
       </p:sp>
@@ -8087,11 +8080,7 @@
             </a:pPr>
             <a:r>
               <a:rPr lang="en-US" altLang="zh-CN" dirty="0" smtClean="0"/>
-              <a:t>(</a:t>
-            </a:r>
-            <a:r>
-              <a:rPr lang="en-US" altLang="zh-CN" dirty="0" smtClean="0"/>
-              <a:t>3) </a:t>
+              <a:t>(3) </a:t>
             </a:r>
             <a:r>
               <a:rPr lang="zh-CN" altLang="en-US" dirty="0" smtClean="0"/>
@@ -8248,11 +8237,7 @@
             </a:pPr>
             <a:r>
               <a:rPr lang="zh-CN" altLang="en-US" sz="3600" dirty="0" smtClean="0"/>
-              <a:t>具备将复杂的问题分解成简单问题的能力，设计易于使用和维护的软件结构，并保证较好的重用性</a:t>
-            </a:r>
-            <a:r>
-              <a:rPr lang="zh-CN" altLang="en-US" sz="3600" dirty="0" smtClean="0"/>
-              <a:t>；</a:t>
+              <a:t>具备将复杂的问题分解成简单问题的能力，设计易于使用和维护的软件结构，并保证较好的重用性；</a:t>
             </a:r>
             <a:endParaRPr lang="en-US" altLang="zh-CN" sz="3600" dirty="0" smtClean="0"/>
           </a:p>
@@ -8351,11 +8336,7 @@
             </a:pPr>
             <a:r>
               <a:rPr lang="zh-CN" altLang="en-US" sz="3600" dirty="0" smtClean="0"/>
-              <a:t>应对</a:t>
-            </a:r>
-            <a:r>
-              <a:rPr lang="zh-CN" altLang="en-US" sz="3600" dirty="0" smtClean="0"/>
-              <a:t>系统结构尤其是软件结构具有较强美感，善于运用巧妙优美的设计模式；</a:t>
+              <a:t>应对系统结构尤其是软件结构具有较强美感，善于运用巧妙优美的设计模式；</a:t>
             </a:r>
             <a:endParaRPr lang="en-US" altLang="zh-CN" sz="3600" dirty="0" smtClean="0"/>
           </a:p>
@@ -9423,11 +9404,7 @@
             </a:pPr>
             <a:r>
               <a:rPr lang="zh-CN" altLang="en-US" dirty="0" smtClean="0"/>
-              <a:t>分析</a:t>
-            </a:r>
-            <a:r>
-              <a:rPr lang="zh-CN" altLang="en-US" dirty="0" smtClean="0"/>
-              <a:t>与设计任务和目标不同，但在一些软件开发过程方法（如敏捷方法）中，分析和设计没有严格的阶段划分。</a:t>
+              <a:t>分析与设计任务和目标不同，但在一些软件开发过程方法（如敏捷方法）中，分析和设计没有严格的阶段划分。</a:t>
             </a:r>
             <a:endParaRPr lang="en-US" altLang="zh-CN" dirty="0" smtClean="0"/>
           </a:p>
@@ -9513,9 +9490,9 @@
       </p:grpSpPr>
       <p:sp>
         <p:nvSpPr>
-          <p:cNvPr id="17410" name="Rectangle 2"/>
+          <p:cNvPr id="16386" name="标题 1"/>
           <p:cNvSpPr>
-            <a:spLocks noGrp="1" noChangeArrowheads="1"/>
+            <a:spLocks noGrp="1"/>
           </p:cNvSpPr>
           <p:nvPr>
             <p:ph type="title"/>
@@ -9529,38 +9506,30 @@
             <a:pPr eaLnBrk="1" hangingPunct="1"/>
             <a:r>
               <a:rPr lang="en-US" altLang="zh-CN" smtClean="0"/>
-              <a:t>9.2 </a:t>
+              <a:t>9.1.3 </a:t>
             </a:r>
             <a:r>
               <a:rPr lang="zh-CN" altLang="en-US" smtClean="0"/>
-              <a:t>系统设计的内容</a:t>
+              <a:t>从分析过渡到设计</a:t>
             </a:r>
           </a:p>
         </p:txBody>
       </p:sp>
       <p:sp>
         <p:nvSpPr>
-          <p:cNvPr id="17411" name="Rectangle 3"/>
+          <p:cNvPr id="16387" name="内容占位符 2"/>
           <p:cNvSpPr>
-            <a:spLocks noGrp="1" noChangeArrowheads="1"/>
+            <a:spLocks noGrp="1"/>
           </p:cNvSpPr>
           <p:nvPr>
-            <p:ph type="body" idx="1"/>
+            <p:ph idx="1"/>
           </p:nvPr>
         </p:nvSpPr>
         <p:spPr>
-          <a:extLst>
-            <a:ext uri="{91240B29-F687-4F45-9708-019B960494DF}">
-              <a14:hiddenLine xmlns:a14="http://schemas.microsoft.com/office/drawing/2010/main" w="9525">
-                <a:solidFill>
-                  <a:srgbClr val="FF0000"/>
-                </a:solidFill>
-                <a:miter lim="800000"/>
-                <a:headEnd/>
-                <a:tailEnd/>
-              </a14:hiddenLine>
-            </a:ext>
-          </a:extLst>
+          <a:xfrm>
+            <a:off x="971600" y="1685888"/>
+            <a:ext cx="6798736" cy="1021511"/>
+          </a:xfrm>
         </p:spPr>
         <p:txBody>
           <a:bodyPr>
@@ -9568,87 +9537,354 @@
           </a:bodyPr>
           <a:lstStyle/>
           <a:p>
-            <a:pPr marL="609600" indent="-609600" eaLnBrk="1" hangingPunct="1">
-              <a:buFont typeface="Wingdings" panose="05000000000000000000" pitchFamily="2" charset="2"/>
+            <a:pPr eaLnBrk="1" hangingPunct="1">
+              <a:lnSpc>
+                <a:spcPct val="120000"/>
+              </a:lnSpc>
+              <a:spcBef>
+                <a:spcPts val="0"/>
+              </a:spcBef>
+            </a:pPr>
+            <a:r>
+              <a:rPr lang="zh-CN" altLang="en-US" dirty="0" smtClean="0"/>
+              <a:t>类图转数据库设计的样例：</a:t>
+            </a:r>
+            <a:endParaRPr lang="en-US" altLang="zh-CN" dirty="0" smtClean="0"/>
+          </a:p>
+          <a:p>
+            <a:pPr marL="0" indent="0" eaLnBrk="1" hangingPunct="1">
+              <a:lnSpc>
+                <a:spcPct val="120000"/>
+              </a:lnSpc>
+              <a:spcBef>
+                <a:spcPts val="0"/>
+              </a:spcBef>
               <a:buNone/>
             </a:pPr>
             <a:r>
-              <a:rPr lang="zh-CN" altLang="en-US" smtClean="0"/>
-              <a:t>一般划分为两部分：</a:t>
-            </a:r>
-          </a:p>
-          <a:p>
-            <a:pPr marL="609600" indent="-609600" eaLnBrk="1" hangingPunct="1"/>
-            <a:r>
-              <a:rPr lang="zh-CN" altLang="en-US" smtClean="0">
-                <a:solidFill>
-                  <a:srgbClr val="FF0000"/>
-                </a:solidFill>
-              </a:rPr>
-              <a:t>总体设计</a:t>
-            </a:r>
-          </a:p>
-          <a:p>
-            <a:pPr marL="990600" lvl="1" indent="-533400" eaLnBrk="1" hangingPunct="1"/>
-            <a:r>
-              <a:rPr lang="zh-CN" altLang="en-US" smtClean="0"/>
-              <a:t>设计软件的体系结构（也称架构，</a:t>
-            </a:r>
-            <a:r>
-              <a:rPr lang="en-US" altLang="zh-CN" smtClean="0"/>
-              <a:t>architecture</a:t>
-            </a:r>
-            <a:r>
-              <a:rPr lang="zh-CN" altLang="en-US" smtClean="0"/>
-              <a:t>）</a:t>
-            </a:r>
-          </a:p>
-          <a:p>
-            <a:pPr marL="990600" lvl="1" indent="-533400" eaLnBrk="1" hangingPunct="1"/>
-            <a:r>
-              <a:rPr lang="zh-CN" altLang="en-US" smtClean="0"/>
-              <a:t>设计软件结构，即具体组成元素及其关系（</a:t>
-            </a:r>
-            <a:r>
-              <a:rPr lang="en-US" altLang="zh-CN" smtClean="0"/>
-              <a:t>structure</a:t>
-            </a:r>
-            <a:r>
-              <a:rPr lang="zh-CN" altLang="en-US" smtClean="0"/>
-              <a:t>）</a:t>
-            </a:r>
-          </a:p>
-          <a:p>
-            <a:pPr marL="990600" lvl="1" indent="-533400" eaLnBrk="1" hangingPunct="1"/>
-            <a:r>
-              <a:rPr lang="zh-CN" altLang="en-US" smtClean="0"/>
-              <a:t>设计系统对外接口和服务</a:t>
-            </a:r>
-          </a:p>
-          <a:p>
-            <a:pPr marL="609600" indent="-609600" eaLnBrk="1" hangingPunct="1"/>
-            <a:r>
-              <a:rPr lang="zh-CN" altLang="en-US" smtClean="0">
-                <a:solidFill>
-                  <a:srgbClr val="FF0000"/>
-                </a:solidFill>
-              </a:rPr>
-              <a:t>详细设计</a:t>
-            </a:r>
-          </a:p>
-          <a:p>
-            <a:pPr marL="990600" lvl="1" indent="-533400" eaLnBrk="1" hangingPunct="1"/>
-            <a:r>
-              <a:rPr lang="zh-CN" altLang="en-US" smtClean="0"/>
-              <a:t>各项具体细节，涉及软硬件的各个方面</a:t>
-            </a:r>
+              <a:rPr lang="en-US" altLang="zh-CN" dirty="0" smtClean="0"/>
+              <a:t>		</a:t>
+            </a:r>
+            <a:r>
+              <a:rPr lang="zh-CN" altLang="en-US" dirty="0" smtClean="0"/>
+              <a:t>类图：</a:t>
+            </a:r>
+            <a:endParaRPr lang="zh-CN" altLang="en-US" dirty="0" smtClean="0"/>
+          </a:p>
+        </p:txBody>
+      </p:sp>
+      <p:sp>
+        <p:nvSpPr>
+          <p:cNvPr id="3" name="矩形 2"/>
+          <p:cNvSpPr/>
+          <p:nvPr/>
+        </p:nvSpPr>
+        <p:spPr>
+          <a:xfrm>
+            <a:off x="2123728" y="2852936"/>
+            <a:ext cx="1857186" cy="576064"/>
+          </a:xfrm>
+          <a:prstGeom prst="rect">
+            <a:avLst/>
+          </a:prstGeom>
+          <a:noFill/>
+        </p:spPr>
+        <p:style>
+          <a:lnRef idx="2">
+            <a:schemeClr val="dk1"/>
+          </a:lnRef>
+          <a:fillRef idx="1">
+            <a:schemeClr val="lt1"/>
+          </a:fillRef>
+          <a:effectRef idx="0">
+            <a:schemeClr val="dk1"/>
+          </a:effectRef>
+          <a:fontRef idx="minor">
+            <a:schemeClr val="dk1"/>
+          </a:fontRef>
+        </p:style>
+        <p:txBody>
+          <a:bodyPr rtlCol="0" anchor="ctr"/>
+          <a:lstStyle/>
+          <a:p>
+            <a:pPr algn="ctr"/>
+            <a:r>
+              <a:rPr lang="zh-CN" altLang="en-US" sz="2800" b="1" dirty="0" smtClean="0"/>
+              <a:t>订单</a:t>
+            </a:r>
+            <a:endParaRPr lang="zh-CN" altLang="en-US" sz="2800" b="1" dirty="0"/>
+          </a:p>
+        </p:txBody>
+      </p:sp>
+      <p:sp>
+        <p:nvSpPr>
+          <p:cNvPr id="6" name="矩形 5"/>
+          <p:cNvSpPr/>
+          <p:nvPr/>
+        </p:nvSpPr>
+        <p:spPr>
+          <a:xfrm>
+            <a:off x="2123728" y="3429000"/>
+            <a:ext cx="1857186" cy="1944216"/>
+          </a:xfrm>
+          <a:prstGeom prst="rect">
+            <a:avLst/>
+          </a:prstGeom>
+          <a:noFill/>
+        </p:spPr>
+        <p:style>
+          <a:lnRef idx="2">
+            <a:schemeClr val="dk1"/>
+          </a:lnRef>
+          <a:fillRef idx="1">
+            <a:schemeClr val="lt1"/>
+          </a:fillRef>
+          <a:effectRef idx="0">
+            <a:schemeClr val="dk1"/>
+          </a:effectRef>
+          <a:fontRef idx="minor">
+            <a:schemeClr val="dk1"/>
+          </a:fontRef>
+        </p:style>
+        <p:txBody>
+          <a:bodyPr rtlCol="0" anchor="ctr"/>
+          <a:lstStyle/>
+          <a:p>
+            <a:pPr algn="ctr"/>
+            <a:r>
+              <a:rPr lang="zh-CN" altLang="en-US" sz="2800" dirty="0"/>
+              <a:t>订单</a:t>
+            </a:r>
+            <a:r>
+              <a:rPr lang="en-US" altLang="zh-CN" sz="2800" dirty="0"/>
+              <a:t>ID</a:t>
+            </a:r>
+          </a:p>
+          <a:p>
+            <a:pPr algn="ctr"/>
+            <a:r>
+              <a:rPr lang="zh-CN" altLang="en-US" sz="2800" dirty="0"/>
+              <a:t>客户名称</a:t>
+            </a:r>
+          </a:p>
+          <a:p>
+            <a:pPr algn="ctr"/>
+            <a:r>
+              <a:rPr lang="zh-CN" altLang="en-US" sz="2800" dirty="0"/>
+              <a:t>订货日期</a:t>
+            </a:r>
+          </a:p>
+          <a:p>
+            <a:pPr algn="ctr"/>
+            <a:r>
+              <a:rPr lang="zh-CN" altLang="en-US" sz="2800" dirty="0"/>
+              <a:t>销售人员</a:t>
+            </a:r>
+            <a:endParaRPr lang="zh-CN" altLang="en-US" sz="2800" dirty="0"/>
+          </a:p>
+        </p:txBody>
+      </p:sp>
+      <p:sp>
+        <p:nvSpPr>
+          <p:cNvPr id="9" name="矩形 8"/>
+          <p:cNvSpPr/>
+          <p:nvPr/>
+        </p:nvSpPr>
+        <p:spPr>
+          <a:xfrm>
+            <a:off x="4988409" y="2852936"/>
+            <a:ext cx="1887845" cy="576064"/>
+          </a:xfrm>
+          <a:prstGeom prst="rect">
+            <a:avLst/>
+          </a:prstGeom>
+          <a:noFill/>
+        </p:spPr>
+        <p:style>
+          <a:lnRef idx="2">
+            <a:schemeClr val="dk1"/>
+          </a:lnRef>
+          <a:fillRef idx="1">
+            <a:schemeClr val="lt1"/>
+          </a:fillRef>
+          <a:effectRef idx="0">
+            <a:schemeClr val="dk1"/>
+          </a:effectRef>
+          <a:fontRef idx="minor">
+            <a:schemeClr val="dk1"/>
+          </a:fontRef>
+        </p:style>
+        <p:txBody>
+          <a:bodyPr rtlCol="0" anchor="ctr"/>
+          <a:lstStyle/>
+          <a:p>
+            <a:pPr algn="ctr"/>
+            <a:r>
+              <a:rPr lang="zh-CN" altLang="en-US" sz="2800" b="1" dirty="0" smtClean="0"/>
+              <a:t>产品</a:t>
+            </a:r>
+            <a:endParaRPr lang="zh-CN" altLang="en-US" sz="2800" b="1" dirty="0"/>
+          </a:p>
+        </p:txBody>
+      </p:sp>
+      <p:sp>
+        <p:nvSpPr>
+          <p:cNvPr id="10" name="矩形 9"/>
+          <p:cNvSpPr/>
+          <p:nvPr/>
+        </p:nvSpPr>
+        <p:spPr>
+          <a:xfrm>
+            <a:off x="4988410" y="3429000"/>
+            <a:ext cx="1887845" cy="1944216"/>
+          </a:xfrm>
+          <a:prstGeom prst="rect">
+            <a:avLst/>
+          </a:prstGeom>
+          <a:noFill/>
+        </p:spPr>
+        <p:style>
+          <a:lnRef idx="2">
+            <a:schemeClr val="dk1"/>
+          </a:lnRef>
+          <a:fillRef idx="1">
+            <a:schemeClr val="lt1"/>
+          </a:fillRef>
+          <a:effectRef idx="0">
+            <a:schemeClr val="dk1"/>
+          </a:effectRef>
+          <a:fontRef idx="minor">
+            <a:schemeClr val="dk1"/>
+          </a:fontRef>
+        </p:style>
+        <p:txBody>
+          <a:bodyPr rtlCol="0" anchor="ctr"/>
+          <a:lstStyle/>
+          <a:p>
+            <a:pPr algn="ctr"/>
+            <a:r>
+              <a:rPr lang="zh-CN" altLang="en-US" sz="2800" dirty="0"/>
+              <a:t>产品</a:t>
+            </a:r>
+            <a:r>
+              <a:rPr lang="en-US" altLang="zh-CN" sz="2800" dirty="0"/>
+              <a:t>ID</a:t>
+            </a:r>
+          </a:p>
+          <a:p>
+            <a:pPr algn="ctr"/>
+            <a:r>
+              <a:rPr lang="zh-CN" altLang="en-US" sz="2800" dirty="0"/>
+              <a:t>数量 </a:t>
+            </a:r>
+          </a:p>
+          <a:p>
+            <a:pPr algn="ctr"/>
+            <a:r>
+              <a:rPr lang="zh-CN" altLang="en-US" sz="2800" dirty="0"/>
+              <a:t>单价</a:t>
+            </a:r>
+            <a:endParaRPr lang="zh-CN" altLang="en-US" sz="2800" dirty="0"/>
+          </a:p>
+        </p:txBody>
+      </p:sp>
+      <p:cxnSp>
+        <p:nvCxnSpPr>
+          <p:cNvPr id="5" name="直接连接符 4"/>
+          <p:cNvCxnSpPr>
+            <a:stCxn id="6" idx="3"/>
+            <a:endCxn id="10" idx="1"/>
+          </p:cNvCxnSpPr>
+          <p:nvPr/>
+        </p:nvCxnSpPr>
+        <p:spPr>
+          <a:xfrm>
+            <a:off x="3980914" y="4401108"/>
+            <a:ext cx="1007496" cy="0"/>
+          </a:xfrm>
+          <a:prstGeom prst="line">
+            <a:avLst/>
+          </a:prstGeom>
+        </p:spPr>
+        <p:style>
+          <a:lnRef idx="1">
+            <a:schemeClr val="accent1"/>
+          </a:lnRef>
+          <a:fillRef idx="0">
+            <a:schemeClr val="accent1"/>
+          </a:fillRef>
+          <a:effectRef idx="0">
+            <a:schemeClr val="accent1"/>
+          </a:effectRef>
+          <a:fontRef idx="minor">
+            <a:schemeClr val="tx1"/>
+          </a:fontRef>
+        </p:style>
+      </p:cxnSp>
+      <p:sp>
+        <p:nvSpPr>
+          <p:cNvPr id="11" name="文本框 10"/>
+          <p:cNvSpPr txBox="1"/>
+          <p:nvPr/>
+        </p:nvSpPr>
+        <p:spPr>
+          <a:xfrm>
+            <a:off x="4025159" y="4023426"/>
+            <a:ext cx="367408" cy="523220"/>
+          </a:xfrm>
+          <a:prstGeom prst="rect">
+            <a:avLst/>
+          </a:prstGeom>
+          <a:noFill/>
+        </p:spPr>
+        <p:txBody>
+          <a:bodyPr wrap="none" rtlCol="0">
+            <a:spAutoFit/>
+          </a:bodyPr>
+          <a:lstStyle/>
+          <a:p>
+            <a:r>
+              <a:rPr lang="en-US" altLang="zh-CN" sz="2800" dirty="0" smtClean="0"/>
+              <a:t>1</a:t>
+            </a:r>
+            <a:endParaRPr lang="zh-CN" altLang="en-US" sz="2800" dirty="0"/>
+          </a:p>
+        </p:txBody>
+      </p:sp>
+      <p:sp>
+        <p:nvSpPr>
+          <p:cNvPr id="14" name="文本框 13"/>
+          <p:cNvSpPr txBox="1"/>
+          <p:nvPr/>
+        </p:nvSpPr>
+        <p:spPr>
+          <a:xfrm>
+            <a:off x="4693619" y="4069592"/>
+            <a:ext cx="364202" cy="523220"/>
+          </a:xfrm>
+          <a:prstGeom prst="rect">
+            <a:avLst/>
+          </a:prstGeom>
+          <a:noFill/>
+        </p:spPr>
+        <p:txBody>
+          <a:bodyPr wrap="none" rtlCol="0">
+            <a:spAutoFit/>
+          </a:bodyPr>
+          <a:lstStyle/>
+          <a:p>
+            <a:r>
+              <a:rPr lang="en-US" altLang="zh-CN" sz="2800" dirty="0" smtClean="0"/>
+              <a:t>*</a:t>
+            </a:r>
+            <a:endParaRPr lang="zh-CN" altLang="en-US" sz="2800" dirty="0"/>
           </a:p>
         </p:txBody>
       </p:sp>
     </p:spTree>
     <p:extLst>
       <p:ext uri="{BB962C8B-B14F-4D97-AF65-F5344CB8AC3E}">
-        <p14:creationId xmlns:p14="http://schemas.microsoft.com/office/powerpoint/2010/main" val="1057559769"/>
+        <p14:creationId xmlns:p14="http://schemas.microsoft.com/office/powerpoint/2010/main" val="651286325"/>
       </p:ext>
     </p:extLst>
   </p:cSld>
@@ -9780,6 +10016,1927 @@
 </file>
 
 <file path=ppt/slides/slide20.xml><?xml version="1.0" encoding="utf-8"?>
+<p:sld xmlns:a="http://schemas.openxmlformats.org/drawingml/2006/main" xmlns:r="http://schemas.openxmlformats.org/officeDocument/2006/relationships" xmlns:p="http://schemas.openxmlformats.org/presentationml/2006/main">
+  <p:cSld>
+    <p:spTree>
+      <p:nvGrpSpPr>
+        <p:cNvPr id="1" name=""/>
+        <p:cNvGrpSpPr/>
+        <p:nvPr/>
+      </p:nvGrpSpPr>
+      <p:grpSpPr>
+        <a:xfrm>
+          <a:off x="0" y="0"/>
+          <a:ext cx="0" cy="0"/>
+          <a:chOff x="0" y="0"/>
+          <a:chExt cx="0" cy="0"/>
+        </a:xfrm>
+      </p:grpSpPr>
+      <p:sp>
+        <p:nvSpPr>
+          <p:cNvPr id="16386" name="标题 1"/>
+          <p:cNvSpPr>
+            <a:spLocks noGrp="1"/>
+          </p:cNvSpPr>
+          <p:nvPr>
+            <p:ph type="title"/>
+          </p:nvPr>
+        </p:nvSpPr>
+        <p:spPr/>
+        <p:txBody>
+          <a:bodyPr/>
+          <a:lstStyle/>
+          <a:p>
+            <a:pPr eaLnBrk="1" hangingPunct="1"/>
+            <a:r>
+              <a:rPr lang="en-US" altLang="zh-CN" smtClean="0"/>
+              <a:t>9.1.3 </a:t>
+            </a:r>
+            <a:r>
+              <a:rPr lang="zh-CN" altLang="en-US" smtClean="0"/>
+              <a:t>从分析过渡到设计</a:t>
+            </a:r>
+          </a:p>
+        </p:txBody>
+      </p:sp>
+      <p:sp>
+        <p:nvSpPr>
+          <p:cNvPr id="16387" name="内容占位符 2"/>
+          <p:cNvSpPr>
+            <a:spLocks noGrp="1"/>
+          </p:cNvSpPr>
+          <p:nvPr>
+            <p:ph idx="1"/>
+          </p:nvPr>
+        </p:nvSpPr>
+        <p:spPr>
+          <a:xfrm>
+            <a:off x="971600" y="1685888"/>
+            <a:ext cx="6798736" cy="657221"/>
+          </a:xfrm>
+        </p:spPr>
+        <p:txBody>
+          <a:bodyPr>
+            <a:normAutofit/>
+          </a:bodyPr>
+          <a:lstStyle/>
+          <a:p>
+            <a:pPr eaLnBrk="1" hangingPunct="1">
+              <a:lnSpc>
+                <a:spcPct val="120000"/>
+              </a:lnSpc>
+              <a:spcBef>
+                <a:spcPts val="0"/>
+              </a:spcBef>
+            </a:pPr>
+            <a:r>
+              <a:rPr lang="zh-CN" altLang="en-US" dirty="0" smtClean="0"/>
+              <a:t>类图转数据库设计：</a:t>
+            </a:r>
+            <a:endParaRPr lang="zh-CN" altLang="en-US" dirty="0" smtClean="0"/>
+          </a:p>
+        </p:txBody>
+      </p:sp>
+      <p:graphicFrame>
+        <p:nvGraphicFramePr>
+          <p:cNvPr id="12" name="表格 11"/>
+          <p:cNvGraphicFramePr>
+            <a:graphicFrameLocks noGrp="1"/>
+          </p:cNvGraphicFramePr>
+          <p:nvPr>
+            <p:extLst>
+              <p:ext uri="{D42A27DB-BD31-4B8C-83A1-F6EECF244321}">
+                <p14:modId xmlns:p14="http://schemas.microsoft.com/office/powerpoint/2010/main" val="2994904624"/>
+              </p:ext>
+            </p:extLst>
+          </p:nvPr>
+        </p:nvGraphicFramePr>
+        <p:xfrm>
+          <a:off x="1195749" y="2795488"/>
+          <a:ext cx="7264683" cy="1483031"/>
+        </p:xfrm>
+        <a:graphic>
+          <a:graphicData uri="http://schemas.openxmlformats.org/drawingml/2006/table">
+            <a:tbl>
+              <a:tblPr firstRow="1" firstCol="1" bandRow="1">
+                <a:tableStyleId>{5FD0F851-EC5A-4D38-B0AD-8093EC10F338}</a:tableStyleId>
+              </a:tblPr>
+              <a:tblGrid>
+                <a:gridCol w="1360026">
+                  <a:extLst>
+                    <a:ext uri="{9D8B030D-6E8A-4147-A177-3AD203B41FA5}">
+                      <a16:colId xmlns:a16="http://schemas.microsoft.com/office/drawing/2014/main" val="500674609"/>
+                    </a:ext>
+                  </a:extLst>
+                </a:gridCol>
+                <a:gridCol w="1584176">
+                  <a:extLst>
+                    <a:ext uri="{9D8B030D-6E8A-4147-A177-3AD203B41FA5}">
+                      <a16:colId xmlns:a16="http://schemas.microsoft.com/office/drawing/2014/main" val="572156972"/>
+                    </a:ext>
+                  </a:extLst>
+                </a:gridCol>
+                <a:gridCol w="1152128">
+                  <a:extLst>
+                    <a:ext uri="{9D8B030D-6E8A-4147-A177-3AD203B41FA5}">
+                      <a16:colId xmlns:a16="http://schemas.microsoft.com/office/drawing/2014/main" val="2850890169"/>
+                    </a:ext>
+                  </a:extLst>
+                </a:gridCol>
+                <a:gridCol w="936105">
+                  <a:extLst>
+                    <a:ext uri="{9D8B030D-6E8A-4147-A177-3AD203B41FA5}">
+                      <a16:colId xmlns:a16="http://schemas.microsoft.com/office/drawing/2014/main" val="3377879522"/>
+                    </a:ext>
+                  </a:extLst>
+                </a:gridCol>
+                <a:gridCol w="1008112">
+                  <a:extLst>
+                    <a:ext uri="{9D8B030D-6E8A-4147-A177-3AD203B41FA5}">
+                      <a16:colId xmlns:a16="http://schemas.microsoft.com/office/drawing/2014/main" val="1006519123"/>
+                    </a:ext>
+                  </a:extLst>
+                </a:gridCol>
+                <a:gridCol w="1224136">
+                  <a:extLst>
+                    <a:ext uri="{9D8B030D-6E8A-4147-A177-3AD203B41FA5}">
+                      <a16:colId xmlns:a16="http://schemas.microsoft.com/office/drawing/2014/main" val="2751237517"/>
+                    </a:ext>
+                  </a:extLst>
+                </a:gridCol>
+              </a:tblGrid>
+              <a:tr h="365811">
+                <a:tc>
+                  <a:txBody>
+                    <a:bodyPr/>
+                    <a:lstStyle/>
+                    <a:p>
+                      <a:pPr algn="l">
+                        <a:spcAft>
+                          <a:spcPts val="0"/>
+                        </a:spcAft>
+                      </a:pPr>
+                      <a:r>
+                        <a:rPr lang="zh-CN" altLang="en-US" sz="1800" kern="0" dirty="0" smtClean="0">
+                          <a:effectLst/>
+                          <a:latin typeface="+mn-ea"/>
+                          <a:ea typeface="+mn-ea"/>
+                          <a:cs typeface="+mn-cs"/>
+                        </a:rPr>
+                        <a:t>属性名称</a:t>
+                      </a:r>
+                      <a:endParaRPr lang="zh-CN" sz="1800" kern="100" dirty="0">
+                        <a:effectLst/>
+                        <a:latin typeface="+mn-ea"/>
+                        <a:ea typeface="+mn-ea"/>
+                        <a:cs typeface="Times New Roman" panose="02020603050405020304" pitchFamily="18" charset="0"/>
+                      </a:endParaRPr>
+                    </a:p>
+                  </a:txBody>
+                  <a:tcPr marL="68580" marR="68580" marT="0" marB="0"/>
+                </a:tc>
+                <a:tc>
+                  <a:txBody>
+                    <a:bodyPr/>
+                    <a:lstStyle/>
+                    <a:p>
+                      <a:pPr algn="l">
+                        <a:spcAft>
+                          <a:spcPts val="0"/>
+                        </a:spcAft>
+                      </a:pPr>
+                      <a:r>
+                        <a:rPr lang="zh-CN" sz="1800" kern="0" dirty="0">
+                          <a:effectLst/>
+                        </a:rPr>
+                        <a:t>类型</a:t>
+                      </a:r>
+                      <a:endParaRPr lang="zh-CN" sz="1800" kern="100" dirty="0">
+                        <a:effectLst/>
+                        <a:latin typeface="等线" panose="02010600030101010101" pitchFamily="2" charset="-122"/>
+                        <a:ea typeface="等线" panose="02010600030101010101" pitchFamily="2" charset="-122"/>
+                        <a:cs typeface="Times New Roman" panose="02020603050405020304" pitchFamily="18" charset="0"/>
+                      </a:endParaRPr>
+                    </a:p>
+                  </a:txBody>
+                  <a:tcPr marL="68580" marR="68580" marT="0" marB="0"/>
+                </a:tc>
+                <a:tc>
+                  <a:txBody>
+                    <a:bodyPr/>
+                    <a:lstStyle/>
+                    <a:p>
+                      <a:pPr algn="l">
+                        <a:spcAft>
+                          <a:spcPts val="0"/>
+                        </a:spcAft>
+                      </a:pPr>
+                      <a:r>
+                        <a:rPr lang="zh-CN" sz="1800" kern="0" dirty="0">
+                          <a:effectLst/>
+                        </a:rPr>
+                        <a:t>主外键</a:t>
+                      </a:r>
+                      <a:endParaRPr lang="zh-CN" sz="1800" kern="100" dirty="0">
+                        <a:effectLst/>
+                        <a:latin typeface="等线" panose="02010600030101010101" pitchFamily="2" charset="-122"/>
+                        <a:ea typeface="等线" panose="02010600030101010101" pitchFamily="2" charset="-122"/>
+                        <a:cs typeface="Times New Roman" panose="02020603050405020304" pitchFamily="18" charset="0"/>
+                      </a:endParaRPr>
+                    </a:p>
+                  </a:txBody>
+                  <a:tcPr marL="68580" marR="68580" marT="0" marB="0"/>
+                </a:tc>
+                <a:tc>
+                  <a:txBody>
+                    <a:bodyPr/>
+                    <a:lstStyle/>
+                    <a:p>
+                      <a:pPr algn="l">
+                        <a:spcAft>
+                          <a:spcPts val="0"/>
+                        </a:spcAft>
+                      </a:pPr>
+                      <a:r>
+                        <a:rPr lang="zh-CN" sz="1800" kern="0" dirty="0">
+                          <a:effectLst/>
+                        </a:rPr>
+                        <a:t>允许空</a:t>
+                      </a:r>
+                      <a:endParaRPr lang="zh-CN" sz="1800" kern="100" dirty="0">
+                        <a:effectLst/>
+                        <a:latin typeface="等线" panose="02010600030101010101" pitchFamily="2" charset="-122"/>
+                        <a:ea typeface="等线" panose="02010600030101010101" pitchFamily="2" charset="-122"/>
+                        <a:cs typeface="Times New Roman" panose="02020603050405020304" pitchFamily="18" charset="0"/>
+                      </a:endParaRPr>
+                    </a:p>
+                  </a:txBody>
+                  <a:tcPr marL="68580" marR="68580" marT="0" marB="0"/>
+                </a:tc>
+                <a:tc>
+                  <a:txBody>
+                    <a:bodyPr/>
+                    <a:lstStyle/>
+                    <a:p>
+                      <a:pPr algn="l">
+                        <a:spcAft>
+                          <a:spcPts val="0"/>
+                        </a:spcAft>
+                      </a:pPr>
+                      <a:r>
+                        <a:rPr lang="zh-CN" sz="1800" kern="0" dirty="0">
+                          <a:effectLst/>
+                        </a:rPr>
+                        <a:t>默认值</a:t>
+                      </a:r>
+                      <a:endParaRPr lang="zh-CN" sz="1800" kern="100" dirty="0">
+                        <a:effectLst/>
+                        <a:latin typeface="等线" panose="02010600030101010101" pitchFamily="2" charset="-122"/>
+                        <a:ea typeface="等线" panose="02010600030101010101" pitchFamily="2" charset="-122"/>
+                        <a:cs typeface="Times New Roman" panose="02020603050405020304" pitchFamily="18" charset="0"/>
+                      </a:endParaRPr>
+                    </a:p>
+                  </a:txBody>
+                  <a:tcPr marL="68580" marR="68580" marT="0" marB="0"/>
+                </a:tc>
+                <a:tc>
+                  <a:txBody>
+                    <a:bodyPr/>
+                    <a:lstStyle/>
+                    <a:p>
+                      <a:pPr algn="l">
+                        <a:spcAft>
+                          <a:spcPts val="0"/>
+                        </a:spcAft>
+                      </a:pPr>
+                      <a:r>
+                        <a:rPr lang="zh-CN" sz="1800" kern="0" dirty="0">
+                          <a:effectLst/>
+                        </a:rPr>
+                        <a:t>其他说明</a:t>
+                      </a:r>
+                      <a:endParaRPr lang="zh-CN" sz="1800" kern="100" dirty="0">
+                        <a:effectLst/>
+                        <a:latin typeface="等线" panose="02010600030101010101" pitchFamily="2" charset="-122"/>
+                        <a:ea typeface="等线" panose="02010600030101010101" pitchFamily="2" charset="-122"/>
+                        <a:cs typeface="Times New Roman" panose="02020603050405020304" pitchFamily="18" charset="0"/>
+                      </a:endParaRPr>
+                    </a:p>
+                  </a:txBody>
+                  <a:tcPr marL="68580" marR="68580" marT="0" marB="0"/>
+                </a:tc>
+                <a:extLst>
+                  <a:ext uri="{0D108BD9-81ED-4DB2-BD59-A6C34878D82A}">
+                    <a16:rowId xmlns:a16="http://schemas.microsoft.com/office/drawing/2014/main" val="272753475"/>
+                  </a:ext>
+                </a:extLst>
+              </a:tr>
+              <a:tr h="279305">
+                <a:tc>
+                  <a:txBody>
+                    <a:bodyPr/>
+                    <a:lstStyle/>
+                    <a:p>
+                      <a:pPr algn="l">
+                        <a:spcAft>
+                          <a:spcPts val="0"/>
+                        </a:spcAft>
+                      </a:pPr>
+                      <a:r>
+                        <a:rPr lang="zh-CN" sz="1800" b="1" kern="0" dirty="0">
+                          <a:effectLst/>
+                          <a:latin typeface="+mn-ea"/>
+                          <a:ea typeface="+mn-ea"/>
+                        </a:rPr>
+                        <a:t>订单</a:t>
+                      </a:r>
+                      <a:r>
+                        <a:rPr lang="en-US" sz="1800" b="1" kern="0" dirty="0" smtClean="0">
+                          <a:effectLst/>
+                          <a:latin typeface="+mn-ea"/>
+                          <a:ea typeface="+mn-ea"/>
+                        </a:rPr>
+                        <a:t>ID</a:t>
+                      </a:r>
+                      <a:endParaRPr lang="zh-CN" sz="1600" b="1" kern="100" dirty="0">
+                        <a:effectLst/>
+                        <a:latin typeface="+mn-ea"/>
+                        <a:ea typeface="+mn-ea"/>
+                        <a:cs typeface="Times New Roman" panose="02020603050405020304" pitchFamily="18" charset="0"/>
+                      </a:endParaRPr>
+                    </a:p>
+                  </a:txBody>
+                  <a:tcPr marL="68580" marR="68580" marT="0" marB="0"/>
+                </a:tc>
+                <a:tc>
+                  <a:txBody>
+                    <a:bodyPr/>
+                    <a:lstStyle/>
+                    <a:p>
+                      <a:pPr algn="l">
+                        <a:spcAft>
+                          <a:spcPts val="0"/>
+                        </a:spcAft>
+                      </a:pPr>
+                      <a:r>
+                        <a:rPr lang="en-US" sz="1600" b="0" kern="0" dirty="0">
+                          <a:effectLst/>
+                        </a:rPr>
+                        <a:t>Number</a:t>
+                      </a:r>
+                      <a:endParaRPr lang="zh-CN" sz="1600" b="0" kern="100" dirty="0">
+                        <a:effectLst/>
+                        <a:latin typeface="等线" panose="02010600030101010101" pitchFamily="2" charset="-122"/>
+                        <a:ea typeface="等线" panose="02010600030101010101" pitchFamily="2" charset="-122"/>
+                        <a:cs typeface="Times New Roman" panose="02020603050405020304" pitchFamily="18" charset="0"/>
+                      </a:endParaRPr>
+                    </a:p>
+                  </a:txBody>
+                  <a:tcPr marL="68580" marR="68580" marT="0" marB="0"/>
+                </a:tc>
+                <a:tc>
+                  <a:txBody>
+                    <a:bodyPr/>
+                    <a:lstStyle/>
+                    <a:p>
+                      <a:pPr algn="l">
+                        <a:spcAft>
+                          <a:spcPts val="0"/>
+                        </a:spcAft>
+                      </a:pPr>
+                      <a:r>
+                        <a:rPr lang="en-US" sz="1600" b="0" kern="0" dirty="0">
+                          <a:effectLst/>
+                        </a:rPr>
+                        <a:t>PK</a:t>
+                      </a:r>
+                      <a:endParaRPr lang="zh-CN" sz="1600" b="0" kern="100" dirty="0">
+                        <a:effectLst/>
+                        <a:latin typeface="等线" panose="02010600030101010101" pitchFamily="2" charset="-122"/>
+                        <a:ea typeface="等线" panose="02010600030101010101" pitchFamily="2" charset="-122"/>
+                        <a:cs typeface="Times New Roman" panose="02020603050405020304" pitchFamily="18" charset="0"/>
+                      </a:endParaRPr>
+                    </a:p>
+                  </a:txBody>
+                  <a:tcPr marL="68580" marR="68580" marT="0" marB="0"/>
+                </a:tc>
+                <a:tc>
+                  <a:txBody>
+                    <a:bodyPr/>
+                    <a:lstStyle/>
+                    <a:p>
+                      <a:pPr algn="l">
+                        <a:spcAft>
+                          <a:spcPts val="0"/>
+                        </a:spcAft>
+                      </a:pPr>
+                      <a:r>
+                        <a:rPr lang="zh-CN" sz="1600" b="0" kern="0">
+                          <a:effectLst/>
+                        </a:rPr>
+                        <a:t>否</a:t>
+                      </a:r>
+                      <a:endParaRPr lang="zh-CN" sz="1600" b="0" kern="100">
+                        <a:effectLst/>
+                        <a:latin typeface="等线" panose="02010600030101010101" pitchFamily="2" charset="-122"/>
+                        <a:ea typeface="等线" panose="02010600030101010101" pitchFamily="2" charset="-122"/>
+                        <a:cs typeface="Times New Roman" panose="02020603050405020304" pitchFamily="18" charset="0"/>
+                      </a:endParaRPr>
+                    </a:p>
+                  </a:txBody>
+                  <a:tcPr marL="68580" marR="68580" marT="0" marB="0"/>
+                </a:tc>
+                <a:tc>
+                  <a:txBody>
+                    <a:bodyPr/>
+                    <a:lstStyle/>
+                    <a:p>
+                      <a:endParaRPr lang="zh-CN" sz="1600" b="0" kern="100">
+                        <a:effectLst/>
+                        <a:latin typeface="等线" panose="02010600030101010101" pitchFamily="2" charset="-122"/>
+                        <a:ea typeface="等线" panose="02010600030101010101" pitchFamily="2" charset="-122"/>
+                      </a:endParaRPr>
+                    </a:p>
+                  </a:txBody>
+                  <a:tcPr marL="68580" marR="68580" marT="0" marB="0"/>
+                </a:tc>
+                <a:tc>
+                  <a:txBody>
+                    <a:bodyPr/>
+                    <a:lstStyle/>
+                    <a:p>
+                      <a:endParaRPr lang="zh-CN" sz="1600" b="0" kern="100">
+                        <a:effectLst/>
+                        <a:latin typeface="等线" panose="02010600030101010101" pitchFamily="2" charset="-122"/>
+                        <a:ea typeface="等线" panose="02010600030101010101" pitchFamily="2" charset="-122"/>
+                      </a:endParaRPr>
+                    </a:p>
+                  </a:txBody>
+                  <a:tcPr marL="68580" marR="68580" marT="0" marB="0"/>
+                </a:tc>
+                <a:extLst>
+                  <a:ext uri="{0D108BD9-81ED-4DB2-BD59-A6C34878D82A}">
+                    <a16:rowId xmlns:a16="http://schemas.microsoft.com/office/drawing/2014/main" val="395800209"/>
+                  </a:ext>
+                </a:extLst>
+              </a:tr>
+              <a:tr h="279305">
+                <a:tc>
+                  <a:txBody>
+                    <a:bodyPr/>
+                    <a:lstStyle/>
+                    <a:p>
+                      <a:pPr algn="l">
+                        <a:spcAft>
+                          <a:spcPts val="0"/>
+                        </a:spcAft>
+                      </a:pPr>
+                      <a:r>
+                        <a:rPr lang="zh-CN" sz="1600" b="0" kern="0" dirty="0">
+                          <a:effectLst/>
+                          <a:latin typeface="+mn-ea"/>
+                          <a:ea typeface="+mn-ea"/>
+                        </a:rPr>
+                        <a:t>客户名称</a:t>
+                      </a:r>
+                      <a:endParaRPr lang="zh-CN" sz="1600" b="0" kern="100" dirty="0">
+                        <a:effectLst/>
+                        <a:latin typeface="+mn-ea"/>
+                        <a:ea typeface="+mn-ea"/>
+                        <a:cs typeface="Times New Roman" panose="02020603050405020304" pitchFamily="18" charset="0"/>
+                      </a:endParaRPr>
+                    </a:p>
+                  </a:txBody>
+                  <a:tcPr marL="68580" marR="68580" marT="0" marB="0"/>
+                </a:tc>
+                <a:tc>
+                  <a:txBody>
+                    <a:bodyPr/>
+                    <a:lstStyle/>
+                    <a:p>
+                      <a:pPr algn="l">
+                        <a:spcAft>
+                          <a:spcPts val="0"/>
+                        </a:spcAft>
+                      </a:pPr>
+                      <a:r>
+                        <a:rPr lang="en-US" sz="1600" b="0" kern="0" dirty="0">
+                          <a:effectLst/>
+                        </a:rPr>
+                        <a:t>varchar2(200)</a:t>
+                      </a:r>
+                      <a:endParaRPr lang="zh-CN" sz="1600" b="0" kern="100" dirty="0">
+                        <a:effectLst/>
+                        <a:latin typeface="等线" panose="02010600030101010101" pitchFamily="2" charset="-122"/>
+                        <a:ea typeface="等线" panose="02010600030101010101" pitchFamily="2" charset="-122"/>
+                        <a:cs typeface="Times New Roman" panose="02020603050405020304" pitchFamily="18" charset="0"/>
+                      </a:endParaRPr>
+                    </a:p>
+                  </a:txBody>
+                  <a:tcPr marL="68580" marR="68580" marT="0" marB="0"/>
+                </a:tc>
+                <a:tc>
+                  <a:txBody>
+                    <a:bodyPr/>
+                    <a:lstStyle/>
+                    <a:p>
+                      <a:endParaRPr lang="zh-CN" sz="1600" b="0" kern="100">
+                        <a:effectLst/>
+                        <a:latin typeface="等线" panose="02010600030101010101" pitchFamily="2" charset="-122"/>
+                        <a:ea typeface="等线" panose="02010600030101010101" pitchFamily="2" charset="-122"/>
+                      </a:endParaRPr>
+                    </a:p>
+                  </a:txBody>
+                  <a:tcPr marL="68580" marR="68580" marT="0" marB="0"/>
+                </a:tc>
+                <a:tc>
+                  <a:txBody>
+                    <a:bodyPr/>
+                    <a:lstStyle/>
+                    <a:p>
+                      <a:pPr algn="l">
+                        <a:spcAft>
+                          <a:spcPts val="0"/>
+                        </a:spcAft>
+                      </a:pPr>
+                      <a:r>
+                        <a:rPr lang="zh-CN" sz="1600" b="0" kern="0">
+                          <a:effectLst/>
+                        </a:rPr>
+                        <a:t>否</a:t>
+                      </a:r>
+                      <a:endParaRPr lang="zh-CN" sz="1600" b="0" kern="100">
+                        <a:effectLst/>
+                        <a:latin typeface="等线" panose="02010600030101010101" pitchFamily="2" charset="-122"/>
+                        <a:ea typeface="等线" panose="02010600030101010101" pitchFamily="2" charset="-122"/>
+                        <a:cs typeface="Times New Roman" panose="02020603050405020304" pitchFamily="18" charset="0"/>
+                      </a:endParaRPr>
+                    </a:p>
+                  </a:txBody>
+                  <a:tcPr marL="68580" marR="68580" marT="0" marB="0"/>
+                </a:tc>
+                <a:tc>
+                  <a:txBody>
+                    <a:bodyPr/>
+                    <a:lstStyle/>
+                    <a:p>
+                      <a:endParaRPr lang="zh-CN" sz="1600" b="0" kern="100" dirty="0">
+                        <a:effectLst/>
+                        <a:latin typeface="等线" panose="02010600030101010101" pitchFamily="2" charset="-122"/>
+                        <a:ea typeface="等线" panose="02010600030101010101" pitchFamily="2" charset="-122"/>
+                      </a:endParaRPr>
+                    </a:p>
+                  </a:txBody>
+                  <a:tcPr marL="68580" marR="68580" marT="0" marB="0"/>
+                </a:tc>
+                <a:tc>
+                  <a:txBody>
+                    <a:bodyPr/>
+                    <a:lstStyle/>
+                    <a:p>
+                      <a:endParaRPr lang="zh-CN" sz="1600" b="0" kern="100">
+                        <a:effectLst/>
+                        <a:latin typeface="等线" panose="02010600030101010101" pitchFamily="2" charset="-122"/>
+                        <a:ea typeface="等线" panose="02010600030101010101" pitchFamily="2" charset="-122"/>
+                      </a:endParaRPr>
+                    </a:p>
+                  </a:txBody>
+                  <a:tcPr marL="68580" marR="68580" marT="0" marB="0"/>
+                </a:tc>
+                <a:extLst>
+                  <a:ext uri="{0D108BD9-81ED-4DB2-BD59-A6C34878D82A}">
+                    <a16:rowId xmlns:a16="http://schemas.microsoft.com/office/drawing/2014/main" val="4253476190"/>
+                  </a:ext>
+                </a:extLst>
+              </a:tr>
+              <a:tr h="279305">
+                <a:tc>
+                  <a:txBody>
+                    <a:bodyPr/>
+                    <a:lstStyle/>
+                    <a:p>
+                      <a:pPr algn="l">
+                        <a:spcAft>
+                          <a:spcPts val="0"/>
+                        </a:spcAft>
+                      </a:pPr>
+                      <a:r>
+                        <a:rPr lang="zh-CN" sz="1600" b="0" kern="0">
+                          <a:effectLst/>
+                          <a:latin typeface="+mn-ea"/>
+                          <a:ea typeface="+mn-ea"/>
+                        </a:rPr>
+                        <a:t>订货日期</a:t>
+                      </a:r>
+                      <a:endParaRPr lang="zh-CN" sz="1600" b="0" kern="100">
+                        <a:effectLst/>
+                        <a:latin typeface="+mn-ea"/>
+                        <a:ea typeface="+mn-ea"/>
+                        <a:cs typeface="Times New Roman" panose="02020603050405020304" pitchFamily="18" charset="0"/>
+                      </a:endParaRPr>
+                    </a:p>
+                  </a:txBody>
+                  <a:tcPr marL="68580" marR="68580" marT="0" marB="0"/>
+                </a:tc>
+                <a:tc>
+                  <a:txBody>
+                    <a:bodyPr/>
+                    <a:lstStyle/>
+                    <a:p>
+                      <a:pPr algn="l">
+                        <a:spcAft>
+                          <a:spcPts val="0"/>
+                        </a:spcAft>
+                      </a:pPr>
+                      <a:r>
+                        <a:rPr lang="en-US" sz="1600" b="0" kern="0" dirty="0">
+                          <a:effectLst/>
+                        </a:rPr>
+                        <a:t>date</a:t>
+                      </a:r>
+                      <a:endParaRPr lang="zh-CN" sz="1600" b="0" kern="100" dirty="0">
+                        <a:effectLst/>
+                        <a:latin typeface="等线" panose="02010600030101010101" pitchFamily="2" charset="-122"/>
+                        <a:ea typeface="等线" panose="02010600030101010101" pitchFamily="2" charset="-122"/>
+                        <a:cs typeface="Times New Roman" panose="02020603050405020304" pitchFamily="18" charset="0"/>
+                      </a:endParaRPr>
+                    </a:p>
+                  </a:txBody>
+                  <a:tcPr marL="68580" marR="68580" marT="0" marB="0"/>
+                </a:tc>
+                <a:tc>
+                  <a:txBody>
+                    <a:bodyPr/>
+                    <a:lstStyle/>
+                    <a:p>
+                      <a:endParaRPr lang="zh-CN" sz="1600" b="0" kern="100" dirty="0">
+                        <a:effectLst/>
+                        <a:latin typeface="等线" panose="02010600030101010101" pitchFamily="2" charset="-122"/>
+                        <a:ea typeface="等线" panose="02010600030101010101" pitchFamily="2" charset="-122"/>
+                      </a:endParaRPr>
+                    </a:p>
+                  </a:txBody>
+                  <a:tcPr marL="68580" marR="68580" marT="0" marB="0"/>
+                </a:tc>
+                <a:tc>
+                  <a:txBody>
+                    <a:bodyPr/>
+                    <a:lstStyle/>
+                    <a:p>
+                      <a:pPr algn="l">
+                        <a:spcAft>
+                          <a:spcPts val="0"/>
+                        </a:spcAft>
+                      </a:pPr>
+                      <a:r>
+                        <a:rPr lang="zh-CN" sz="1600" b="0" kern="0" dirty="0">
+                          <a:effectLst/>
+                        </a:rPr>
+                        <a:t>否</a:t>
+                      </a:r>
+                      <a:endParaRPr lang="zh-CN" sz="1600" b="0" kern="100" dirty="0">
+                        <a:effectLst/>
+                        <a:latin typeface="等线" panose="02010600030101010101" pitchFamily="2" charset="-122"/>
+                        <a:ea typeface="等线" panose="02010600030101010101" pitchFamily="2" charset="-122"/>
+                        <a:cs typeface="Times New Roman" panose="02020603050405020304" pitchFamily="18" charset="0"/>
+                      </a:endParaRPr>
+                    </a:p>
+                  </a:txBody>
+                  <a:tcPr marL="68580" marR="68580" marT="0" marB="0"/>
+                </a:tc>
+                <a:tc>
+                  <a:txBody>
+                    <a:bodyPr/>
+                    <a:lstStyle/>
+                    <a:p>
+                      <a:r>
+                        <a:rPr lang="zh-CN" altLang="en-US" sz="1600" b="0" kern="100" dirty="0" smtClean="0">
+                          <a:effectLst/>
+                          <a:latin typeface="等线" panose="02010600030101010101" pitchFamily="2" charset="-122"/>
+                          <a:ea typeface="等线" panose="02010600030101010101" pitchFamily="2" charset="-122"/>
+                        </a:rPr>
+                        <a:t>当天日期</a:t>
+                      </a:r>
+                      <a:endParaRPr lang="zh-CN" sz="1600" b="0" kern="100" dirty="0">
+                        <a:effectLst/>
+                        <a:latin typeface="等线" panose="02010600030101010101" pitchFamily="2" charset="-122"/>
+                        <a:ea typeface="等线" panose="02010600030101010101" pitchFamily="2" charset="-122"/>
+                      </a:endParaRPr>
+                    </a:p>
+                  </a:txBody>
+                  <a:tcPr marL="68580" marR="68580" marT="0" marB="0"/>
+                </a:tc>
+                <a:tc>
+                  <a:txBody>
+                    <a:bodyPr/>
+                    <a:lstStyle/>
+                    <a:p>
+                      <a:endParaRPr lang="zh-CN" sz="1600" b="0" kern="100">
+                        <a:effectLst/>
+                        <a:latin typeface="等线" panose="02010600030101010101" pitchFamily="2" charset="-122"/>
+                        <a:ea typeface="等线" panose="02010600030101010101" pitchFamily="2" charset="-122"/>
+                      </a:endParaRPr>
+                    </a:p>
+                  </a:txBody>
+                  <a:tcPr marL="68580" marR="68580" marT="0" marB="0"/>
+                </a:tc>
+                <a:extLst>
+                  <a:ext uri="{0D108BD9-81ED-4DB2-BD59-A6C34878D82A}">
+                    <a16:rowId xmlns:a16="http://schemas.microsoft.com/office/drawing/2014/main" val="239618098"/>
+                  </a:ext>
+                </a:extLst>
+              </a:tr>
+              <a:tr h="279305">
+                <a:tc>
+                  <a:txBody>
+                    <a:bodyPr/>
+                    <a:lstStyle/>
+                    <a:p>
+                      <a:pPr algn="l">
+                        <a:spcAft>
+                          <a:spcPts val="0"/>
+                        </a:spcAft>
+                      </a:pPr>
+                      <a:r>
+                        <a:rPr lang="zh-CN" sz="1600" b="0" kern="0" dirty="0">
+                          <a:effectLst/>
+                          <a:latin typeface="+mn-ea"/>
+                          <a:ea typeface="+mn-ea"/>
+                        </a:rPr>
+                        <a:t>销售人员</a:t>
+                      </a:r>
+                      <a:endParaRPr lang="zh-CN" sz="1600" b="0" kern="100" dirty="0">
+                        <a:effectLst/>
+                        <a:latin typeface="+mn-ea"/>
+                        <a:ea typeface="+mn-ea"/>
+                        <a:cs typeface="Times New Roman" panose="02020603050405020304" pitchFamily="18" charset="0"/>
+                      </a:endParaRPr>
+                    </a:p>
+                  </a:txBody>
+                  <a:tcPr marL="68580" marR="68580" marT="0" marB="0"/>
+                </a:tc>
+                <a:tc>
+                  <a:txBody>
+                    <a:bodyPr/>
+                    <a:lstStyle/>
+                    <a:p>
+                      <a:pPr algn="l">
+                        <a:spcAft>
+                          <a:spcPts val="0"/>
+                        </a:spcAft>
+                      </a:pPr>
+                      <a:r>
+                        <a:rPr lang="en-US" sz="1600" b="0" kern="0">
+                          <a:effectLst/>
+                        </a:rPr>
+                        <a:t>varchar2(200)</a:t>
+                      </a:r>
+                      <a:endParaRPr lang="zh-CN" sz="1600" b="0" kern="100">
+                        <a:effectLst/>
+                        <a:latin typeface="等线" panose="02010600030101010101" pitchFamily="2" charset="-122"/>
+                        <a:ea typeface="等线" panose="02010600030101010101" pitchFamily="2" charset="-122"/>
+                        <a:cs typeface="Times New Roman" panose="02020603050405020304" pitchFamily="18" charset="0"/>
+                      </a:endParaRPr>
+                    </a:p>
+                  </a:txBody>
+                  <a:tcPr marL="68580" marR="68580" marT="0" marB="0"/>
+                </a:tc>
+                <a:tc>
+                  <a:txBody>
+                    <a:bodyPr/>
+                    <a:lstStyle/>
+                    <a:p>
+                      <a:endParaRPr lang="zh-CN" sz="1600" b="0" kern="100">
+                        <a:effectLst/>
+                        <a:latin typeface="等线" panose="02010600030101010101" pitchFamily="2" charset="-122"/>
+                        <a:ea typeface="等线" panose="02010600030101010101" pitchFamily="2" charset="-122"/>
+                      </a:endParaRPr>
+                    </a:p>
+                  </a:txBody>
+                  <a:tcPr marL="68580" marR="68580" marT="0" marB="0"/>
+                </a:tc>
+                <a:tc>
+                  <a:txBody>
+                    <a:bodyPr/>
+                    <a:lstStyle/>
+                    <a:p>
+                      <a:pPr algn="l">
+                        <a:spcAft>
+                          <a:spcPts val="0"/>
+                        </a:spcAft>
+                      </a:pPr>
+                      <a:r>
+                        <a:rPr lang="zh-CN" sz="1600" b="0" kern="0">
+                          <a:effectLst/>
+                        </a:rPr>
+                        <a:t>否</a:t>
+                      </a:r>
+                      <a:endParaRPr lang="zh-CN" sz="1600" b="0" kern="100">
+                        <a:effectLst/>
+                        <a:latin typeface="等线" panose="02010600030101010101" pitchFamily="2" charset="-122"/>
+                        <a:ea typeface="等线" panose="02010600030101010101" pitchFamily="2" charset="-122"/>
+                        <a:cs typeface="Times New Roman" panose="02020603050405020304" pitchFamily="18" charset="0"/>
+                      </a:endParaRPr>
+                    </a:p>
+                  </a:txBody>
+                  <a:tcPr marL="68580" marR="68580" marT="0" marB="0"/>
+                </a:tc>
+                <a:tc>
+                  <a:txBody>
+                    <a:bodyPr/>
+                    <a:lstStyle/>
+                    <a:p>
+                      <a:endParaRPr lang="zh-CN" sz="1600" b="0" kern="100" dirty="0">
+                        <a:effectLst/>
+                        <a:latin typeface="等线" panose="02010600030101010101" pitchFamily="2" charset="-122"/>
+                        <a:ea typeface="等线" panose="02010600030101010101" pitchFamily="2" charset="-122"/>
+                      </a:endParaRPr>
+                    </a:p>
+                  </a:txBody>
+                  <a:tcPr marL="68580" marR="68580" marT="0" marB="0"/>
+                </a:tc>
+                <a:tc>
+                  <a:txBody>
+                    <a:bodyPr/>
+                    <a:lstStyle/>
+                    <a:p>
+                      <a:endParaRPr lang="zh-CN" sz="1600" b="0" kern="100" dirty="0">
+                        <a:effectLst/>
+                        <a:latin typeface="等线" panose="02010600030101010101" pitchFamily="2" charset="-122"/>
+                        <a:ea typeface="等线" panose="02010600030101010101" pitchFamily="2" charset="-122"/>
+                      </a:endParaRPr>
+                    </a:p>
+                  </a:txBody>
+                  <a:tcPr marL="68580" marR="68580" marT="0" marB="0"/>
+                </a:tc>
+                <a:extLst>
+                  <a:ext uri="{0D108BD9-81ED-4DB2-BD59-A6C34878D82A}">
+                    <a16:rowId xmlns:a16="http://schemas.microsoft.com/office/drawing/2014/main" val="4225815017"/>
+                  </a:ext>
+                </a:extLst>
+              </a:tr>
+            </a:tbl>
+          </a:graphicData>
+        </a:graphic>
+      </p:graphicFrame>
+      <p:graphicFrame>
+        <p:nvGraphicFramePr>
+          <p:cNvPr id="13" name="表格 12"/>
+          <p:cNvGraphicFramePr>
+            <a:graphicFrameLocks noGrp="1"/>
+          </p:cNvGraphicFramePr>
+          <p:nvPr>
+            <p:extLst>
+              <p:ext uri="{D42A27DB-BD31-4B8C-83A1-F6EECF244321}">
+                <p14:modId xmlns:p14="http://schemas.microsoft.com/office/powerpoint/2010/main" val="1576065409"/>
+              </p:ext>
+            </p:extLst>
+          </p:nvPr>
+        </p:nvGraphicFramePr>
+        <p:xfrm>
+          <a:off x="1195750" y="4869160"/>
+          <a:ext cx="7264683" cy="1492111"/>
+        </p:xfrm>
+        <a:graphic>
+          <a:graphicData uri="http://schemas.openxmlformats.org/drawingml/2006/table">
+            <a:tbl>
+              <a:tblPr firstRow="1" firstCol="1" bandRow="1">
+                <a:tableStyleId>{5FD0F851-EC5A-4D38-B0AD-8093EC10F338}</a:tableStyleId>
+              </a:tblPr>
+              <a:tblGrid>
+                <a:gridCol w="1360026">
+                  <a:extLst>
+                    <a:ext uri="{9D8B030D-6E8A-4147-A177-3AD203B41FA5}">
+                      <a16:colId xmlns:a16="http://schemas.microsoft.com/office/drawing/2014/main" val="500674609"/>
+                    </a:ext>
+                  </a:extLst>
+                </a:gridCol>
+                <a:gridCol w="1584176">
+                  <a:extLst>
+                    <a:ext uri="{9D8B030D-6E8A-4147-A177-3AD203B41FA5}">
+                      <a16:colId xmlns:a16="http://schemas.microsoft.com/office/drawing/2014/main" val="572156972"/>
+                    </a:ext>
+                  </a:extLst>
+                </a:gridCol>
+                <a:gridCol w="1152128">
+                  <a:extLst>
+                    <a:ext uri="{9D8B030D-6E8A-4147-A177-3AD203B41FA5}">
+                      <a16:colId xmlns:a16="http://schemas.microsoft.com/office/drawing/2014/main" val="2850890169"/>
+                    </a:ext>
+                  </a:extLst>
+                </a:gridCol>
+                <a:gridCol w="1008112">
+                  <a:extLst>
+                    <a:ext uri="{9D8B030D-6E8A-4147-A177-3AD203B41FA5}">
+                      <a16:colId xmlns:a16="http://schemas.microsoft.com/office/drawing/2014/main" val="3377879522"/>
+                    </a:ext>
+                  </a:extLst>
+                </a:gridCol>
+                <a:gridCol w="1008112">
+                  <a:extLst>
+                    <a:ext uri="{9D8B030D-6E8A-4147-A177-3AD203B41FA5}">
+                      <a16:colId xmlns:a16="http://schemas.microsoft.com/office/drawing/2014/main" val="1006519123"/>
+                    </a:ext>
+                  </a:extLst>
+                </a:gridCol>
+                <a:gridCol w="1152129">
+                  <a:extLst>
+                    <a:ext uri="{9D8B030D-6E8A-4147-A177-3AD203B41FA5}">
+                      <a16:colId xmlns:a16="http://schemas.microsoft.com/office/drawing/2014/main" val="2751237517"/>
+                    </a:ext>
+                  </a:extLst>
+                </a:gridCol>
+              </a:tblGrid>
+              <a:tr h="365811">
+                <a:tc>
+                  <a:txBody>
+                    <a:bodyPr/>
+                    <a:lstStyle/>
+                    <a:p>
+                      <a:pPr algn="l">
+                        <a:spcAft>
+                          <a:spcPts val="0"/>
+                        </a:spcAft>
+                      </a:pPr>
+                      <a:r>
+                        <a:rPr lang="zh-CN" altLang="en-US" sz="1800" kern="0" dirty="0" smtClean="0">
+                          <a:effectLst/>
+                          <a:latin typeface="+mn-ea"/>
+                          <a:ea typeface="+mn-ea"/>
+                          <a:cs typeface="+mn-cs"/>
+                        </a:rPr>
+                        <a:t>属性名称</a:t>
+                      </a:r>
+                      <a:endParaRPr lang="zh-CN" sz="1800" kern="100" dirty="0">
+                        <a:effectLst/>
+                        <a:latin typeface="+mn-ea"/>
+                        <a:ea typeface="+mn-ea"/>
+                        <a:cs typeface="Times New Roman" panose="02020603050405020304" pitchFamily="18" charset="0"/>
+                      </a:endParaRPr>
+                    </a:p>
+                  </a:txBody>
+                  <a:tcPr marL="68580" marR="68580" marT="0" marB="0"/>
+                </a:tc>
+                <a:tc>
+                  <a:txBody>
+                    <a:bodyPr/>
+                    <a:lstStyle/>
+                    <a:p>
+                      <a:pPr algn="l">
+                        <a:spcAft>
+                          <a:spcPts val="0"/>
+                        </a:spcAft>
+                      </a:pPr>
+                      <a:r>
+                        <a:rPr lang="zh-CN" sz="1800" kern="0" dirty="0">
+                          <a:effectLst/>
+                        </a:rPr>
+                        <a:t>类型</a:t>
+                      </a:r>
+                      <a:endParaRPr lang="zh-CN" sz="1800" kern="100" dirty="0">
+                        <a:effectLst/>
+                        <a:latin typeface="等线" panose="02010600030101010101" pitchFamily="2" charset="-122"/>
+                        <a:ea typeface="等线" panose="02010600030101010101" pitchFamily="2" charset="-122"/>
+                        <a:cs typeface="Times New Roman" panose="02020603050405020304" pitchFamily="18" charset="0"/>
+                      </a:endParaRPr>
+                    </a:p>
+                  </a:txBody>
+                  <a:tcPr marL="68580" marR="68580" marT="0" marB="0"/>
+                </a:tc>
+                <a:tc>
+                  <a:txBody>
+                    <a:bodyPr/>
+                    <a:lstStyle/>
+                    <a:p>
+                      <a:pPr algn="l">
+                        <a:spcAft>
+                          <a:spcPts val="0"/>
+                        </a:spcAft>
+                      </a:pPr>
+                      <a:r>
+                        <a:rPr lang="zh-CN" sz="1800" kern="0" dirty="0">
+                          <a:effectLst/>
+                        </a:rPr>
+                        <a:t>主外键</a:t>
+                      </a:r>
+                      <a:endParaRPr lang="zh-CN" sz="1800" kern="100" dirty="0">
+                        <a:effectLst/>
+                        <a:latin typeface="等线" panose="02010600030101010101" pitchFamily="2" charset="-122"/>
+                        <a:ea typeface="等线" panose="02010600030101010101" pitchFamily="2" charset="-122"/>
+                        <a:cs typeface="Times New Roman" panose="02020603050405020304" pitchFamily="18" charset="0"/>
+                      </a:endParaRPr>
+                    </a:p>
+                  </a:txBody>
+                  <a:tcPr marL="68580" marR="68580" marT="0" marB="0"/>
+                </a:tc>
+                <a:tc>
+                  <a:txBody>
+                    <a:bodyPr/>
+                    <a:lstStyle/>
+                    <a:p>
+                      <a:pPr algn="l">
+                        <a:spcAft>
+                          <a:spcPts val="0"/>
+                        </a:spcAft>
+                      </a:pPr>
+                      <a:r>
+                        <a:rPr lang="zh-CN" sz="1800" kern="0" dirty="0">
+                          <a:effectLst/>
+                        </a:rPr>
+                        <a:t>允许空</a:t>
+                      </a:r>
+                      <a:endParaRPr lang="zh-CN" sz="1800" kern="100" dirty="0">
+                        <a:effectLst/>
+                        <a:latin typeface="等线" panose="02010600030101010101" pitchFamily="2" charset="-122"/>
+                        <a:ea typeface="等线" panose="02010600030101010101" pitchFamily="2" charset="-122"/>
+                        <a:cs typeface="Times New Roman" panose="02020603050405020304" pitchFamily="18" charset="0"/>
+                      </a:endParaRPr>
+                    </a:p>
+                  </a:txBody>
+                  <a:tcPr marL="68580" marR="68580" marT="0" marB="0"/>
+                </a:tc>
+                <a:tc>
+                  <a:txBody>
+                    <a:bodyPr/>
+                    <a:lstStyle/>
+                    <a:p>
+                      <a:pPr algn="l">
+                        <a:spcAft>
+                          <a:spcPts val="0"/>
+                        </a:spcAft>
+                      </a:pPr>
+                      <a:r>
+                        <a:rPr lang="zh-CN" sz="1800" kern="0" dirty="0">
+                          <a:effectLst/>
+                        </a:rPr>
+                        <a:t>默认值</a:t>
+                      </a:r>
+                      <a:endParaRPr lang="zh-CN" sz="1800" kern="100" dirty="0">
+                        <a:effectLst/>
+                        <a:latin typeface="等线" panose="02010600030101010101" pitchFamily="2" charset="-122"/>
+                        <a:ea typeface="等线" panose="02010600030101010101" pitchFamily="2" charset="-122"/>
+                        <a:cs typeface="Times New Roman" panose="02020603050405020304" pitchFamily="18" charset="0"/>
+                      </a:endParaRPr>
+                    </a:p>
+                  </a:txBody>
+                  <a:tcPr marL="68580" marR="68580" marT="0" marB="0"/>
+                </a:tc>
+                <a:tc>
+                  <a:txBody>
+                    <a:bodyPr/>
+                    <a:lstStyle/>
+                    <a:p>
+                      <a:pPr algn="l">
+                        <a:spcAft>
+                          <a:spcPts val="0"/>
+                        </a:spcAft>
+                      </a:pPr>
+                      <a:r>
+                        <a:rPr lang="zh-CN" sz="1800" kern="0" dirty="0">
+                          <a:effectLst/>
+                        </a:rPr>
+                        <a:t>其他说明</a:t>
+                      </a:r>
+                      <a:endParaRPr lang="zh-CN" sz="1800" kern="100" dirty="0">
+                        <a:effectLst/>
+                        <a:latin typeface="等线" panose="02010600030101010101" pitchFamily="2" charset="-122"/>
+                        <a:ea typeface="等线" panose="02010600030101010101" pitchFamily="2" charset="-122"/>
+                        <a:cs typeface="Times New Roman" panose="02020603050405020304" pitchFamily="18" charset="0"/>
+                      </a:endParaRPr>
+                    </a:p>
+                  </a:txBody>
+                  <a:tcPr marL="68580" marR="68580" marT="0" marB="0"/>
+                </a:tc>
+                <a:extLst>
+                  <a:ext uri="{0D108BD9-81ED-4DB2-BD59-A6C34878D82A}">
+                    <a16:rowId xmlns:a16="http://schemas.microsoft.com/office/drawing/2014/main" val="272753475"/>
+                  </a:ext>
+                </a:extLst>
+              </a:tr>
+              <a:tr h="279305">
+                <a:tc>
+                  <a:txBody>
+                    <a:bodyPr/>
+                    <a:lstStyle/>
+                    <a:p>
+                      <a:pPr algn="l" fontAlgn="ctr"/>
+                      <a:r>
+                        <a:rPr lang="zh-CN" altLang="en-US" sz="1800" b="1" kern="0" dirty="0">
+                          <a:solidFill>
+                            <a:schemeClr val="tx1"/>
+                          </a:solidFill>
+                          <a:effectLst/>
+                          <a:latin typeface="+mn-ea"/>
+                          <a:ea typeface="+mn-ea"/>
+                          <a:cs typeface="+mn-cs"/>
+                        </a:rPr>
+                        <a:t>订单</a:t>
+                      </a:r>
+                      <a:r>
+                        <a:rPr lang="en-US" sz="1800" b="1" kern="0" dirty="0">
+                          <a:solidFill>
+                            <a:schemeClr val="tx1"/>
+                          </a:solidFill>
+                          <a:effectLst/>
+                          <a:latin typeface="+mn-ea"/>
+                          <a:ea typeface="+mn-ea"/>
+                          <a:cs typeface="+mn-cs"/>
+                        </a:rPr>
+                        <a:t>ID</a:t>
+                      </a:r>
+                    </a:p>
+                  </a:txBody>
+                  <a:tcPr marL="9525" marR="9525" marT="9525" marB="0" anchor="ctr"/>
+                </a:tc>
+                <a:tc>
+                  <a:txBody>
+                    <a:bodyPr/>
+                    <a:lstStyle/>
+                    <a:p>
+                      <a:pPr algn="l" fontAlgn="ctr"/>
+                      <a:r>
+                        <a:rPr lang="en-US" sz="1600" b="0" kern="0">
+                          <a:solidFill>
+                            <a:schemeClr val="tx1"/>
+                          </a:solidFill>
+                          <a:effectLst/>
+                          <a:latin typeface="+mn-ea"/>
+                          <a:ea typeface="+mn-ea"/>
+                          <a:cs typeface="+mn-cs"/>
+                        </a:rPr>
+                        <a:t>Number</a:t>
+                      </a:r>
+                    </a:p>
+                  </a:txBody>
+                  <a:tcPr marL="9525" marR="9525" marT="9525" marB="0" anchor="ctr"/>
+                </a:tc>
+                <a:tc>
+                  <a:txBody>
+                    <a:bodyPr/>
+                    <a:lstStyle/>
+                    <a:p>
+                      <a:pPr algn="l" fontAlgn="ctr"/>
+                      <a:r>
+                        <a:rPr lang="en-US" sz="1600" b="0" kern="0">
+                          <a:solidFill>
+                            <a:schemeClr val="tx1"/>
+                          </a:solidFill>
+                          <a:effectLst/>
+                          <a:latin typeface="+mn-ea"/>
+                          <a:ea typeface="+mn-ea"/>
+                          <a:cs typeface="+mn-cs"/>
+                        </a:rPr>
+                        <a:t>PK1，FK</a:t>
+                      </a:r>
+                    </a:p>
+                  </a:txBody>
+                  <a:tcPr marL="9525" marR="9525" marT="9525" marB="0" anchor="ctr"/>
+                </a:tc>
+                <a:tc>
+                  <a:txBody>
+                    <a:bodyPr/>
+                    <a:lstStyle/>
+                    <a:p>
+                      <a:pPr algn="l" fontAlgn="ctr"/>
+                      <a:r>
+                        <a:rPr lang="zh-CN" altLang="en-US" sz="1600" b="0" kern="0">
+                          <a:solidFill>
+                            <a:schemeClr val="tx1"/>
+                          </a:solidFill>
+                          <a:effectLst/>
+                          <a:latin typeface="+mn-ea"/>
+                          <a:ea typeface="+mn-ea"/>
+                          <a:cs typeface="+mn-cs"/>
+                        </a:rPr>
+                        <a:t>否</a:t>
+                      </a:r>
+                    </a:p>
+                  </a:txBody>
+                  <a:tcPr marL="9525" marR="9525" marT="9525" marB="0" anchor="ctr"/>
+                </a:tc>
+                <a:tc>
+                  <a:txBody>
+                    <a:bodyPr/>
+                    <a:lstStyle/>
+                    <a:p>
+                      <a:pPr algn="l" fontAlgn="ctr"/>
+                      <a:endParaRPr lang="zh-CN" altLang="en-US" sz="1100" b="0" i="0" u="none" strike="noStrike">
+                        <a:solidFill>
+                          <a:srgbClr val="000000"/>
+                        </a:solidFill>
+                        <a:effectLst/>
+                        <a:latin typeface="等线" panose="02010600030101010101" pitchFamily="2" charset="-122"/>
+                        <a:ea typeface="等线" panose="02010600030101010101" pitchFamily="2" charset="-122"/>
+                      </a:endParaRPr>
+                    </a:p>
+                  </a:txBody>
+                  <a:tcPr marL="9525" marR="9525" marT="9525" marB="0" anchor="ctr"/>
+                </a:tc>
+                <a:tc>
+                  <a:txBody>
+                    <a:bodyPr/>
+                    <a:lstStyle/>
+                    <a:p>
+                      <a:pPr algn="l" fontAlgn="ctr"/>
+                      <a:endParaRPr lang="zh-CN" altLang="en-US" sz="1100" b="0" i="0" u="none" strike="noStrike">
+                        <a:solidFill>
+                          <a:srgbClr val="000000"/>
+                        </a:solidFill>
+                        <a:effectLst/>
+                        <a:latin typeface="等线" panose="02010600030101010101" pitchFamily="2" charset="-122"/>
+                        <a:ea typeface="等线" panose="02010600030101010101" pitchFamily="2" charset="-122"/>
+                      </a:endParaRPr>
+                    </a:p>
+                  </a:txBody>
+                  <a:tcPr marL="9525" marR="9525" marT="9525" marB="0" anchor="ctr"/>
+                </a:tc>
+                <a:extLst>
+                  <a:ext uri="{0D108BD9-81ED-4DB2-BD59-A6C34878D82A}">
+                    <a16:rowId xmlns:a16="http://schemas.microsoft.com/office/drawing/2014/main" val="395800209"/>
+                  </a:ext>
+                </a:extLst>
+              </a:tr>
+              <a:tr h="279305">
+                <a:tc>
+                  <a:txBody>
+                    <a:bodyPr/>
+                    <a:lstStyle/>
+                    <a:p>
+                      <a:pPr algn="l" fontAlgn="ctr"/>
+                      <a:r>
+                        <a:rPr lang="zh-CN" altLang="en-US" sz="1800" b="1" kern="0" dirty="0">
+                          <a:solidFill>
+                            <a:schemeClr val="tx1"/>
+                          </a:solidFill>
+                          <a:effectLst/>
+                          <a:latin typeface="+mn-ea"/>
+                          <a:ea typeface="+mn-ea"/>
+                          <a:cs typeface="+mn-cs"/>
+                        </a:rPr>
+                        <a:t>产品</a:t>
+                      </a:r>
+                      <a:r>
+                        <a:rPr lang="en-US" sz="1800" b="1" kern="0" dirty="0">
+                          <a:solidFill>
+                            <a:schemeClr val="tx1"/>
+                          </a:solidFill>
+                          <a:effectLst/>
+                          <a:latin typeface="+mn-ea"/>
+                          <a:ea typeface="+mn-ea"/>
+                          <a:cs typeface="+mn-cs"/>
+                        </a:rPr>
+                        <a:t>ID</a:t>
+                      </a:r>
+                    </a:p>
+                  </a:txBody>
+                  <a:tcPr marL="9525" marR="9525" marT="9525" marB="0" anchor="ctr"/>
+                </a:tc>
+                <a:tc>
+                  <a:txBody>
+                    <a:bodyPr/>
+                    <a:lstStyle/>
+                    <a:p>
+                      <a:pPr algn="l" fontAlgn="ctr"/>
+                      <a:r>
+                        <a:rPr lang="en-US" sz="1600" b="0" kern="0">
+                          <a:solidFill>
+                            <a:schemeClr val="tx1"/>
+                          </a:solidFill>
+                          <a:effectLst/>
+                          <a:latin typeface="+mn-ea"/>
+                          <a:ea typeface="+mn-ea"/>
+                          <a:cs typeface="+mn-cs"/>
+                        </a:rPr>
+                        <a:t>varchar2(200)</a:t>
+                      </a:r>
+                    </a:p>
+                  </a:txBody>
+                  <a:tcPr marL="9525" marR="9525" marT="9525" marB="0" anchor="ctr"/>
+                </a:tc>
+                <a:tc>
+                  <a:txBody>
+                    <a:bodyPr/>
+                    <a:lstStyle/>
+                    <a:p>
+                      <a:pPr algn="l" fontAlgn="ctr"/>
+                      <a:r>
+                        <a:rPr lang="en-US" sz="1600" b="0" kern="0">
+                          <a:solidFill>
+                            <a:schemeClr val="tx1"/>
+                          </a:solidFill>
+                          <a:effectLst/>
+                          <a:latin typeface="+mn-ea"/>
+                          <a:ea typeface="+mn-ea"/>
+                          <a:cs typeface="+mn-cs"/>
+                        </a:rPr>
+                        <a:t>PK2</a:t>
+                      </a:r>
+                    </a:p>
+                  </a:txBody>
+                  <a:tcPr marL="9525" marR="9525" marT="9525" marB="0" anchor="ctr"/>
+                </a:tc>
+                <a:tc>
+                  <a:txBody>
+                    <a:bodyPr/>
+                    <a:lstStyle/>
+                    <a:p>
+                      <a:pPr algn="l" fontAlgn="ctr"/>
+                      <a:r>
+                        <a:rPr lang="zh-CN" altLang="en-US" sz="1600" b="0" kern="0">
+                          <a:solidFill>
+                            <a:schemeClr val="tx1"/>
+                          </a:solidFill>
+                          <a:effectLst/>
+                          <a:latin typeface="+mn-ea"/>
+                          <a:ea typeface="+mn-ea"/>
+                          <a:cs typeface="+mn-cs"/>
+                        </a:rPr>
+                        <a:t>否</a:t>
+                      </a:r>
+                    </a:p>
+                  </a:txBody>
+                  <a:tcPr marL="9525" marR="9525" marT="9525" marB="0" anchor="ctr"/>
+                </a:tc>
+                <a:tc>
+                  <a:txBody>
+                    <a:bodyPr/>
+                    <a:lstStyle/>
+                    <a:p>
+                      <a:pPr algn="l" fontAlgn="ctr"/>
+                      <a:endParaRPr lang="zh-CN" altLang="en-US" sz="1100" b="0" i="0" u="none" strike="noStrike">
+                        <a:solidFill>
+                          <a:srgbClr val="000000"/>
+                        </a:solidFill>
+                        <a:effectLst/>
+                        <a:latin typeface="等线" panose="02010600030101010101" pitchFamily="2" charset="-122"/>
+                        <a:ea typeface="等线" panose="02010600030101010101" pitchFamily="2" charset="-122"/>
+                      </a:endParaRPr>
+                    </a:p>
+                  </a:txBody>
+                  <a:tcPr marL="9525" marR="9525" marT="9525" marB="0" anchor="ctr"/>
+                </a:tc>
+                <a:tc>
+                  <a:txBody>
+                    <a:bodyPr/>
+                    <a:lstStyle/>
+                    <a:p>
+                      <a:pPr algn="l" fontAlgn="ctr"/>
+                      <a:endParaRPr lang="zh-CN" altLang="en-US" sz="1100" b="0" i="0" u="none" strike="noStrike">
+                        <a:solidFill>
+                          <a:srgbClr val="000000"/>
+                        </a:solidFill>
+                        <a:effectLst/>
+                        <a:latin typeface="等线" panose="02010600030101010101" pitchFamily="2" charset="-122"/>
+                        <a:ea typeface="等线" panose="02010600030101010101" pitchFamily="2" charset="-122"/>
+                      </a:endParaRPr>
+                    </a:p>
+                  </a:txBody>
+                  <a:tcPr marL="9525" marR="9525" marT="9525" marB="0" anchor="ctr"/>
+                </a:tc>
+                <a:extLst>
+                  <a:ext uri="{0D108BD9-81ED-4DB2-BD59-A6C34878D82A}">
+                    <a16:rowId xmlns:a16="http://schemas.microsoft.com/office/drawing/2014/main" val="4253476190"/>
+                  </a:ext>
+                </a:extLst>
+              </a:tr>
+              <a:tr h="279305">
+                <a:tc>
+                  <a:txBody>
+                    <a:bodyPr/>
+                    <a:lstStyle/>
+                    <a:p>
+                      <a:pPr algn="l" fontAlgn="ctr"/>
+                      <a:r>
+                        <a:rPr lang="zh-CN" altLang="en-US" sz="1600" b="0" kern="0" dirty="0">
+                          <a:solidFill>
+                            <a:schemeClr val="tx1"/>
+                          </a:solidFill>
+                          <a:effectLst/>
+                          <a:latin typeface="+mn-ea"/>
+                          <a:ea typeface="+mn-ea"/>
+                          <a:cs typeface="+mn-cs"/>
+                        </a:rPr>
+                        <a:t>数量 </a:t>
+                      </a:r>
+                    </a:p>
+                  </a:txBody>
+                  <a:tcPr marL="9525" marR="9525" marT="9525" marB="0" anchor="ctr"/>
+                </a:tc>
+                <a:tc>
+                  <a:txBody>
+                    <a:bodyPr/>
+                    <a:lstStyle/>
+                    <a:p>
+                      <a:pPr algn="l" fontAlgn="ctr"/>
+                      <a:r>
+                        <a:rPr lang="en-US" sz="1600" b="0" kern="0" dirty="0">
+                          <a:solidFill>
+                            <a:schemeClr val="tx1"/>
+                          </a:solidFill>
+                          <a:effectLst/>
+                          <a:latin typeface="+mn-ea"/>
+                          <a:ea typeface="+mn-ea"/>
+                          <a:cs typeface="+mn-cs"/>
+                        </a:rPr>
+                        <a:t>date</a:t>
+                      </a:r>
+                    </a:p>
+                  </a:txBody>
+                  <a:tcPr marL="9525" marR="9525" marT="9525" marB="0" anchor="ctr"/>
+                </a:tc>
+                <a:tc>
+                  <a:txBody>
+                    <a:bodyPr/>
+                    <a:lstStyle/>
+                    <a:p>
+                      <a:pPr algn="l" fontAlgn="ctr"/>
+                      <a:endParaRPr lang="zh-CN" altLang="en-US" sz="1600" b="0" kern="0">
+                        <a:solidFill>
+                          <a:schemeClr val="tx1"/>
+                        </a:solidFill>
+                        <a:effectLst/>
+                        <a:latin typeface="+mn-ea"/>
+                        <a:ea typeface="+mn-ea"/>
+                        <a:cs typeface="+mn-cs"/>
+                      </a:endParaRPr>
+                    </a:p>
+                  </a:txBody>
+                  <a:tcPr marL="9525" marR="9525" marT="9525" marB="0" anchor="ctr"/>
+                </a:tc>
+                <a:tc>
+                  <a:txBody>
+                    <a:bodyPr/>
+                    <a:lstStyle/>
+                    <a:p>
+                      <a:pPr algn="l" fontAlgn="ctr"/>
+                      <a:r>
+                        <a:rPr lang="zh-CN" altLang="en-US" sz="1600" b="0" kern="0">
+                          <a:solidFill>
+                            <a:schemeClr val="tx1"/>
+                          </a:solidFill>
+                          <a:effectLst/>
+                          <a:latin typeface="+mn-ea"/>
+                          <a:ea typeface="+mn-ea"/>
+                          <a:cs typeface="+mn-cs"/>
+                        </a:rPr>
+                        <a:t>否</a:t>
+                      </a:r>
+                    </a:p>
+                  </a:txBody>
+                  <a:tcPr marL="9525" marR="9525" marT="9525" marB="0" anchor="ctr"/>
+                </a:tc>
+                <a:tc>
+                  <a:txBody>
+                    <a:bodyPr/>
+                    <a:lstStyle/>
+                    <a:p>
+                      <a:pPr algn="l" fontAlgn="ctr"/>
+                      <a:endParaRPr lang="zh-CN" altLang="en-US" sz="1600" b="0" kern="0" dirty="0">
+                        <a:solidFill>
+                          <a:schemeClr val="tx1"/>
+                        </a:solidFill>
+                        <a:effectLst/>
+                        <a:latin typeface="+mn-ea"/>
+                        <a:ea typeface="+mn-ea"/>
+                        <a:cs typeface="+mn-cs"/>
+                      </a:endParaRPr>
+                    </a:p>
+                  </a:txBody>
+                  <a:tcPr marL="9525" marR="9525" marT="9525" marB="0" anchor="ctr"/>
+                </a:tc>
+                <a:tc>
+                  <a:txBody>
+                    <a:bodyPr/>
+                    <a:lstStyle/>
+                    <a:p>
+                      <a:pPr algn="l" fontAlgn="ctr"/>
+                      <a:r>
+                        <a:rPr lang="zh-CN" altLang="en-US" sz="1600" b="0" kern="0" dirty="0" smtClean="0">
+                          <a:solidFill>
+                            <a:schemeClr val="tx1"/>
+                          </a:solidFill>
+                          <a:effectLst/>
+                          <a:latin typeface="+mn-ea"/>
+                          <a:ea typeface="+mn-ea"/>
+                          <a:cs typeface="+mn-cs"/>
+                        </a:rPr>
+                        <a:t>数量</a:t>
+                      </a:r>
+                      <a:r>
+                        <a:rPr lang="en-US" altLang="zh-CN" sz="1600" b="0" kern="0" dirty="0" smtClean="0">
+                          <a:solidFill>
+                            <a:schemeClr val="tx1"/>
+                          </a:solidFill>
+                          <a:effectLst/>
+                          <a:latin typeface="+mn-ea"/>
+                          <a:ea typeface="+mn-ea"/>
+                          <a:cs typeface="+mn-cs"/>
+                        </a:rPr>
+                        <a:t>&gt;0</a:t>
+                      </a:r>
+                      <a:endParaRPr lang="zh-CN" altLang="en-US" sz="1600" b="0" kern="0" dirty="0">
+                        <a:solidFill>
+                          <a:schemeClr val="tx1"/>
+                        </a:solidFill>
+                        <a:effectLst/>
+                        <a:latin typeface="+mn-ea"/>
+                        <a:ea typeface="+mn-ea"/>
+                        <a:cs typeface="+mn-cs"/>
+                      </a:endParaRPr>
+                    </a:p>
+                  </a:txBody>
+                  <a:tcPr marL="9525" marR="9525" marT="9525" marB="0" anchor="ctr"/>
+                </a:tc>
+                <a:extLst>
+                  <a:ext uri="{0D108BD9-81ED-4DB2-BD59-A6C34878D82A}">
+                    <a16:rowId xmlns:a16="http://schemas.microsoft.com/office/drawing/2014/main" val="239618098"/>
+                  </a:ext>
+                </a:extLst>
+              </a:tr>
+              <a:tr h="279305">
+                <a:tc>
+                  <a:txBody>
+                    <a:bodyPr/>
+                    <a:lstStyle/>
+                    <a:p>
+                      <a:pPr algn="l" fontAlgn="ctr"/>
+                      <a:r>
+                        <a:rPr lang="zh-CN" altLang="en-US" sz="1600" b="0" kern="0">
+                          <a:solidFill>
+                            <a:schemeClr val="tx1"/>
+                          </a:solidFill>
+                          <a:effectLst/>
+                          <a:latin typeface="+mn-ea"/>
+                          <a:ea typeface="+mn-ea"/>
+                          <a:cs typeface="+mn-cs"/>
+                        </a:rPr>
+                        <a:t>单价</a:t>
+                      </a:r>
+                    </a:p>
+                  </a:txBody>
+                  <a:tcPr marL="9525" marR="9525" marT="9525" marB="0" anchor="ctr"/>
+                </a:tc>
+                <a:tc>
+                  <a:txBody>
+                    <a:bodyPr/>
+                    <a:lstStyle/>
+                    <a:p>
+                      <a:pPr algn="l" fontAlgn="ctr"/>
+                      <a:r>
+                        <a:rPr lang="en-US" sz="1600" b="0" kern="0">
+                          <a:solidFill>
+                            <a:schemeClr val="tx1"/>
+                          </a:solidFill>
+                          <a:effectLst/>
+                          <a:latin typeface="+mn-ea"/>
+                          <a:ea typeface="+mn-ea"/>
+                          <a:cs typeface="+mn-cs"/>
+                        </a:rPr>
+                        <a:t>varchar2(200)</a:t>
+                      </a:r>
+                    </a:p>
+                  </a:txBody>
+                  <a:tcPr marL="9525" marR="9525" marT="9525" marB="0" anchor="ctr"/>
+                </a:tc>
+                <a:tc>
+                  <a:txBody>
+                    <a:bodyPr/>
+                    <a:lstStyle/>
+                    <a:p>
+                      <a:pPr algn="l" fontAlgn="ctr"/>
+                      <a:endParaRPr lang="zh-CN" altLang="en-US" sz="1600" b="0" kern="0">
+                        <a:solidFill>
+                          <a:schemeClr val="tx1"/>
+                        </a:solidFill>
+                        <a:effectLst/>
+                        <a:latin typeface="+mn-ea"/>
+                        <a:ea typeface="+mn-ea"/>
+                        <a:cs typeface="+mn-cs"/>
+                      </a:endParaRPr>
+                    </a:p>
+                  </a:txBody>
+                  <a:tcPr marL="9525" marR="9525" marT="9525" marB="0" anchor="ctr"/>
+                </a:tc>
+                <a:tc>
+                  <a:txBody>
+                    <a:bodyPr/>
+                    <a:lstStyle/>
+                    <a:p>
+                      <a:pPr algn="l" fontAlgn="ctr"/>
+                      <a:r>
+                        <a:rPr lang="zh-CN" altLang="en-US" sz="1600" b="0" kern="0" dirty="0">
+                          <a:solidFill>
+                            <a:schemeClr val="tx1"/>
+                          </a:solidFill>
+                          <a:effectLst/>
+                          <a:latin typeface="+mn-ea"/>
+                          <a:ea typeface="+mn-ea"/>
+                          <a:cs typeface="+mn-cs"/>
+                        </a:rPr>
+                        <a:t>否</a:t>
+                      </a:r>
+                    </a:p>
+                  </a:txBody>
+                  <a:tcPr marL="9525" marR="9525" marT="9525" marB="0" anchor="ctr"/>
+                </a:tc>
+                <a:tc>
+                  <a:txBody>
+                    <a:bodyPr/>
+                    <a:lstStyle/>
+                    <a:p>
+                      <a:pPr algn="l" fontAlgn="ctr"/>
+                      <a:endParaRPr lang="zh-CN" altLang="en-US" sz="1100" b="0" i="0" u="none" strike="noStrike">
+                        <a:solidFill>
+                          <a:srgbClr val="000000"/>
+                        </a:solidFill>
+                        <a:effectLst/>
+                        <a:latin typeface="等线" panose="02010600030101010101" pitchFamily="2" charset="-122"/>
+                        <a:ea typeface="等线" panose="02010600030101010101" pitchFamily="2" charset="-122"/>
+                      </a:endParaRPr>
+                    </a:p>
+                  </a:txBody>
+                  <a:tcPr marL="9525" marR="9525" marT="9525" marB="0" anchor="ctr"/>
+                </a:tc>
+                <a:tc>
+                  <a:txBody>
+                    <a:bodyPr/>
+                    <a:lstStyle/>
+                    <a:p>
+                      <a:pPr algn="l" fontAlgn="ctr"/>
+                      <a:endParaRPr lang="zh-CN" altLang="en-US" sz="1100" b="0" i="0" u="none" strike="noStrike" dirty="0">
+                        <a:solidFill>
+                          <a:srgbClr val="000000"/>
+                        </a:solidFill>
+                        <a:effectLst/>
+                        <a:latin typeface="等线" panose="02010600030101010101" pitchFamily="2" charset="-122"/>
+                        <a:ea typeface="等线" panose="02010600030101010101" pitchFamily="2" charset="-122"/>
+                      </a:endParaRPr>
+                    </a:p>
+                  </a:txBody>
+                  <a:tcPr marL="9525" marR="9525" marT="9525" marB="0" anchor="ctr"/>
+                </a:tc>
+                <a:extLst>
+                  <a:ext uri="{0D108BD9-81ED-4DB2-BD59-A6C34878D82A}">
+                    <a16:rowId xmlns:a16="http://schemas.microsoft.com/office/drawing/2014/main" val="4225815017"/>
+                  </a:ext>
+                </a:extLst>
+              </a:tr>
+            </a:tbl>
+          </a:graphicData>
+        </a:graphic>
+      </p:graphicFrame>
+      <p:sp>
+        <p:nvSpPr>
+          <p:cNvPr id="2" name="文本框 1"/>
+          <p:cNvSpPr txBox="1"/>
+          <p:nvPr/>
+        </p:nvSpPr>
+        <p:spPr>
+          <a:xfrm>
+            <a:off x="683568" y="4402672"/>
+            <a:ext cx="1415772" cy="461665"/>
+          </a:xfrm>
+          <a:prstGeom prst="rect">
+            <a:avLst/>
+          </a:prstGeom>
+          <a:noFill/>
+        </p:spPr>
+        <p:txBody>
+          <a:bodyPr wrap="none" rtlCol="0">
+            <a:spAutoFit/>
+          </a:bodyPr>
+          <a:lstStyle/>
+          <a:p>
+            <a:r>
+              <a:rPr lang="zh-CN" altLang="en-US" sz="2400" dirty="0" smtClean="0"/>
+              <a:t>产品表：</a:t>
+            </a:r>
+            <a:endParaRPr lang="zh-CN" altLang="en-US" sz="2400" dirty="0"/>
+          </a:p>
+        </p:txBody>
+      </p:sp>
+      <p:sp>
+        <p:nvSpPr>
+          <p:cNvPr id="15" name="文本框 14"/>
+          <p:cNvSpPr txBox="1"/>
+          <p:nvPr/>
+        </p:nvSpPr>
+        <p:spPr>
+          <a:xfrm>
+            <a:off x="683568" y="2236429"/>
+            <a:ext cx="1415772" cy="461665"/>
+          </a:xfrm>
+          <a:prstGeom prst="rect">
+            <a:avLst/>
+          </a:prstGeom>
+          <a:noFill/>
+        </p:spPr>
+        <p:txBody>
+          <a:bodyPr wrap="none" rtlCol="0">
+            <a:spAutoFit/>
+          </a:bodyPr>
+          <a:lstStyle/>
+          <a:p>
+            <a:r>
+              <a:rPr lang="zh-CN" altLang="en-US" sz="2400" dirty="0" smtClean="0"/>
+              <a:t>订单表：</a:t>
+            </a:r>
+            <a:endParaRPr lang="zh-CN" altLang="en-US" sz="2400" dirty="0"/>
+          </a:p>
+        </p:txBody>
+      </p:sp>
+    </p:spTree>
+    <p:extLst>
+      <p:ext uri="{BB962C8B-B14F-4D97-AF65-F5344CB8AC3E}">
+        <p14:creationId xmlns:p14="http://schemas.microsoft.com/office/powerpoint/2010/main" val="1227164982"/>
+      </p:ext>
+    </p:extLst>
+  </p:cSld>
+  <p:clrMapOvr>
+    <a:masterClrMapping/>
+  </p:clrMapOvr>
+  <p:timing>
+    <p:tnLst>
+      <p:par>
+        <p:cTn id="1" dur="indefinite" restart="never" nodeType="tmRoot"/>
+      </p:par>
+    </p:tnLst>
+  </p:timing>
+</p:sld>
+</file>
+
+<file path=ppt/slides/slide21.xml><?xml version="1.0" encoding="utf-8"?>
+<p:sld xmlns:a="http://schemas.openxmlformats.org/drawingml/2006/main" xmlns:r="http://schemas.openxmlformats.org/officeDocument/2006/relationships" xmlns:p="http://schemas.openxmlformats.org/presentationml/2006/main">
+  <p:cSld>
+    <p:spTree>
+      <p:nvGrpSpPr>
+        <p:cNvPr id="1" name=""/>
+        <p:cNvGrpSpPr/>
+        <p:nvPr/>
+      </p:nvGrpSpPr>
+      <p:grpSpPr>
+        <a:xfrm>
+          <a:off x="0" y="0"/>
+          <a:ext cx="0" cy="0"/>
+          <a:chOff x="0" y="0"/>
+          <a:chExt cx="0" cy="0"/>
+        </a:xfrm>
+      </p:grpSpPr>
+      <p:sp>
+        <p:nvSpPr>
+          <p:cNvPr id="17410" name="Rectangle 2"/>
+          <p:cNvSpPr>
+            <a:spLocks noGrp="1" noChangeArrowheads="1"/>
+          </p:cNvSpPr>
+          <p:nvPr>
+            <p:ph type="title"/>
+          </p:nvPr>
+        </p:nvSpPr>
+        <p:spPr/>
+        <p:txBody>
+          <a:bodyPr/>
+          <a:lstStyle/>
+          <a:p>
+            <a:pPr eaLnBrk="1" hangingPunct="1"/>
+            <a:r>
+              <a:rPr lang="en-US" altLang="zh-CN" smtClean="0"/>
+              <a:t>9.2 </a:t>
+            </a:r>
+            <a:r>
+              <a:rPr lang="zh-CN" altLang="en-US" smtClean="0"/>
+              <a:t>系统设计的内容</a:t>
+            </a:r>
+          </a:p>
+        </p:txBody>
+      </p:sp>
+      <p:sp>
+        <p:nvSpPr>
+          <p:cNvPr id="17411" name="Rectangle 3"/>
+          <p:cNvSpPr>
+            <a:spLocks noGrp="1" noChangeArrowheads="1"/>
+          </p:cNvSpPr>
+          <p:nvPr>
+            <p:ph type="body" idx="1"/>
+          </p:nvPr>
+        </p:nvSpPr>
+        <p:spPr>
+          <a:extLst>
+            <a:ext uri="{91240B29-F687-4F45-9708-019B960494DF}">
+              <a14:hiddenLine xmlns:a14="http://schemas.microsoft.com/office/drawing/2010/main" w="9525">
+                <a:solidFill>
+                  <a:srgbClr val="FF0000"/>
+                </a:solidFill>
+                <a:miter lim="800000"/>
+                <a:headEnd/>
+                <a:tailEnd/>
+              </a14:hiddenLine>
+            </a:ext>
+          </a:extLst>
+        </p:spPr>
+        <p:txBody>
+          <a:bodyPr>
+            <a:normAutofit fontScale="92500" lnSpcReduction="20000"/>
+          </a:bodyPr>
+          <a:lstStyle/>
+          <a:p>
+            <a:pPr marL="609600" indent="-609600" eaLnBrk="1" hangingPunct="1">
+              <a:buFont typeface="Wingdings" panose="05000000000000000000" pitchFamily="2" charset="2"/>
+              <a:buNone/>
+            </a:pPr>
+            <a:r>
+              <a:rPr lang="zh-CN" altLang="en-US" smtClean="0"/>
+              <a:t>一般划分为两部分：</a:t>
+            </a:r>
+          </a:p>
+          <a:p>
+            <a:pPr marL="609600" indent="-609600" eaLnBrk="1" hangingPunct="1"/>
+            <a:r>
+              <a:rPr lang="zh-CN" altLang="en-US" smtClean="0">
+                <a:solidFill>
+                  <a:srgbClr val="FF0000"/>
+                </a:solidFill>
+              </a:rPr>
+              <a:t>总体设计</a:t>
+            </a:r>
+          </a:p>
+          <a:p>
+            <a:pPr marL="990600" lvl="1" indent="-533400" eaLnBrk="1" hangingPunct="1"/>
+            <a:r>
+              <a:rPr lang="zh-CN" altLang="en-US" smtClean="0"/>
+              <a:t>设计软件的体系结构（也称架构，</a:t>
+            </a:r>
+            <a:r>
+              <a:rPr lang="en-US" altLang="zh-CN" smtClean="0"/>
+              <a:t>architecture</a:t>
+            </a:r>
+            <a:r>
+              <a:rPr lang="zh-CN" altLang="en-US" smtClean="0"/>
+              <a:t>）</a:t>
+            </a:r>
+          </a:p>
+          <a:p>
+            <a:pPr marL="990600" lvl="1" indent="-533400" eaLnBrk="1" hangingPunct="1"/>
+            <a:r>
+              <a:rPr lang="zh-CN" altLang="en-US" smtClean="0"/>
+              <a:t>设计软件结构，即具体组成元素及其关系（</a:t>
+            </a:r>
+            <a:r>
+              <a:rPr lang="en-US" altLang="zh-CN" smtClean="0"/>
+              <a:t>structure</a:t>
+            </a:r>
+            <a:r>
+              <a:rPr lang="zh-CN" altLang="en-US" smtClean="0"/>
+              <a:t>）</a:t>
+            </a:r>
+          </a:p>
+          <a:p>
+            <a:pPr marL="990600" lvl="1" indent="-533400" eaLnBrk="1" hangingPunct="1"/>
+            <a:r>
+              <a:rPr lang="zh-CN" altLang="en-US" smtClean="0"/>
+              <a:t>设计系统对外接口和服务</a:t>
+            </a:r>
+          </a:p>
+          <a:p>
+            <a:pPr marL="609600" indent="-609600" eaLnBrk="1" hangingPunct="1"/>
+            <a:r>
+              <a:rPr lang="zh-CN" altLang="en-US" smtClean="0">
+                <a:solidFill>
+                  <a:srgbClr val="FF0000"/>
+                </a:solidFill>
+              </a:rPr>
+              <a:t>详细设计</a:t>
+            </a:r>
+          </a:p>
+          <a:p>
+            <a:pPr marL="990600" lvl="1" indent="-533400" eaLnBrk="1" hangingPunct="1"/>
+            <a:r>
+              <a:rPr lang="zh-CN" altLang="en-US" smtClean="0"/>
+              <a:t>各项具体细节，涉及软硬件的各个方面</a:t>
+            </a:r>
+          </a:p>
+        </p:txBody>
+      </p:sp>
+    </p:spTree>
+    <p:extLst>
+      <p:ext uri="{BB962C8B-B14F-4D97-AF65-F5344CB8AC3E}">
+        <p14:creationId xmlns:p14="http://schemas.microsoft.com/office/powerpoint/2010/main" val="1057559769"/>
+      </p:ext>
+    </p:extLst>
+  </p:cSld>
+  <p:clrMapOvr>
+    <a:masterClrMapping/>
+  </p:clrMapOvr>
+  <p:timing>
+    <p:tnLst>
+      <p:par>
+        <p:cTn id="1" dur="indefinite" restart="never" nodeType="tmRoot"/>
+      </p:par>
+    </p:tnLst>
+  </p:timing>
+</p:sld>
+</file>
+
+<file path=ppt/slides/slide22.xml><?xml version="1.0" encoding="utf-8"?>
 <p:sld xmlns:a="http://schemas.openxmlformats.org/drawingml/2006/main" xmlns:r="http://schemas.openxmlformats.org/officeDocument/2006/relationships" xmlns:p="http://schemas.openxmlformats.org/presentationml/2006/main">
   <p:cSld>
     <p:spTree>
@@ -12664,7 +14821,7 @@
 </p:sld>
 </file>
 
-<file path=ppt/slides/slide21.xml><?xml version="1.0" encoding="utf-8"?>
+<file path=ppt/slides/slide23.xml><?xml version="1.0" encoding="utf-8"?>
 <p:sld xmlns:a="http://schemas.openxmlformats.org/drawingml/2006/main" xmlns:r="http://schemas.openxmlformats.org/officeDocument/2006/relationships" xmlns:p="http://schemas.openxmlformats.org/presentationml/2006/main">
   <p:cSld>
     <p:spTree>
@@ -12852,390 +15009,6 @@
     <p:extLst>
       <p:ext uri="{BB962C8B-B14F-4D97-AF65-F5344CB8AC3E}">
         <p14:creationId xmlns:p14="http://schemas.microsoft.com/office/powerpoint/2010/main" val="3191685576"/>
-      </p:ext>
-    </p:extLst>
-  </p:cSld>
-  <p:clrMapOvr>
-    <a:masterClrMapping/>
-  </p:clrMapOvr>
-  <p:timing>
-    <p:tnLst>
-      <p:par>
-        <p:cTn id="1" dur="indefinite" restart="never" nodeType="tmRoot"/>
-      </p:par>
-    </p:tnLst>
-  </p:timing>
-</p:sld>
-</file>
-
-<file path=ppt/slides/slide22.xml><?xml version="1.0" encoding="utf-8"?>
-<p:sld xmlns:a="http://schemas.openxmlformats.org/drawingml/2006/main" xmlns:r="http://schemas.openxmlformats.org/officeDocument/2006/relationships" xmlns:p="http://schemas.openxmlformats.org/presentationml/2006/main">
-  <p:cSld>
-    <p:spTree>
-      <p:nvGrpSpPr>
-        <p:cNvPr id="1" name=""/>
-        <p:cNvGrpSpPr/>
-        <p:nvPr/>
-      </p:nvGrpSpPr>
-      <p:grpSpPr>
-        <a:xfrm>
-          <a:off x="0" y="0"/>
-          <a:ext cx="0" cy="0"/>
-          <a:chOff x="0" y="0"/>
-          <a:chExt cx="0" cy="0"/>
-        </a:xfrm>
-      </p:grpSpPr>
-      <p:sp>
-        <p:nvSpPr>
-          <p:cNvPr id="20482" name="Rectangle 2"/>
-          <p:cNvSpPr>
-            <a:spLocks noGrp="1" noChangeArrowheads="1"/>
-          </p:cNvSpPr>
-          <p:nvPr>
-            <p:ph type="title"/>
-          </p:nvPr>
-        </p:nvSpPr>
-        <p:spPr/>
-        <p:txBody>
-          <a:bodyPr/>
-          <a:lstStyle/>
-          <a:p>
-            <a:pPr eaLnBrk="1" hangingPunct="1"/>
-            <a:r>
-              <a:rPr lang="zh-CN" altLang="en-US" smtClean="0"/>
-              <a:t>基于对象封装的软件结构</a:t>
-            </a:r>
-          </a:p>
-        </p:txBody>
-      </p:sp>
-      <p:sp>
-        <p:nvSpPr>
-          <p:cNvPr id="20483" name="Rectangle 3"/>
-          <p:cNvSpPr>
-            <a:spLocks noGrp="1" noChangeArrowheads="1"/>
-          </p:cNvSpPr>
-          <p:nvPr>
-            <p:ph type="body" idx="1"/>
-          </p:nvPr>
-        </p:nvSpPr>
-        <p:spPr>
-          <a:xfrm>
-            <a:off x="611559" y="1772816"/>
-            <a:ext cx="7992889" cy="5400675"/>
-          </a:xfrm>
-        </p:spPr>
-        <p:txBody>
-          <a:bodyPr>
-            <a:normAutofit/>
-          </a:bodyPr>
-          <a:lstStyle/>
-          <a:p>
-            <a:pPr eaLnBrk="1" hangingPunct="1"/>
-            <a:r>
-              <a:rPr kumimoji="1" lang="zh-CN" altLang="en-US" sz="2400" dirty="0" smtClean="0"/>
-              <a:t>强调面向对象的封装，主要包括：</a:t>
-            </a:r>
-          </a:p>
-          <a:p>
-            <a:pPr lvl="1" eaLnBrk="1" hangingPunct="1"/>
-            <a:r>
-              <a:rPr kumimoji="1" lang="zh-CN" altLang="en-US" sz="2400" dirty="0" smtClean="0"/>
-              <a:t>识别系统中的对象（</a:t>
-            </a:r>
-            <a:r>
-              <a:rPr kumimoji="1" lang="en-US" altLang="zh-CN" sz="2400" dirty="0" smtClean="0"/>
-              <a:t>Object</a:t>
-            </a:r>
-            <a:r>
-              <a:rPr kumimoji="1" lang="zh-CN" altLang="en-US" sz="2400" dirty="0" smtClean="0"/>
-              <a:t>），设计类（</a:t>
-            </a:r>
-            <a:r>
-              <a:rPr kumimoji="1" lang="en-US" altLang="zh-CN" sz="2400" dirty="0" smtClean="0"/>
-              <a:t>Class</a:t>
-            </a:r>
-            <a:r>
-              <a:rPr kumimoji="1" lang="zh-CN" altLang="en-US" sz="2400" dirty="0" smtClean="0"/>
-              <a:t>）；</a:t>
-            </a:r>
-          </a:p>
-          <a:p>
-            <a:pPr lvl="1" eaLnBrk="1" hangingPunct="1"/>
-            <a:r>
-              <a:rPr kumimoji="1" lang="zh-CN" altLang="en-US" sz="2400" dirty="0" smtClean="0"/>
-              <a:t>决定每个类的属性（</a:t>
-            </a:r>
-            <a:r>
-              <a:rPr kumimoji="1" lang="en-US" altLang="zh-CN" sz="2400" dirty="0" smtClean="0"/>
-              <a:t>Attribute</a:t>
-            </a:r>
-            <a:r>
-              <a:rPr kumimoji="1" lang="zh-CN" altLang="en-US" sz="2400" dirty="0" smtClean="0"/>
-              <a:t>）和操作（</a:t>
-            </a:r>
-            <a:r>
-              <a:rPr kumimoji="1" lang="en-US" altLang="zh-CN" sz="2400" dirty="0" smtClean="0"/>
-              <a:t>Operation</a:t>
-            </a:r>
-            <a:r>
-              <a:rPr kumimoji="1" lang="zh-CN" altLang="en-US" sz="2400" dirty="0" smtClean="0"/>
-              <a:t>）；</a:t>
-            </a:r>
-          </a:p>
-          <a:p>
-            <a:pPr lvl="1" eaLnBrk="1" hangingPunct="1"/>
-            <a:r>
-              <a:rPr kumimoji="1" lang="zh-CN" altLang="en-US" sz="2400" dirty="0" smtClean="0"/>
-              <a:t>决定对象之间的协作</a:t>
-            </a:r>
-            <a:r>
-              <a:rPr kumimoji="1" lang="en-US" altLang="zh-CN" sz="2400" dirty="0" smtClean="0"/>
-              <a:t>/</a:t>
-            </a:r>
-            <a:r>
-              <a:rPr kumimoji="1" lang="zh-CN" altLang="en-US" sz="2400" dirty="0" smtClean="0"/>
-              <a:t>通信关系；</a:t>
-            </a:r>
-          </a:p>
-          <a:p>
-            <a:pPr lvl="1" eaLnBrk="1" hangingPunct="1"/>
-            <a:endParaRPr kumimoji="1" lang="zh-CN" altLang="en-US" sz="2400" dirty="0" smtClean="0"/>
-          </a:p>
-          <a:p>
-            <a:pPr eaLnBrk="1" hangingPunct="1"/>
-            <a:r>
-              <a:rPr kumimoji="1" lang="zh-CN" altLang="en-US" sz="2400" dirty="0" smtClean="0"/>
-              <a:t>主要模型：类图（</a:t>
-            </a:r>
-            <a:r>
-              <a:rPr kumimoji="1" lang="en-US" altLang="zh-CN" sz="2400" dirty="0" smtClean="0"/>
-              <a:t>Class Diagram</a:t>
-            </a:r>
-            <a:r>
-              <a:rPr kumimoji="1" lang="zh-CN" altLang="en-US" sz="2400" dirty="0" smtClean="0"/>
-              <a:t>）</a:t>
-            </a:r>
-          </a:p>
-          <a:p>
-            <a:pPr lvl="1" eaLnBrk="1" hangingPunct="1"/>
-            <a:r>
-              <a:rPr lang="zh-CN" altLang="en-US" dirty="0" smtClean="0">
-                <a:latin typeface="宋体" panose="02010600030101010101" pitchFamily="2" charset="-122"/>
-              </a:rPr>
-              <a:t>类的方法本质上也是模块封装</a:t>
-            </a:r>
-          </a:p>
-        </p:txBody>
-      </p:sp>
-    </p:spTree>
-    <p:extLst>
-      <p:ext uri="{BB962C8B-B14F-4D97-AF65-F5344CB8AC3E}">
-        <p14:creationId xmlns:p14="http://schemas.microsoft.com/office/powerpoint/2010/main" val="2678437455"/>
-      </p:ext>
-    </p:extLst>
-  </p:cSld>
-  <p:clrMapOvr>
-    <a:masterClrMapping/>
-  </p:clrMapOvr>
-  <p:timing>
-    <p:tnLst>
-      <p:par>
-        <p:cTn id="1" dur="indefinite" restart="never" nodeType="tmRoot"/>
-      </p:par>
-    </p:tnLst>
-  </p:timing>
-</p:sld>
-</file>
-
-<file path=ppt/slides/slide23.xml><?xml version="1.0" encoding="utf-8"?>
-<p:sld xmlns:a="http://schemas.openxmlformats.org/drawingml/2006/main" xmlns:r="http://schemas.openxmlformats.org/officeDocument/2006/relationships" xmlns:p="http://schemas.openxmlformats.org/presentationml/2006/main">
-  <p:cSld>
-    <p:spTree>
-      <p:nvGrpSpPr>
-        <p:cNvPr id="1" name=""/>
-        <p:cNvGrpSpPr/>
-        <p:nvPr/>
-      </p:nvGrpSpPr>
-      <p:grpSpPr>
-        <a:xfrm>
-          <a:off x="0" y="0"/>
-          <a:ext cx="0" cy="0"/>
-          <a:chOff x="0" y="0"/>
-          <a:chExt cx="0" cy="0"/>
-        </a:xfrm>
-      </p:grpSpPr>
-      <p:sp>
-        <p:nvSpPr>
-          <p:cNvPr id="21506" name="Rectangle 2"/>
-          <p:cNvSpPr>
-            <a:spLocks noGrp="1" noChangeArrowheads="1"/>
-          </p:cNvSpPr>
-          <p:nvPr>
-            <p:ph type="title"/>
-          </p:nvPr>
-        </p:nvSpPr>
-        <p:spPr/>
-        <p:txBody>
-          <a:bodyPr/>
-          <a:lstStyle/>
-          <a:p>
-            <a:pPr eaLnBrk="1" hangingPunct="1"/>
-            <a:r>
-              <a:rPr lang="zh-CN" altLang="en-US" smtClean="0"/>
-              <a:t>基于服务封装的软件结构</a:t>
-            </a:r>
-          </a:p>
-        </p:txBody>
-      </p:sp>
-      <p:sp>
-        <p:nvSpPr>
-          <p:cNvPr id="21507" name="Rectangle 3"/>
-          <p:cNvSpPr>
-            <a:spLocks noGrp="1" noChangeArrowheads="1"/>
-          </p:cNvSpPr>
-          <p:nvPr>
-            <p:ph type="body" idx="1"/>
-          </p:nvPr>
-        </p:nvSpPr>
-        <p:spPr>
-          <a:xfrm>
-            <a:off x="937700" y="1772816"/>
-            <a:ext cx="7522732" cy="4401637"/>
-          </a:xfrm>
-        </p:spPr>
-        <p:txBody>
-          <a:bodyPr>
-            <a:noAutofit/>
-          </a:bodyPr>
-          <a:lstStyle/>
-          <a:p>
-            <a:pPr eaLnBrk="1" hangingPunct="1">
-              <a:lnSpc>
-                <a:spcPct val="120000"/>
-              </a:lnSpc>
-              <a:spcBef>
-                <a:spcPts val="0"/>
-              </a:spcBef>
-            </a:pPr>
-            <a:r>
-              <a:rPr lang="zh-CN" altLang="en-US" sz="2000" dirty="0" smtClean="0"/>
-              <a:t>从概念上讲，</a:t>
-            </a:r>
-            <a:r>
-              <a:rPr lang="en-US" altLang="zh-CN" sz="2000" dirty="0" smtClean="0"/>
-              <a:t>SOA</a:t>
-            </a:r>
-            <a:r>
-              <a:rPr lang="zh-CN" altLang="en-US" sz="2000" dirty="0" smtClean="0"/>
-              <a:t>中有三个主要的抽象级别元素：</a:t>
-            </a:r>
-          </a:p>
-          <a:p>
-            <a:pPr lvl="1" eaLnBrk="1" hangingPunct="1">
-              <a:lnSpc>
-                <a:spcPct val="120000"/>
-              </a:lnSpc>
-              <a:spcBef>
-                <a:spcPts val="0"/>
-              </a:spcBef>
-            </a:pPr>
-            <a:r>
-              <a:rPr lang="zh-CN" altLang="en-US" sz="2000" dirty="0" smtClean="0"/>
-              <a:t>操作：代表单个逻辑工作单元的事务。</a:t>
-            </a:r>
-            <a:r>
-              <a:rPr lang="en-US" altLang="zh-CN" sz="2000" dirty="0" smtClean="0"/>
-              <a:t>SOA</a:t>
-            </a:r>
-            <a:r>
-              <a:rPr lang="zh-CN" altLang="en-US" sz="2000" dirty="0" smtClean="0"/>
-              <a:t>操作可以与面向对象中类的方法相提并论。</a:t>
-            </a:r>
-          </a:p>
-          <a:p>
-            <a:pPr lvl="1" eaLnBrk="1" hangingPunct="1">
-              <a:lnSpc>
-                <a:spcPct val="120000"/>
-              </a:lnSpc>
-              <a:spcBef>
-                <a:spcPts val="0"/>
-              </a:spcBef>
-            </a:pPr>
-            <a:r>
-              <a:rPr lang="zh-CN" altLang="en-US" sz="2000" dirty="0" smtClean="0"/>
-              <a:t>服务：代表操作的逻辑分组。例如，如果我们将客户信用视为服务，则按照客户名称获得客户信用数据、建立信用记录、更新客户信用等就代表相关的操作。</a:t>
-            </a:r>
-          </a:p>
-          <a:p>
-            <a:pPr lvl="1" eaLnBrk="1" hangingPunct="1">
-              <a:lnSpc>
-                <a:spcPct val="120000"/>
-              </a:lnSpc>
-              <a:spcBef>
-                <a:spcPts val="0"/>
-              </a:spcBef>
-            </a:pPr>
-            <a:r>
-              <a:rPr lang="zh-CN" altLang="en-US" sz="2000" dirty="0" smtClean="0"/>
-              <a:t>业务流程：为实现特定业务目标而执行的一组长期运行的动作或活动，如：批准一项贷款、本科生转专业、完成订单等。业务流程可以通过编排一组服务来定义和实现。 </a:t>
-            </a:r>
-          </a:p>
-          <a:p>
-            <a:pPr eaLnBrk="1" hangingPunct="1">
-              <a:lnSpc>
-                <a:spcPct val="120000"/>
-              </a:lnSpc>
-              <a:spcBef>
-                <a:spcPts val="0"/>
-              </a:spcBef>
-            </a:pPr>
-            <a:r>
-              <a:rPr kumimoji="1" lang="zh-CN" altLang="en-US" sz="2000" dirty="0" smtClean="0"/>
-              <a:t>主要模型：构件图（</a:t>
-            </a:r>
-            <a:r>
-              <a:rPr kumimoji="1" lang="en-US" altLang="zh-CN" sz="2000" dirty="0" smtClean="0"/>
-              <a:t>Component Diagram</a:t>
-            </a:r>
-            <a:r>
-              <a:rPr kumimoji="1" lang="zh-CN" altLang="en-US" sz="2000" dirty="0" smtClean="0"/>
-              <a:t>）</a:t>
-            </a:r>
-            <a:r>
-              <a:rPr kumimoji="1" lang="en-US" altLang="zh-CN" sz="2000" dirty="0" smtClean="0"/>
-              <a:t>/</a:t>
-            </a:r>
-            <a:r>
-              <a:rPr kumimoji="1" lang="en-US" altLang="zh-CN" sz="2000" dirty="0" err="1" smtClean="0"/>
-              <a:t>SoaML</a:t>
-            </a:r>
-            <a:r>
-              <a:rPr kumimoji="1" lang="en-US" altLang="zh-CN" sz="2000" dirty="0" smtClean="0"/>
-              <a:t>/BPMN</a:t>
-            </a:r>
-          </a:p>
-          <a:p>
-            <a:pPr lvl="1" eaLnBrk="1" hangingPunct="1">
-              <a:lnSpc>
-                <a:spcPct val="120000"/>
-              </a:lnSpc>
-              <a:spcBef>
-                <a:spcPts val="0"/>
-              </a:spcBef>
-            </a:pPr>
-            <a:r>
-              <a:rPr lang="zh-CN" altLang="en-US" sz="2000" dirty="0" smtClean="0">
-                <a:latin typeface="宋体" panose="02010600030101010101" pitchFamily="2" charset="-122"/>
-              </a:rPr>
-              <a:t>底层基于类来实现</a:t>
-            </a:r>
-          </a:p>
-        </p:txBody>
-      </p:sp>
-    </p:spTree>
-    <p:extLst>
-      <p:ext uri="{BB962C8B-B14F-4D97-AF65-F5344CB8AC3E}">
-        <p14:creationId xmlns:p14="http://schemas.microsoft.com/office/powerpoint/2010/main" val="1357736671"/>
       </p:ext>
     </p:extLst>
   </p:cSld>
@@ -13271,7 +15044,7 @@
       </p:grpSpPr>
       <p:sp>
         <p:nvSpPr>
-          <p:cNvPr id="22530" name="Rectangle 2"/>
+          <p:cNvPr id="20482" name="Rectangle 2"/>
           <p:cNvSpPr>
             <a:spLocks noGrp="1" noChangeArrowheads="1"/>
           </p:cNvSpPr>
@@ -13287,14 +15060,14 @@
             <a:pPr eaLnBrk="1" hangingPunct="1"/>
             <a:r>
               <a:rPr lang="zh-CN" altLang="en-US" smtClean="0"/>
-              <a:t>软件设计的两类模型</a:t>
+              <a:t>基于对象封装的软件结构</a:t>
             </a:r>
           </a:p>
         </p:txBody>
       </p:sp>
       <p:sp>
         <p:nvSpPr>
-          <p:cNvPr id="22531" name="Rectangle 3"/>
+          <p:cNvPr id="20483" name="Rectangle 3"/>
           <p:cNvSpPr>
             <a:spLocks noGrp="1" noChangeArrowheads="1"/>
           </p:cNvSpPr>
@@ -13304,169 +15077,109 @@
         </p:nvSpPr>
         <p:spPr>
           <a:xfrm>
-            <a:off x="683567" y="1772816"/>
-            <a:ext cx="7848873" cy="4536504"/>
+            <a:off x="611559" y="1772816"/>
+            <a:ext cx="7992889" cy="5400675"/>
           </a:xfrm>
         </p:spPr>
         <p:txBody>
           <a:bodyPr>
-            <a:normAutofit fontScale="70000" lnSpcReduction="20000"/>
+            <a:normAutofit/>
           </a:bodyPr>
           <a:lstStyle/>
           <a:p>
-            <a:pPr eaLnBrk="1" hangingPunct="1">
-              <a:lnSpc>
-                <a:spcPct val="120000"/>
-              </a:lnSpc>
-              <a:spcBef>
-                <a:spcPts val="0"/>
-              </a:spcBef>
-              <a:buFont typeface="Wingdings" panose="05000000000000000000" pitchFamily="2" charset="2"/>
-              <a:buNone/>
-            </a:pPr>
-            <a:r>
-              <a:rPr lang="zh-CN" altLang="en-US" dirty="0" smtClean="0"/>
-              <a:t>软件模型最主要的两个方面：</a:t>
-            </a:r>
-          </a:p>
-          <a:p>
-            <a:pPr eaLnBrk="1" hangingPunct="1">
-              <a:lnSpc>
-                <a:spcPct val="120000"/>
-              </a:lnSpc>
-              <a:spcBef>
-                <a:spcPts val="0"/>
-              </a:spcBef>
-              <a:buFont typeface="Wingdings" panose="05000000000000000000" pitchFamily="2" charset="2"/>
-              <a:buNone/>
-            </a:pPr>
-            <a:endParaRPr lang="zh-CN" altLang="en-US" dirty="0" smtClean="0"/>
-          </a:p>
-          <a:p>
-            <a:pPr eaLnBrk="1" hangingPunct="1">
-              <a:lnSpc>
-                <a:spcPct val="120000"/>
-              </a:lnSpc>
-              <a:spcBef>
-                <a:spcPts val="0"/>
-              </a:spcBef>
-            </a:pPr>
-            <a:r>
-              <a:rPr lang="zh-CN" altLang="en-US" dirty="0" smtClean="0"/>
-              <a:t>静态模型</a:t>
-            </a:r>
-          </a:p>
-          <a:p>
-            <a:pPr lvl="1" eaLnBrk="1" hangingPunct="1">
-              <a:lnSpc>
-                <a:spcPct val="120000"/>
-              </a:lnSpc>
-              <a:spcBef>
-                <a:spcPts val="0"/>
-              </a:spcBef>
-            </a:pPr>
-            <a:r>
-              <a:rPr lang="zh-CN" altLang="en-US" dirty="0" smtClean="0"/>
-              <a:t>主要表示软件结构，即组成元素及其关系，一种是开发态的源程序结构，另一种是运行态的构件结构，即程序打包编译</a:t>
-            </a:r>
-            <a:r>
-              <a:rPr kumimoji="1" lang="zh-CN" altLang="en-US" dirty="0" smtClean="0"/>
-              <a:t>后的组件结构（</a:t>
-            </a:r>
-            <a:r>
-              <a:rPr kumimoji="1" lang="en-US" altLang="zh-CN" dirty="0" smtClean="0"/>
-              <a:t>Component</a:t>
-            </a:r>
-            <a:r>
-              <a:rPr kumimoji="1" lang="zh-CN" altLang="en-US" dirty="0" smtClean="0"/>
-              <a:t>，如</a:t>
-            </a:r>
-            <a:r>
-              <a:rPr kumimoji="1" lang="en-US" altLang="zh-CN" dirty="0" smtClean="0"/>
-              <a:t>jar</a:t>
-            </a:r>
-            <a:r>
-              <a:rPr kumimoji="1" lang="zh-CN" altLang="en-US" dirty="0" smtClean="0"/>
-              <a:t>、</a:t>
-            </a:r>
-            <a:r>
-              <a:rPr kumimoji="1" lang="en-US" altLang="zh-CN" dirty="0" err="1" smtClean="0"/>
-              <a:t>dll</a:t>
-            </a:r>
-            <a:r>
-              <a:rPr kumimoji="1" lang="zh-CN" altLang="en-US" dirty="0" smtClean="0"/>
+            <a:pPr eaLnBrk="1" hangingPunct="1"/>
+            <a:r>
+              <a:rPr kumimoji="1" lang="zh-CN" altLang="en-US" sz="2400" dirty="0" smtClean="0"/>
+              <a:t>强调面向对象的封装，主要包括：</a:t>
+            </a:r>
+          </a:p>
+          <a:p>
+            <a:pPr lvl="1" eaLnBrk="1" hangingPunct="1"/>
+            <a:r>
+              <a:rPr kumimoji="1" lang="zh-CN" altLang="en-US" sz="2400" dirty="0" smtClean="0"/>
+              <a:t>识别系统中的对象（</a:t>
+            </a:r>
+            <a:r>
+              <a:rPr kumimoji="1" lang="en-US" altLang="zh-CN" sz="2400" dirty="0" smtClean="0"/>
+              <a:t>Object</a:t>
+            </a:r>
+            <a:r>
+              <a:rPr kumimoji="1" lang="zh-CN" altLang="en-US" sz="2400" dirty="0" smtClean="0"/>
+              <a:t>），设计类（</a:t>
+            </a:r>
+            <a:r>
+              <a:rPr kumimoji="1" lang="en-US" altLang="zh-CN" sz="2400" dirty="0" smtClean="0"/>
+              <a:t>Class</a:t>
+            </a:r>
+            <a:r>
+              <a:rPr kumimoji="1" lang="zh-CN" altLang="en-US" sz="2400" dirty="0" smtClean="0"/>
+              <a:t>）；</a:t>
+            </a:r>
+          </a:p>
+          <a:p>
+            <a:pPr lvl="1" eaLnBrk="1" hangingPunct="1"/>
+            <a:r>
+              <a:rPr kumimoji="1" lang="zh-CN" altLang="en-US" sz="2400" dirty="0" smtClean="0"/>
+              <a:t>决定每个类的属性（</a:t>
+            </a:r>
+            <a:r>
+              <a:rPr kumimoji="1" lang="en-US" altLang="zh-CN" sz="2400" dirty="0" smtClean="0"/>
+              <a:t>Attribute</a:t>
+            </a:r>
+            <a:r>
+              <a:rPr kumimoji="1" lang="zh-CN" altLang="en-US" sz="2400" dirty="0" smtClean="0"/>
+              <a:t>）和操作（</a:t>
+            </a:r>
+            <a:r>
+              <a:rPr kumimoji="1" lang="en-US" altLang="zh-CN" sz="2400" dirty="0" smtClean="0"/>
+              <a:t>Operation</a:t>
+            </a:r>
+            <a:r>
+              <a:rPr kumimoji="1" lang="zh-CN" altLang="en-US" sz="2400" dirty="0" smtClean="0"/>
+              <a:t>）；</a:t>
+            </a:r>
+          </a:p>
+          <a:p>
+            <a:pPr lvl="1" eaLnBrk="1" hangingPunct="1"/>
+            <a:r>
+              <a:rPr kumimoji="1" lang="zh-CN" altLang="en-US" sz="2400" dirty="0" smtClean="0"/>
+              <a:t>决定对象之间的协作</a:t>
+            </a:r>
+            <a:r>
+              <a:rPr kumimoji="1" lang="en-US" altLang="zh-CN" sz="2400" dirty="0" smtClean="0"/>
+              <a:t>/</a:t>
+            </a:r>
+            <a:r>
+              <a:rPr kumimoji="1" lang="zh-CN" altLang="en-US" sz="2400" dirty="0" smtClean="0"/>
+              <a:t>通信关系；</a:t>
+            </a:r>
+          </a:p>
+          <a:p>
+            <a:pPr lvl="1" eaLnBrk="1" hangingPunct="1"/>
+            <a:endParaRPr kumimoji="1" lang="zh-CN" altLang="en-US" sz="2400" dirty="0" smtClean="0"/>
+          </a:p>
+          <a:p>
+            <a:pPr eaLnBrk="1" hangingPunct="1"/>
+            <a:r>
+              <a:rPr kumimoji="1" lang="zh-CN" altLang="en-US" sz="2400" dirty="0" smtClean="0"/>
+              <a:t>主要模型：类图（</a:t>
+            </a:r>
+            <a:r>
+              <a:rPr kumimoji="1" lang="en-US" altLang="zh-CN" sz="2400" dirty="0" smtClean="0"/>
+              <a:t>Class Diagram</a:t>
+            </a:r>
+            <a:r>
+              <a:rPr kumimoji="1" lang="zh-CN" altLang="en-US" sz="2400" dirty="0" smtClean="0"/>
               <a:t>）</a:t>
             </a:r>
-            <a:r>
-              <a:rPr lang="zh-CN" altLang="en-US" dirty="0" smtClean="0"/>
-              <a:t> 。</a:t>
-            </a:r>
-          </a:p>
-          <a:p>
-            <a:pPr lvl="1" eaLnBrk="1" hangingPunct="1">
-              <a:lnSpc>
-                <a:spcPct val="120000"/>
-              </a:lnSpc>
-              <a:spcBef>
-                <a:spcPts val="0"/>
-              </a:spcBef>
-            </a:pPr>
-            <a:r>
-              <a:rPr lang="zh-CN" altLang="en-US" dirty="0" smtClean="0"/>
-              <a:t>可以采用模块结构图（结构化方法）、类图（面向对象方法）、构件图等描述软件结构。</a:t>
-            </a:r>
-          </a:p>
-          <a:p>
-            <a:pPr lvl="1" eaLnBrk="1" hangingPunct="1">
-              <a:lnSpc>
-                <a:spcPct val="120000"/>
-              </a:lnSpc>
-              <a:spcBef>
-                <a:spcPts val="0"/>
-              </a:spcBef>
-            </a:pPr>
-            <a:endParaRPr lang="zh-CN" altLang="en-US" dirty="0" smtClean="0"/>
-          </a:p>
-          <a:p>
-            <a:pPr eaLnBrk="1" hangingPunct="1">
-              <a:lnSpc>
-                <a:spcPct val="120000"/>
-              </a:lnSpc>
-              <a:spcBef>
-                <a:spcPts val="0"/>
-              </a:spcBef>
-            </a:pPr>
-            <a:r>
-              <a:rPr lang="zh-CN" altLang="en-US" dirty="0" smtClean="0"/>
-              <a:t>动态模型</a:t>
-            </a:r>
-          </a:p>
-          <a:p>
-            <a:pPr lvl="1" eaLnBrk="1" hangingPunct="1">
-              <a:lnSpc>
-                <a:spcPct val="120000"/>
-              </a:lnSpc>
-              <a:spcBef>
-                <a:spcPts val="0"/>
-              </a:spcBef>
-            </a:pPr>
-            <a:r>
-              <a:rPr lang="zh-CN" altLang="en-US" dirty="0" smtClean="0"/>
-              <a:t>主要表示软件执行动作的步骤和流程控制。</a:t>
-            </a:r>
-          </a:p>
-          <a:p>
-            <a:pPr lvl="1" eaLnBrk="1" hangingPunct="1">
-              <a:lnSpc>
-                <a:spcPct val="120000"/>
-              </a:lnSpc>
-              <a:spcBef>
-                <a:spcPts val="0"/>
-              </a:spcBef>
-            </a:pPr>
-            <a:r>
-              <a:rPr lang="zh-CN" altLang="en-US" dirty="0" smtClean="0"/>
-              <a:t>程序流程图（结构化方法） 、顺序图（面向对象方法）</a:t>
+          </a:p>
+          <a:p>
+            <a:pPr lvl="1" eaLnBrk="1" hangingPunct="1"/>
+            <a:r>
+              <a:rPr lang="zh-CN" altLang="en-US" dirty="0" smtClean="0">
+                <a:latin typeface="宋体" panose="02010600030101010101" pitchFamily="2" charset="-122"/>
+              </a:rPr>
+              <a:t>类的方法本质上也是模块封装</a:t>
             </a:r>
           </a:p>
         </p:txBody>
@@ -13474,7 +15187,7 @@
     </p:spTree>
     <p:extLst>
       <p:ext uri="{BB962C8B-B14F-4D97-AF65-F5344CB8AC3E}">
-        <p14:creationId xmlns:p14="http://schemas.microsoft.com/office/powerpoint/2010/main" val="2874546233"/>
+        <p14:creationId xmlns:p14="http://schemas.microsoft.com/office/powerpoint/2010/main" val="2678437455"/>
       </p:ext>
     </p:extLst>
   </p:cSld>
@@ -13510,6 +15223,450 @@
       </p:grpSpPr>
       <p:sp>
         <p:nvSpPr>
+          <p:cNvPr id="21506" name="Rectangle 2"/>
+          <p:cNvSpPr>
+            <a:spLocks noGrp="1" noChangeArrowheads="1"/>
+          </p:cNvSpPr>
+          <p:nvPr>
+            <p:ph type="title"/>
+          </p:nvPr>
+        </p:nvSpPr>
+        <p:spPr/>
+        <p:txBody>
+          <a:bodyPr/>
+          <a:lstStyle/>
+          <a:p>
+            <a:pPr eaLnBrk="1" hangingPunct="1"/>
+            <a:r>
+              <a:rPr lang="zh-CN" altLang="en-US" smtClean="0"/>
+              <a:t>基于服务封装的软件结构</a:t>
+            </a:r>
+          </a:p>
+        </p:txBody>
+      </p:sp>
+      <p:sp>
+        <p:nvSpPr>
+          <p:cNvPr id="21507" name="Rectangle 3"/>
+          <p:cNvSpPr>
+            <a:spLocks noGrp="1" noChangeArrowheads="1"/>
+          </p:cNvSpPr>
+          <p:nvPr>
+            <p:ph type="body" idx="1"/>
+          </p:nvPr>
+        </p:nvSpPr>
+        <p:spPr>
+          <a:xfrm>
+            <a:off x="937700" y="1772816"/>
+            <a:ext cx="7522732" cy="4401637"/>
+          </a:xfrm>
+        </p:spPr>
+        <p:txBody>
+          <a:bodyPr>
+            <a:noAutofit/>
+          </a:bodyPr>
+          <a:lstStyle/>
+          <a:p>
+            <a:pPr eaLnBrk="1" hangingPunct="1">
+              <a:lnSpc>
+                <a:spcPct val="120000"/>
+              </a:lnSpc>
+              <a:spcBef>
+                <a:spcPts val="0"/>
+              </a:spcBef>
+            </a:pPr>
+            <a:r>
+              <a:rPr lang="zh-CN" altLang="en-US" sz="2000" dirty="0" smtClean="0"/>
+              <a:t>从概念上讲，</a:t>
+            </a:r>
+            <a:r>
+              <a:rPr lang="en-US" altLang="zh-CN" sz="2000" dirty="0" smtClean="0"/>
+              <a:t>SOA</a:t>
+            </a:r>
+            <a:r>
+              <a:rPr lang="zh-CN" altLang="en-US" sz="2000" dirty="0" smtClean="0"/>
+              <a:t>中有三个主要的抽象级别元素：</a:t>
+            </a:r>
+          </a:p>
+          <a:p>
+            <a:pPr lvl="1" eaLnBrk="1" hangingPunct="1">
+              <a:lnSpc>
+                <a:spcPct val="120000"/>
+              </a:lnSpc>
+              <a:spcBef>
+                <a:spcPts val="0"/>
+              </a:spcBef>
+            </a:pPr>
+            <a:r>
+              <a:rPr lang="zh-CN" altLang="en-US" sz="2000" dirty="0" smtClean="0"/>
+              <a:t>操作：代表单个逻辑工作单元的事务。</a:t>
+            </a:r>
+            <a:r>
+              <a:rPr lang="en-US" altLang="zh-CN" sz="2000" dirty="0" smtClean="0"/>
+              <a:t>SOA</a:t>
+            </a:r>
+            <a:r>
+              <a:rPr lang="zh-CN" altLang="en-US" sz="2000" dirty="0" smtClean="0"/>
+              <a:t>操作可以与面向对象中类的方法相提并论。</a:t>
+            </a:r>
+          </a:p>
+          <a:p>
+            <a:pPr lvl="1" eaLnBrk="1" hangingPunct="1">
+              <a:lnSpc>
+                <a:spcPct val="120000"/>
+              </a:lnSpc>
+              <a:spcBef>
+                <a:spcPts val="0"/>
+              </a:spcBef>
+            </a:pPr>
+            <a:r>
+              <a:rPr lang="zh-CN" altLang="en-US" sz="2000" dirty="0" smtClean="0"/>
+              <a:t>服务：代表操作的逻辑分组。例如，如果我们将客户信用视为服务，则按照客户名称获得客户信用数据、建立信用记录、更新客户信用等就代表相关的操作。</a:t>
+            </a:r>
+          </a:p>
+          <a:p>
+            <a:pPr lvl="1" eaLnBrk="1" hangingPunct="1">
+              <a:lnSpc>
+                <a:spcPct val="120000"/>
+              </a:lnSpc>
+              <a:spcBef>
+                <a:spcPts val="0"/>
+              </a:spcBef>
+            </a:pPr>
+            <a:r>
+              <a:rPr lang="zh-CN" altLang="en-US" sz="2000" dirty="0" smtClean="0"/>
+              <a:t>业务流程：为实现特定业务目标而执行的一组长期运行的动作或活动，如：批准一项贷款、本科生转专业、完成订单等。业务流程可以通过编排一组服务来定义和实现。 </a:t>
+            </a:r>
+          </a:p>
+          <a:p>
+            <a:pPr eaLnBrk="1" hangingPunct="1">
+              <a:lnSpc>
+                <a:spcPct val="120000"/>
+              </a:lnSpc>
+              <a:spcBef>
+                <a:spcPts val="0"/>
+              </a:spcBef>
+            </a:pPr>
+            <a:r>
+              <a:rPr kumimoji="1" lang="zh-CN" altLang="en-US" sz="2000" dirty="0" smtClean="0"/>
+              <a:t>主要模型：构件图（</a:t>
+            </a:r>
+            <a:r>
+              <a:rPr kumimoji="1" lang="en-US" altLang="zh-CN" sz="2000" dirty="0" smtClean="0"/>
+              <a:t>Component Diagram</a:t>
+            </a:r>
+            <a:r>
+              <a:rPr kumimoji="1" lang="zh-CN" altLang="en-US" sz="2000" dirty="0" smtClean="0"/>
+              <a:t>）</a:t>
+            </a:r>
+            <a:r>
+              <a:rPr kumimoji="1" lang="en-US" altLang="zh-CN" sz="2000" dirty="0" smtClean="0"/>
+              <a:t>/</a:t>
+            </a:r>
+            <a:r>
+              <a:rPr kumimoji="1" lang="en-US" altLang="zh-CN" sz="2000" dirty="0" err="1" smtClean="0"/>
+              <a:t>SoaML</a:t>
+            </a:r>
+            <a:r>
+              <a:rPr kumimoji="1" lang="en-US" altLang="zh-CN" sz="2000" dirty="0" smtClean="0"/>
+              <a:t>/BPMN</a:t>
+            </a:r>
+          </a:p>
+          <a:p>
+            <a:pPr lvl="1" eaLnBrk="1" hangingPunct="1">
+              <a:lnSpc>
+                <a:spcPct val="120000"/>
+              </a:lnSpc>
+              <a:spcBef>
+                <a:spcPts val="0"/>
+              </a:spcBef>
+            </a:pPr>
+            <a:r>
+              <a:rPr lang="zh-CN" altLang="en-US" sz="2000" dirty="0" smtClean="0">
+                <a:latin typeface="宋体" panose="02010600030101010101" pitchFamily="2" charset="-122"/>
+              </a:rPr>
+              <a:t>底层基于类来实现</a:t>
+            </a:r>
+          </a:p>
+        </p:txBody>
+      </p:sp>
+    </p:spTree>
+    <p:extLst>
+      <p:ext uri="{BB962C8B-B14F-4D97-AF65-F5344CB8AC3E}">
+        <p14:creationId xmlns:p14="http://schemas.microsoft.com/office/powerpoint/2010/main" val="1357736671"/>
+      </p:ext>
+    </p:extLst>
+  </p:cSld>
+  <p:clrMapOvr>
+    <a:masterClrMapping/>
+  </p:clrMapOvr>
+  <p:timing>
+    <p:tnLst>
+      <p:par>
+        <p:cTn id="1" dur="indefinite" restart="never" nodeType="tmRoot"/>
+      </p:par>
+    </p:tnLst>
+  </p:timing>
+</p:sld>
+</file>
+
+<file path=ppt/slides/slide26.xml><?xml version="1.0" encoding="utf-8"?>
+<p:sld xmlns:a="http://schemas.openxmlformats.org/drawingml/2006/main" xmlns:r="http://schemas.openxmlformats.org/officeDocument/2006/relationships" xmlns:p="http://schemas.openxmlformats.org/presentationml/2006/main">
+  <p:cSld>
+    <p:spTree>
+      <p:nvGrpSpPr>
+        <p:cNvPr id="1" name=""/>
+        <p:cNvGrpSpPr/>
+        <p:nvPr/>
+      </p:nvGrpSpPr>
+      <p:grpSpPr>
+        <a:xfrm>
+          <a:off x="0" y="0"/>
+          <a:ext cx="0" cy="0"/>
+          <a:chOff x="0" y="0"/>
+          <a:chExt cx="0" cy="0"/>
+        </a:xfrm>
+      </p:grpSpPr>
+      <p:sp>
+        <p:nvSpPr>
+          <p:cNvPr id="22530" name="Rectangle 2"/>
+          <p:cNvSpPr>
+            <a:spLocks noGrp="1" noChangeArrowheads="1"/>
+          </p:cNvSpPr>
+          <p:nvPr>
+            <p:ph type="title"/>
+          </p:nvPr>
+        </p:nvSpPr>
+        <p:spPr/>
+        <p:txBody>
+          <a:bodyPr/>
+          <a:lstStyle/>
+          <a:p>
+            <a:pPr eaLnBrk="1" hangingPunct="1"/>
+            <a:r>
+              <a:rPr lang="zh-CN" altLang="en-US" smtClean="0"/>
+              <a:t>软件设计的两类模型</a:t>
+            </a:r>
+          </a:p>
+        </p:txBody>
+      </p:sp>
+      <p:sp>
+        <p:nvSpPr>
+          <p:cNvPr id="22531" name="Rectangle 3"/>
+          <p:cNvSpPr>
+            <a:spLocks noGrp="1" noChangeArrowheads="1"/>
+          </p:cNvSpPr>
+          <p:nvPr>
+            <p:ph type="body" idx="1"/>
+          </p:nvPr>
+        </p:nvSpPr>
+        <p:spPr>
+          <a:xfrm>
+            <a:off x="683567" y="1772816"/>
+            <a:ext cx="7848873" cy="4536504"/>
+          </a:xfrm>
+        </p:spPr>
+        <p:txBody>
+          <a:bodyPr>
+            <a:normAutofit fontScale="70000" lnSpcReduction="20000"/>
+          </a:bodyPr>
+          <a:lstStyle/>
+          <a:p>
+            <a:pPr eaLnBrk="1" hangingPunct="1">
+              <a:lnSpc>
+                <a:spcPct val="120000"/>
+              </a:lnSpc>
+              <a:spcBef>
+                <a:spcPts val="0"/>
+              </a:spcBef>
+              <a:buFont typeface="Wingdings" panose="05000000000000000000" pitchFamily="2" charset="2"/>
+              <a:buNone/>
+            </a:pPr>
+            <a:r>
+              <a:rPr lang="zh-CN" altLang="en-US" dirty="0" smtClean="0"/>
+              <a:t>软件模型最主要的两个方面：</a:t>
+            </a:r>
+          </a:p>
+          <a:p>
+            <a:pPr eaLnBrk="1" hangingPunct="1">
+              <a:lnSpc>
+                <a:spcPct val="120000"/>
+              </a:lnSpc>
+              <a:spcBef>
+                <a:spcPts val="0"/>
+              </a:spcBef>
+              <a:buFont typeface="Wingdings" panose="05000000000000000000" pitchFamily="2" charset="2"/>
+              <a:buNone/>
+            </a:pPr>
+            <a:endParaRPr lang="zh-CN" altLang="en-US" dirty="0" smtClean="0"/>
+          </a:p>
+          <a:p>
+            <a:pPr eaLnBrk="1" hangingPunct="1">
+              <a:lnSpc>
+                <a:spcPct val="120000"/>
+              </a:lnSpc>
+              <a:spcBef>
+                <a:spcPts val="0"/>
+              </a:spcBef>
+            </a:pPr>
+            <a:r>
+              <a:rPr lang="zh-CN" altLang="en-US" dirty="0" smtClean="0"/>
+              <a:t>静态模型</a:t>
+            </a:r>
+          </a:p>
+          <a:p>
+            <a:pPr lvl="1" eaLnBrk="1" hangingPunct="1">
+              <a:lnSpc>
+                <a:spcPct val="120000"/>
+              </a:lnSpc>
+              <a:spcBef>
+                <a:spcPts val="0"/>
+              </a:spcBef>
+            </a:pPr>
+            <a:r>
+              <a:rPr lang="zh-CN" altLang="en-US" dirty="0" smtClean="0"/>
+              <a:t>主要表示软件结构，即组成元素及其关系，一种是开发态的源程序结构，另一种是运行态的构件结构，即程序打包编译</a:t>
+            </a:r>
+            <a:r>
+              <a:rPr kumimoji="1" lang="zh-CN" altLang="en-US" dirty="0" smtClean="0"/>
+              <a:t>后的组件结构（</a:t>
+            </a:r>
+            <a:r>
+              <a:rPr kumimoji="1" lang="en-US" altLang="zh-CN" dirty="0" smtClean="0"/>
+              <a:t>Component</a:t>
+            </a:r>
+            <a:r>
+              <a:rPr kumimoji="1" lang="zh-CN" altLang="en-US" dirty="0" smtClean="0"/>
+              <a:t>，如</a:t>
+            </a:r>
+            <a:r>
+              <a:rPr kumimoji="1" lang="en-US" altLang="zh-CN" dirty="0" smtClean="0"/>
+              <a:t>jar</a:t>
+            </a:r>
+            <a:r>
+              <a:rPr kumimoji="1" lang="zh-CN" altLang="en-US" dirty="0" smtClean="0"/>
+              <a:t>、</a:t>
+            </a:r>
+            <a:r>
+              <a:rPr kumimoji="1" lang="en-US" altLang="zh-CN" dirty="0" err="1" smtClean="0"/>
+              <a:t>dll</a:t>
+            </a:r>
+            <a:r>
+              <a:rPr kumimoji="1" lang="zh-CN" altLang="en-US" dirty="0" smtClean="0"/>
+              <a:t>）</a:t>
+            </a:r>
+            <a:r>
+              <a:rPr lang="zh-CN" altLang="en-US" dirty="0" smtClean="0"/>
+              <a:t> 。</a:t>
+            </a:r>
+          </a:p>
+          <a:p>
+            <a:pPr lvl="1" eaLnBrk="1" hangingPunct="1">
+              <a:lnSpc>
+                <a:spcPct val="120000"/>
+              </a:lnSpc>
+              <a:spcBef>
+                <a:spcPts val="0"/>
+              </a:spcBef>
+            </a:pPr>
+            <a:r>
+              <a:rPr lang="zh-CN" altLang="en-US" dirty="0" smtClean="0"/>
+              <a:t>可以采用模块结构图（结构化方法）、类图（面向对象方法）、构件图等描述软件结构。</a:t>
+            </a:r>
+          </a:p>
+          <a:p>
+            <a:pPr lvl="1" eaLnBrk="1" hangingPunct="1">
+              <a:lnSpc>
+                <a:spcPct val="120000"/>
+              </a:lnSpc>
+              <a:spcBef>
+                <a:spcPts val="0"/>
+              </a:spcBef>
+            </a:pPr>
+            <a:endParaRPr lang="zh-CN" altLang="en-US" dirty="0" smtClean="0"/>
+          </a:p>
+          <a:p>
+            <a:pPr eaLnBrk="1" hangingPunct="1">
+              <a:lnSpc>
+                <a:spcPct val="120000"/>
+              </a:lnSpc>
+              <a:spcBef>
+                <a:spcPts val="0"/>
+              </a:spcBef>
+            </a:pPr>
+            <a:r>
+              <a:rPr lang="zh-CN" altLang="en-US" dirty="0" smtClean="0"/>
+              <a:t>动态模型</a:t>
+            </a:r>
+          </a:p>
+          <a:p>
+            <a:pPr lvl="1" eaLnBrk="1" hangingPunct="1">
+              <a:lnSpc>
+                <a:spcPct val="120000"/>
+              </a:lnSpc>
+              <a:spcBef>
+                <a:spcPts val="0"/>
+              </a:spcBef>
+            </a:pPr>
+            <a:r>
+              <a:rPr lang="zh-CN" altLang="en-US" dirty="0" smtClean="0"/>
+              <a:t>主要表示软件执行动作的步骤和流程控制。</a:t>
+            </a:r>
+          </a:p>
+          <a:p>
+            <a:pPr lvl="1" eaLnBrk="1" hangingPunct="1">
+              <a:lnSpc>
+                <a:spcPct val="120000"/>
+              </a:lnSpc>
+              <a:spcBef>
+                <a:spcPts val="0"/>
+              </a:spcBef>
+            </a:pPr>
+            <a:r>
+              <a:rPr lang="zh-CN" altLang="en-US" dirty="0" smtClean="0"/>
+              <a:t>程序流程图（结构化方法） 、顺序图（面向对象方法）</a:t>
+            </a:r>
+          </a:p>
+        </p:txBody>
+      </p:sp>
+    </p:spTree>
+    <p:extLst>
+      <p:ext uri="{BB962C8B-B14F-4D97-AF65-F5344CB8AC3E}">
+        <p14:creationId xmlns:p14="http://schemas.microsoft.com/office/powerpoint/2010/main" val="2874546233"/>
+      </p:ext>
+    </p:extLst>
+  </p:cSld>
+  <p:clrMapOvr>
+    <a:masterClrMapping/>
+  </p:clrMapOvr>
+  <p:timing>
+    <p:tnLst>
+      <p:par>
+        <p:cTn id="1" dur="indefinite" restart="never" nodeType="tmRoot"/>
+      </p:par>
+    </p:tnLst>
+  </p:timing>
+</p:sld>
+</file>
+
+<file path=ppt/slides/slide27.xml><?xml version="1.0" encoding="utf-8"?>
+<p:sld xmlns:a="http://schemas.openxmlformats.org/drawingml/2006/main" xmlns:r="http://schemas.openxmlformats.org/officeDocument/2006/relationships" xmlns:p="http://schemas.openxmlformats.org/presentationml/2006/main">
+  <p:cSld>
+    <p:spTree>
+      <p:nvGrpSpPr>
+        <p:cNvPr id="1" name=""/>
+        <p:cNvGrpSpPr/>
+        <p:nvPr/>
+      </p:nvGrpSpPr>
+      <p:grpSpPr>
+        <a:xfrm>
+          <a:off x="0" y="0"/>
+          <a:ext cx="0" cy="0"/>
+          <a:chOff x="0" y="0"/>
+          <a:chExt cx="0" cy="0"/>
+        </a:xfrm>
+      </p:grpSpPr>
+      <p:sp>
+        <p:nvSpPr>
           <p:cNvPr id="23554" name="Rectangle 2"/>
           <p:cNvSpPr>
             <a:spLocks noGrp="1" noChangeArrowheads="1"/>
@@ -13633,7 +15790,7 @@
 </p:sld>
 </file>
 
-<file path=ppt/slides/slide26.xml><?xml version="1.0" encoding="utf-8"?>
+<file path=ppt/slides/slide28.xml><?xml version="1.0" encoding="utf-8"?>
 <p:sld xmlns:a="http://schemas.openxmlformats.org/drawingml/2006/main" xmlns:r="http://schemas.openxmlformats.org/officeDocument/2006/relationships" xmlns:p="http://schemas.openxmlformats.org/presentationml/2006/main">
   <p:cSld>
     <p:spTree>
@@ -14378,7 +16535,7 @@
           <a:graphicData uri="http://schemas.openxmlformats.org/presentationml/2006/ole">
             <mc:AlternateContent xmlns:mc="http://schemas.openxmlformats.org/markup-compatibility/2006">
               <mc:Choice xmlns:v="urn:schemas-microsoft-com:vml" Requires="v">
-                <p:oleObj spid="_x0000_s5132" name="位图图像" r:id="rId3" imgW="895238" imgH="905001" progId="Paint.Picture">
+                <p:oleObj spid="_x0000_s5142" name="位图图像" r:id="rId3" imgW="895238" imgH="905001" progId="Paint.Picture">
                   <p:embed/>
                 </p:oleObj>
               </mc:Choice>
@@ -14471,7 +16628,7 @@
           <a:graphicData uri="http://schemas.openxmlformats.org/presentationml/2006/ole">
             <mc:AlternateContent xmlns:mc="http://schemas.openxmlformats.org/markup-compatibility/2006">
               <mc:Choice xmlns:v="urn:schemas-microsoft-com:vml" Requires="v">
-                <p:oleObj spid="_x0000_s5133" name="位图图像" r:id="rId5" imgW="905001" imgH="905001" progId="Paint.Picture">
+                <p:oleObj spid="_x0000_s5143" name="位图图像" r:id="rId5" imgW="905001" imgH="905001" progId="Paint.Picture">
                   <p:embed/>
                 </p:oleObj>
               </mc:Choice>
@@ -17047,13 +19204,8 @@
             </a:r>
             <a:r>
               <a:rPr lang="zh-CN" altLang="en-US" sz="2400" dirty="0" smtClean="0"/>
-              <a:t>）：当软件需要改动时，设计不容易保持稳定，逐渐脱离最初的设计思路而走样，造成软件不同版本之间存在较大差异</a:t>
-            </a:r>
-            <a:r>
-              <a:rPr lang="zh-CN" altLang="en-US" sz="2400" dirty="0" smtClean="0"/>
-              <a:t>。</a:t>
-            </a:r>
-            <a:endParaRPr lang="zh-CN" altLang="en-US" sz="2400" dirty="0" smtClean="0"/>
+              <a:t>）：当软件需要改动时，设计不容易保持稳定，逐渐脱离最初的设计思路而走样，造成软件不同版本之间存在较大差异。</a:t>
+            </a:r>
           </a:p>
         </p:txBody>
       </p:sp>
